--- a/BancoDados/4_Semestre/ComputacaoCognitiva/ACs/PROJETO/Mineração de Texto.pptx
+++ b/BancoDados/4_Semestre/ComputacaoCognitiva/ACs/PROJETO/Mineração de Texto.pptx
@@ -7,9 +7,11 @@
   </p:sldMasterIdLst>
   <p:sldIdLst>
     <p:sldId id="256" r:id="rId3"/>
-    <p:sldId id="257" r:id="rId4"/>
-    <p:sldId id="258" r:id="rId5"/>
-    <p:sldId id="259" r:id="rId6"/>
+    <p:sldId id="261" r:id="rId4"/>
+    <p:sldId id="260" r:id="rId5"/>
+    <p:sldId id="257" r:id="rId6"/>
+    <p:sldId id="258" r:id="rId7"/>
+    <p:sldId id="259" r:id="rId8"/>
   </p:sldIdLst>
   <p:sldSz cx="9144000" cy="5143500" type="screen16x9"/>
   <p:notesSz cx="6858000" cy="9144000"/>
@@ -108,6 +110,11 @@
       </a:defRPr>
     </a:lvl9pPr>
   </p:defaultTextStyle>
+  <p:extLst>
+    <p:ext uri="{EFAFB233-063F-42B5-8137-9DF3F51BA10A}">
+      <p15:sldGuideLst xmlns:p15="http://schemas.microsoft.com/office/powerpoint/2012/main"/>
+    </p:ext>
+  </p:extLst>
 </p:presentation>
 </file>
 
@@ -11422,8 +11429,8 @@
         </p:nvSpPr>
         <p:spPr>
           <a:xfrm>
-            <a:off x="824040" y="1613880"/>
-            <a:ext cx="7707240" cy="1872720"/>
+            <a:off x="698144" y="1236193"/>
+            <a:ext cx="7707240" cy="930537"/>
           </a:xfrm>
           <a:prstGeom prst="rect">
             <a:avLst/>
@@ -11448,7 +11455,7 @@
               </a:tabLst>
             </a:pPr>
             <a:r>
-              <a:rPr lang="pt-BR" sz="3600" b="1" strike="noStrike" spc="-1">
+              <a:rPr lang="pt-BR" sz="3600" b="1" strike="noStrike" spc="-1" dirty="0">
                 <a:solidFill>
                   <a:srgbClr val="FFFFFF"/>
                 </a:solidFill>
@@ -11457,7 +11464,7 @@
               </a:rPr>
               <a:t>Mineração de Texto</a:t>
             </a:r>
-            <a:endParaRPr lang="pt-BR" sz="3600" b="0" strike="noStrike" spc="-1">
+            <a:endParaRPr lang="pt-BR" sz="3600" b="0" strike="noStrike" spc="-1" dirty="0">
               <a:solidFill>
                 <a:srgbClr val="000000"/>
               </a:solidFill>
@@ -11474,8 +11481,8 @@
         </p:nvSpPr>
         <p:spPr>
           <a:xfrm>
-            <a:off x="824040" y="3596400"/>
-            <a:ext cx="3329280" cy="546840"/>
+            <a:off x="698144" y="2799234"/>
+            <a:ext cx="7213403" cy="546840"/>
           </a:xfrm>
           <a:prstGeom prst="rect">
             <a:avLst/>
@@ -11487,7 +11494,7 @@
         </p:spPr>
         <p:txBody>
           <a:bodyPr tIns="91440" bIns="91440" anchor="ctr">
-            <a:normAutofit fontScale="97000"/>
+            <a:normAutofit fontScale="74500" lnSpcReduction="20000"/>
           </a:bodyPr>
           <a:lstStyle/>
           <a:p>
@@ -11500,16 +11507,271 @@
               </a:tabLst>
             </a:pPr>
             <a:r>
-              <a:rPr lang="pt-BR" sz="1600" b="0" strike="noStrike" spc="-1">
+              <a:rPr lang="pt-BR" dirty="0" smtClean="0"/>
+              <a:t>TEMA: Análise </a:t>
+            </a:r>
+            <a:r>
+              <a:rPr lang="pt-BR" dirty="0"/>
+              <a:t>de sentimentos do </a:t>
+            </a:r>
+            <a:r>
+              <a:rPr lang="pt-BR" dirty="0" err="1"/>
+              <a:t>Twitter</a:t>
+            </a:r>
+            <a:r>
+              <a:rPr lang="pt-BR" dirty="0"/>
+              <a:t> para detectar </a:t>
+            </a:r>
+            <a:r>
+              <a:rPr lang="pt-BR" dirty="0" err="1"/>
+              <a:t>tweets</a:t>
+            </a:r>
+            <a:r>
+              <a:rPr lang="pt-BR" dirty="0"/>
+              <a:t> positivos e negativos.</a:t>
+            </a:r>
+            <a:endParaRPr lang="pt-BR" sz="1600" b="0" strike="noStrike" spc="-1" dirty="0">
+              <a:latin typeface="Arial"/>
+            </a:endParaRPr>
+          </a:p>
+        </p:txBody>
+      </p:sp>
+      <p:pic>
+        <p:nvPicPr>
+          <p:cNvPr id="1026" name="Picture 2" descr="https://account.impacta.edu.br/res/img/logo-faculdade-branco.png"/>
+          <p:cNvPicPr>
+            <a:picLocks noChangeAspect="1" noChangeArrowheads="1"/>
+          </p:cNvPicPr>
+          <p:nvPr/>
+        </p:nvPicPr>
+        <p:blipFill>
+          <a:blip r:embed="rId2">
+            <a:extLst>
+              <a:ext uri="{28A0092B-C50C-407E-A947-70E740481C1C}">
+                <a14:useLocalDpi xmlns:a14="http://schemas.microsoft.com/office/drawing/2010/main" val="0"/>
+              </a:ext>
+            </a:extLst>
+          </a:blip>
+          <a:srcRect/>
+          <a:stretch>
+            <a:fillRect/>
+          </a:stretch>
+        </p:blipFill>
+        <p:spPr bwMode="auto">
+          <a:xfrm>
+            <a:off x="0" y="0"/>
+            <a:ext cx="2143125" cy="666751"/>
+          </a:xfrm>
+          <a:prstGeom prst="rect">
+            <a:avLst/>
+          </a:prstGeom>
+          <a:noFill/>
+          <a:extLst>
+            <a:ext uri="{909E8E84-426E-40DD-AFC4-6F175D3DCCD1}">
+              <a14:hiddenFill xmlns:a14="http://schemas.microsoft.com/office/drawing/2010/main">
                 <a:solidFill>
                   <a:srgbClr val="FFFFFF"/>
                 </a:solidFill>
-                <a:latin typeface="Nunito"/>
-                <a:ea typeface="Nunito"/>
+              </a14:hiddenFill>
+            </a:ext>
+          </a:extLst>
+        </p:spPr>
+      </p:pic>
+      <p:sp>
+        <p:nvSpPr>
+          <p:cNvPr id="5" name="Google Shape;278;p13"/>
+          <p:cNvSpPr txBox="1"/>
+          <p:nvPr/>
+        </p:nvSpPr>
+        <p:spPr>
+          <a:xfrm>
+            <a:off x="4790662" y="4201029"/>
+            <a:ext cx="4353338" cy="942471"/>
+          </a:xfrm>
+          <a:prstGeom prst="rect">
+            <a:avLst/>
+          </a:prstGeom>
+          <a:noFill/>
+          <a:ln w="0">
+            <a:noFill/>
+          </a:ln>
+        </p:spPr>
+        <p:txBody>
+          <a:bodyPr tIns="91440" bIns="91440" anchor="ctr">
+            <a:normAutofit fontScale="82000" lnSpcReduction="10000"/>
+          </a:bodyPr>
+          <a:lstStyle/>
+          <a:p>
+            <a:r>
+              <a:rPr lang="pt-BR" b="1" dirty="0"/>
+              <a:t>Equipe: </a:t>
+            </a:r>
+            <a:r>
+              <a:rPr lang="pt-BR" dirty="0" err="1"/>
+              <a:t>QueryOnVision</a:t>
+            </a:r>
+            <a:r>
+              <a:rPr lang="pt-BR" dirty="0"/>
+              <a:t> </a:t>
+            </a:r>
+            <a:endParaRPr lang="pt-BR" sz="1600" dirty="0"/>
+          </a:p>
+          <a:p>
+            <a:pPr marL="742950" lvl="1" indent="-285750" fontAlgn="base">
+              <a:buFont typeface="Arial" panose="020B0604020202020204" pitchFamily="34" charset="0"/>
+              <a:buChar char="•"/>
+            </a:pPr>
+            <a:r>
+              <a:rPr lang="pt-BR" sz="1500" dirty="0"/>
+              <a:t>Lucimara Mendes da Silva </a:t>
+            </a:r>
+            <a:r>
+              <a:rPr lang="pt-BR" sz="1500" dirty="0" smtClean="0"/>
+              <a:t>	RA</a:t>
+            </a:r>
+            <a:r>
+              <a:rPr lang="pt-BR" sz="1500" dirty="0"/>
+              <a:t>: 1903617</a:t>
+            </a:r>
+          </a:p>
+          <a:p>
+            <a:pPr marL="742950" lvl="1" indent="-285750" fontAlgn="base">
+              <a:buFont typeface="Arial" panose="020B0604020202020204" pitchFamily="34" charset="0"/>
+              <a:buChar char="•"/>
+            </a:pPr>
+            <a:r>
+              <a:rPr lang="pt-BR" sz="1500" dirty="0"/>
+              <a:t>Ageu Lima Ribeiro </a:t>
+            </a:r>
+            <a:r>
+              <a:rPr lang="pt-BR" sz="1500" dirty="0" smtClean="0"/>
+              <a:t>	RA</a:t>
+            </a:r>
+            <a:r>
+              <a:rPr lang="pt-BR" sz="1500" dirty="0"/>
+              <a:t>: 1800791</a:t>
+            </a:r>
+          </a:p>
+          <a:p>
+            <a:pPr marL="742950" lvl="1" indent="-285750">
+              <a:buFont typeface="Arial" panose="020B0604020202020204" pitchFamily="34" charset="0"/>
+              <a:buChar char="•"/>
+            </a:pPr>
+            <a:r>
+              <a:rPr lang="pt-BR" sz="1500" dirty="0"/>
+              <a:t>Gabriel Serrano Scalione </a:t>
+            </a:r>
+            <a:r>
+              <a:rPr lang="pt-BR" sz="1500" dirty="0" smtClean="0"/>
+              <a:t>	RA</a:t>
+            </a:r>
+            <a:r>
+              <a:rPr lang="pt-BR" sz="1500" dirty="0"/>
+              <a:t>: 1903812</a:t>
+            </a:r>
+            <a:endParaRPr lang="pt-BR" sz="1300" b="0" strike="noStrike" spc="-1" dirty="0">
+              <a:latin typeface="Arial"/>
+            </a:endParaRPr>
+          </a:p>
+        </p:txBody>
+      </p:sp>
+      <p:sp>
+        <p:nvSpPr>
+          <p:cNvPr id="6" name="Google Shape;277;p13"/>
+          <p:cNvSpPr txBox="1"/>
+          <p:nvPr/>
+        </p:nvSpPr>
+        <p:spPr>
+          <a:xfrm>
+            <a:off x="2193235" y="28646"/>
+            <a:ext cx="6891130" cy="355667"/>
+          </a:xfrm>
+          <a:prstGeom prst="rect">
+            <a:avLst/>
+          </a:prstGeom>
+          <a:noFill/>
+          <a:ln w="0">
+            <a:noFill/>
+          </a:ln>
+        </p:spPr>
+        <p:txBody>
+          <a:bodyPr tIns="91440" bIns="91440" anchor="ctr">
+            <a:normAutofit fontScale="85000" lnSpcReduction="20000"/>
+          </a:bodyPr>
+          <a:lstStyle/>
+          <a:p>
+            <a:pPr algn="r">
+              <a:lnSpc>
+                <a:spcPct val="100000"/>
+              </a:lnSpc>
+              <a:tabLst>
+                <a:tab pos="0" algn="l"/>
+              </a:tabLst>
+            </a:pPr>
+            <a:r>
+              <a:rPr lang="pt-BR" sz="1600" b="1" strike="noStrike" spc="-1" dirty="0" smtClean="0">
+                <a:solidFill>
+                  <a:srgbClr val="FFFFFF"/>
+                </a:solidFill>
+                <a:latin typeface="Maven Pro"/>
+                <a:ea typeface="Maven Pro"/>
               </a:rPr>
-              <a:t>Análise de sentimentos do twitter</a:t>
-            </a:r>
-            <a:endParaRPr lang="pt-BR" sz="1600" b="0" strike="noStrike" spc="-1">
+              <a:t>Computação Cognitiva </a:t>
+            </a:r>
+            <a:r>
+              <a:rPr lang="pt-BR" sz="1600" b="1" spc="-1" dirty="0">
+                <a:solidFill>
+                  <a:srgbClr val="FFFFFF"/>
+                </a:solidFill>
+                <a:latin typeface="Maven Pro"/>
+                <a:ea typeface="Maven Pro"/>
+              </a:rPr>
+              <a:t>– Projeto </a:t>
+            </a:r>
+            <a:r>
+              <a:rPr lang="pt-BR" sz="1600" b="1" spc="-1" dirty="0" err="1">
+                <a:solidFill>
+                  <a:srgbClr val="FFFFFF"/>
+                </a:solidFill>
+                <a:latin typeface="Maven Pro"/>
+                <a:ea typeface="Maven Pro"/>
+              </a:rPr>
+              <a:t>Tweets</a:t>
+            </a:r>
+            <a:r>
+              <a:rPr lang="pt-BR" sz="1600" b="1" spc="-1" dirty="0">
+                <a:solidFill>
+                  <a:srgbClr val="FFFFFF"/>
+                </a:solidFill>
+                <a:latin typeface="Maven Pro"/>
+                <a:ea typeface="Maven Pro"/>
+              </a:rPr>
+              <a:t> </a:t>
+            </a:r>
+            <a:r>
+              <a:rPr lang="pt-BR" sz="1600" b="1" spc="-1" dirty="0" err="1">
+                <a:solidFill>
+                  <a:srgbClr val="FFFFFF"/>
+                </a:solidFill>
+                <a:latin typeface="Maven Pro"/>
+                <a:ea typeface="Maven Pro"/>
+              </a:rPr>
+              <a:t>Haters</a:t>
+            </a:r>
+            <a:r>
+              <a:rPr lang="pt-BR" sz="1600" b="1" spc="-1" dirty="0">
+                <a:solidFill>
+                  <a:srgbClr val="FFFFFF"/>
+                </a:solidFill>
+                <a:latin typeface="Maven Pro"/>
+                <a:ea typeface="Maven Pro"/>
+              </a:rPr>
+              <a:t> </a:t>
+            </a:r>
+            <a:endParaRPr lang="pt-BR" sz="1600" b="0" strike="noStrike" spc="-1" dirty="0">
+              <a:solidFill>
+                <a:srgbClr val="000000"/>
+              </a:solidFill>
               <a:latin typeface="Arial"/>
             </a:endParaRPr>
           </a:p>
@@ -11524,7 +11786,7 @@
     <mc:Choice Requires="p14">
       <p:transition spd="slow" p14:dur="2000"/>
     </mc:Choice>
-    <mc:Fallback xmlns:p15="http://schemas.microsoft.com/office/powerpoint/2012/main" xmlns="">
+    <mc:Fallback xmlns="" xmlns:p15="http://schemas.microsoft.com/office/powerpoint/2012/main">
       <p:transition spd="slow"/>
     </mc:Fallback>
   </mc:AlternateContent>
@@ -11548,16 +11810,57 @@
           <a:chExt cx="0" cy="0"/>
         </a:xfrm>
       </p:grpSpPr>
-      <p:sp>
-        <p:nvSpPr>
-          <p:cNvPr id="119" name="Google Shape;283;p14"/>
+      <p:pic>
+        <p:nvPicPr>
+          <p:cNvPr id="1026" name="Picture 2" descr="https://account.impacta.edu.br/res/img/logo-faculdade-branco.png"/>
+          <p:cNvPicPr>
+            <a:picLocks noChangeAspect="1" noChangeArrowheads="1"/>
+          </p:cNvPicPr>
+          <p:nvPr/>
+        </p:nvPicPr>
+        <p:blipFill>
+          <a:blip r:embed="rId2">
+            <a:extLst>
+              <a:ext uri="{28A0092B-C50C-407E-A947-70E740481C1C}">
+                <a14:useLocalDpi xmlns:a14="http://schemas.microsoft.com/office/drawing/2010/main" val="0"/>
+              </a:ext>
+            </a:extLst>
+          </a:blip>
+          <a:srcRect/>
+          <a:stretch>
+            <a:fillRect/>
+          </a:stretch>
+        </p:blipFill>
+        <p:spPr bwMode="auto">
+          <a:xfrm>
+            <a:off x="0" y="0"/>
+            <a:ext cx="2143125" cy="666751"/>
+          </a:xfrm>
+          <a:prstGeom prst="rect">
+            <a:avLst/>
+          </a:prstGeom>
+          <a:noFill/>
+          <a:extLst>
+            <a:ext uri="{909E8E84-426E-40DD-AFC4-6F175D3DCCD1}">
+              <a14:hiddenFill xmlns:a14="http://schemas.microsoft.com/office/drawing/2010/main">
+                <a:solidFill>
+                  <a:srgbClr val="FFFFFF"/>
+                </a:solidFill>
+              </a14:hiddenFill>
+            </a:ext>
+          </a:extLst>
+        </p:spPr>
+      </p:pic>
+      <p:sp>
+        <p:nvSpPr>
+          <p:cNvPr id="6" name="Google Shape;277;p13"/>
           <p:cNvSpPr txBox="1"/>
           <p:nvPr/>
         </p:nvSpPr>
         <p:spPr>
           <a:xfrm>
-            <a:off x="1303920" y="598680"/>
-            <a:ext cx="7030080" cy="999000"/>
+            <a:off x="2193235" y="28646"/>
+            <a:ext cx="6891130" cy="355667"/>
           </a:xfrm>
           <a:prstGeom prst="rect">
             <a:avLst/>
@@ -11568,12 +11871,12 @@
           </a:ln>
         </p:spPr>
         <p:txBody>
-          <a:bodyPr tIns="91440" bIns="91440">
-            <a:normAutofit/>
+          <a:bodyPr tIns="91440" bIns="91440" anchor="ctr">
+            <a:normAutofit fontScale="85000" lnSpcReduction="20000"/>
           </a:bodyPr>
           <a:lstStyle/>
           <a:p>
-            <a:pPr>
+            <a:pPr algn="r">
               <a:lnSpc>
                 <a:spcPct val="100000"/>
               </a:lnSpc>
@@ -11582,16 +11885,66 @@
               </a:tabLst>
             </a:pPr>
             <a:r>
-              <a:rPr lang="pt-BR" sz="2800" b="1" strike="noStrike" spc="-1">
-                <a:solidFill>
-                  <a:srgbClr val="424242"/>
+              <a:rPr lang="pt-BR" sz="1600" b="1" strike="noStrike" spc="-1" dirty="0" smtClean="0">
+                <a:solidFill>
+                  <a:srgbClr val="FFFFFF"/>
                 </a:solidFill>
                 <a:latin typeface="Maven Pro"/>
                 <a:ea typeface="Maven Pro"/>
               </a:rPr>
-              <a:t>Análise dos dados</a:t>
-            </a:r>
-            <a:endParaRPr lang="pt-BR" sz="2800" b="0" strike="noStrike" spc="-1">
+              <a:t>Computação Cognitiva </a:t>
+            </a:r>
+            <a:r>
+              <a:rPr lang="pt-BR" sz="1600" b="1" spc="-1" dirty="0">
+                <a:solidFill>
+                  <a:srgbClr val="FFFFFF"/>
+                </a:solidFill>
+                <a:latin typeface="Maven Pro"/>
+                <a:ea typeface="Maven Pro"/>
+              </a:rPr>
+              <a:t>– Projeto </a:t>
+            </a:r>
+            <a:r>
+              <a:rPr lang="pt-BR" sz="1600" b="1" spc="-1" dirty="0" err="1">
+                <a:solidFill>
+                  <a:srgbClr val="FFFFFF"/>
+                </a:solidFill>
+                <a:latin typeface="Maven Pro"/>
+                <a:ea typeface="Maven Pro"/>
+              </a:rPr>
+              <a:t>Tweets</a:t>
+            </a:r>
+            <a:r>
+              <a:rPr lang="pt-BR" sz="1600" b="1" spc="-1" dirty="0">
+                <a:solidFill>
+                  <a:srgbClr val="FFFFFF"/>
+                </a:solidFill>
+                <a:latin typeface="Maven Pro"/>
+                <a:ea typeface="Maven Pro"/>
+              </a:rPr>
+              <a:t> </a:t>
+            </a:r>
+            <a:r>
+              <a:rPr lang="pt-BR" sz="1600" b="1" spc="-1" dirty="0" err="1">
+                <a:solidFill>
+                  <a:srgbClr val="FFFFFF"/>
+                </a:solidFill>
+                <a:latin typeface="Maven Pro"/>
+                <a:ea typeface="Maven Pro"/>
+              </a:rPr>
+              <a:t>Haters</a:t>
+            </a:r>
+            <a:r>
+              <a:rPr lang="pt-BR" sz="1600" b="1" spc="-1" dirty="0">
+                <a:solidFill>
+                  <a:srgbClr val="FFFFFF"/>
+                </a:solidFill>
+                <a:latin typeface="Maven Pro"/>
+                <a:ea typeface="Maven Pro"/>
+              </a:rPr>
+              <a:t> </a:t>
+            </a:r>
+            <a:endParaRPr lang="pt-BR" sz="1600" b="0" strike="noStrike" spc="-1" dirty="0">
               <a:solidFill>
                 <a:srgbClr val="000000"/>
               </a:solidFill>
@@ -11602,121 +11955,89 @@
       </p:sp>
       <p:sp>
         <p:nvSpPr>
-          <p:cNvPr id="120" name="Google Shape;284;p14"/>
-          <p:cNvSpPr txBox="1"/>
+          <p:cNvPr id="2" name="Retângulo 1"/>
+          <p:cNvSpPr/>
           <p:nvPr/>
         </p:nvSpPr>
         <p:spPr>
           <a:xfrm>
-            <a:off x="1303920" y="1541160"/>
-            <a:ext cx="7030080" cy="2908080"/>
+            <a:off x="728869" y="1030539"/>
+            <a:ext cx="6858000" cy="2862322"/>
           </a:xfrm>
           <a:prstGeom prst="rect">
             <a:avLst/>
           </a:prstGeom>
-          <a:noFill/>
-          <a:ln w="0">
-            <a:noFill/>
-          </a:ln>
         </p:spPr>
         <p:txBody>
-          <a:bodyPr tIns="91440" bIns="91440">
-            <a:normAutofit/>
+          <a:bodyPr wrap="square">
+            <a:spAutoFit/>
           </a:bodyPr>
           <a:lstStyle/>
           <a:p>
-            <a:pPr>
-              <a:lnSpc>
-                <a:spcPct val="115000"/>
-              </a:lnSpc>
-              <a:tabLst>
-                <a:tab pos="0" algn="l"/>
-              </a:tabLst>
-            </a:pPr>
-            <a:r>
-              <a:rPr lang="pt-BR" sz="1300" b="0" strike="noStrike" spc="-1">
-                <a:solidFill>
-                  <a:srgbClr val="424242"/>
-                </a:solidFill>
-                <a:latin typeface="Nunito"/>
-                <a:ea typeface="Nunito"/>
-              </a:rPr>
-              <a:t>Observando o dataset destacamos o seguinte resultado:</a:t>
-            </a:r>
-            <a:endParaRPr lang="pt-BR" sz="1300" b="0" strike="noStrike" spc="-1">
-              <a:solidFill>
-                <a:srgbClr val="000000"/>
-              </a:solidFill>
-              <a:latin typeface="Arial"/>
-            </a:endParaRPr>
-          </a:p>
-          <a:p>
-            <a:pPr>
-              <a:lnSpc>
-                <a:spcPct val="115000"/>
-              </a:lnSpc>
-              <a:spcBef>
-                <a:spcPts val="1199"/>
-              </a:spcBef>
-              <a:tabLst>
-                <a:tab pos="0" algn="l"/>
-              </a:tabLst>
-            </a:pPr>
-            <a:endParaRPr lang="pt-BR" sz="1300" b="0" strike="noStrike" spc="-1">
-              <a:solidFill>
-                <a:srgbClr val="000000"/>
-              </a:solidFill>
-              <a:latin typeface="Arial"/>
-            </a:endParaRPr>
-          </a:p>
-          <a:p>
-            <a:pPr>
-              <a:lnSpc>
-                <a:spcPct val="115000"/>
-              </a:lnSpc>
-              <a:spcBef>
-                <a:spcPts val="1199"/>
-              </a:spcBef>
-              <a:spcAft>
-                <a:spcPts val="1199"/>
-              </a:spcAft>
-              <a:tabLst>
-                <a:tab pos="0" algn="l"/>
-              </a:tabLst>
-            </a:pPr>
-            <a:endParaRPr lang="pt-BR" sz="1300" b="0" strike="noStrike" spc="-1">
-              <a:solidFill>
-                <a:srgbClr val="000000"/>
-              </a:solidFill>
-              <a:latin typeface="Arial"/>
-            </a:endParaRPr>
-          </a:p>
-        </p:txBody>
-      </p:sp>
-      <p:pic>
-        <p:nvPicPr>
-          <p:cNvPr id="121" name="Google Shape;285;p14"/>
-          <p:cNvPicPr/>
-          <p:nvPr/>
-        </p:nvPicPr>
-        <p:blipFill>
-          <a:blip r:embed="rId2"/>
-          <a:stretch/>
-        </p:blipFill>
-        <p:spPr>
-          <a:xfrm>
-            <a:off x="1408320" y="2041200"/>
-            <a:ext cx="4285800" cy="2363760"/>
-          </a:xfrm>
-          <a:prstGeom prst="rect">
-            <a:avLst/>
-          </a:prstGeom>
-          <a:ln w="0">
-            <a:noFill/>
-          </a:ln>
-        </p:spPr>
-      </p:pic>
+            <a:r>
+              <a:rPr lang="pt-BR" dirty="0"/>
+              <a:t>Qual o contexto da aplicação?</a:t>
+            </a:r>
+          </a:p>
+          <a:p>
+            <a:r>
+              <a:rPr lang="pt-BR" dirty="0"/>
+              <a:t>– Qual área?</a:t>
+            </a:r>
+          </a:p>
+          <a:p>
+            <a:r>
+              <a:rPr lang="pt-BR" dirty="0"/>
+              <a:t>– Qual empresa?</a:t>
+            </a:r>
+          </a:p>
+          <a:p>
+            <a:r>
+              <a:rPr lang="pt-BR" dirty="0"/>
+              <a:t>– Qual setor?</a:t>
+            </a:r>
+          </a:p>
+          <a:p>
+            <a:r>
+              <a:rPr lang="pt-BR" dirty="0"/>
+              <a:t>• Qual o problema de negócio a ser resolvido?</a:t>
+            </a:r>
+          </a:p>
+          <a:p>
+            <a:r>
+              <a:rPr lang="pt-BR" dirty="0"/>
+              <a:t>• Qual ou quais tarefas devemos utilizar?</a:t>
+            </a:r>
+          </a:p>
+          <a:p>
+            <a:r>
+              <a:rPr lang="pt-BR" dirty="0"/>
+              <a:t>• Quais os critérios de sucesso do projeto?</a:t>
+            </a:r>
+          </a:p>
+          <a:p>
+            <a:endParaRPr lang="pt-BR" dirty="0"/>
+          </a:p>
+          <a:p>
+            <a:r>
+              <a:rPr lang="pt-BR" dirty="0"/>
+              <a:t>– Métricas claras de sucesso (para o negócio);</a:t>
+            </a:r>
+          </a:p>
+          <a:p>
+            <a:r>
+              <a:rPr lang="pt-BR" dirty="0"/>
+              <a:t>• Descrição da solução.</a:t>
+            </a:r>
+          </a:p>
+        </p:txBody>
+      </p:sp>
     </p:spTree>
+    <p:extLst>
+      <p:ext uri="{BB962C8B-B14F-4D97-AF65-F5344CB8AC3E}">
+        <p14:creationId xmlns:p14="http://schemas.microsoft.com/office/powerpoint/2010/main" val="2554941886"/>
+      </p:ext>
+    </p:extLst>
   </p:cSld>
   <p:clrMapOvr>
     <a:masterClrMapping/>
@@ -11725,7 +12046,7 @@
     <mc:Choice Requires="p14">
       <p:transition spd="slow" p14:dur="2000"/>
     </mc:Choice>
-    <mc:Fallback xmlns:p15="http://schemas.microsoft.com/office/powerpoint/2012/main" xmlns="">
+    <mc:Fallback xmlns="" xmlns:p15="http://schemas.microsoft.com/office/powerpoint/2012/main">
       <p:transition spd="slow"/>
     </mc:Fallback>
   </mc:AlternateContent>
@@ -11749,16 +12070,57 @@
           <a:chExt cx="0" cy="0"/>
         </a:xfrm>
       </p:grpSpPr>
-      <p:sp>
-        <p:nvSpPr>
-          <p:cNvPr id="122" name="Google Shape;290;p15"/>
+      <p:pic>
+        <p:nvPicPr>
+          <p:cNvPr id="1026" name="Picture 2" descr="https://account.impacta.edu.br/res/img/logo-faculdade-branco.png"/>
+          <p:cNvPicPr>
+            <a:picLocks noChangeAspect="1" noChangeArrowheads="1"/>
+          </p:cNvPicPr>
+          <p:nvPr/>
+        </p:nvPicPr>
+        <p:blipFill>
+          <a:blip r:embed="rId2">
+            <a:extLst>
+              <a:ext uri="{28A0092B-C50C-407E-A947-70E740481C1C}">
+                <a14:useLocalDpi xmlns:a14="http://schemas.microsoft.com/office/drawing/2010/main" val="0"/>
+              </a:ext>
+            </a:extLst>
+          </a:blip>
+          <a:srcRect/>
+          <a:stretch>
+            <a:fillRect/>
+          </a:stretch>
+        </p:blipFill>
+        <p:spPr bwMode="auto">
+          <a:xfrm>
+            <a:off x="0" y="0"/>
+            <a:ext cx="2143125" cy="666751"/>
+          </a:xfrm>
+          <a:prstGeom prst="rect">
+            <a:avLst/>
+          </a:prstGeom>
+          <a:noFill/>
+          <a:extLst>
+            <a:ext uri="{909E8E84-426E-40DD-AFC4-6F175D3DCCD1}">
+              <a14:hiddenFill xmlns:a14="http://schemas.microsoft.com/office/drawing/2010/main">
+                <a:solidFill>
+                  <a:srgbClr val="FFFFFF"/>
+                </a:solidFill>
+              </a14:hiddenFill>
+            </a:ext>
+          </a:extLst>
+        </p:spPr>
+      </p:pic>
+      <p:sp>
+        <p:nvSpPr>
+          <p:cNvPr id="5" name="Google Shape;278;p13"/>
           <p:cNvSpPr txBox="1"/>
           <p:nvPr/>
         </p:nvSpPr>
         <p:spPr>
           <a:xfrm>
-            <a:off x="1303920" y="598680"/>
-            <a:ext cx="7030080" cy="999000"/>
+            <a:off x="604210" y="1317116"/>
+            <a:ext cx="7870555" cy="2738049"/>
           </a:xfrm>
           <a:prstGeom prst="rect">
             <a:avLst/>
@@ -11769,33 +12131,50 @@
           </a:ln>
         </p:spPr>
         <p:txBody>
-          <a:bodyPr tIns="91440" bIns="91440">
-            <a:normAutofit/>
+          <a:bodyPr tIns="91440" bIns="91440" anchor="ctr">
+            <a:normAutofit fontScale="97000"/>
           </a:bodyPr>
           <a:lstStyle/>
           <a:p>
-            <a:pPr>
-              <a:lnSpc>
-                <a:spcPct val="100000"/>
-              </a:lnSpc>
-              <a:tabLst>
-                <a:tab pos="0" algn="l"/>
-              </a:tabLst>
-            </a:pPr>
-            <a:r>
-              <a:rPr lang="pt-BR" sz="2800" b="1" strike="noStrike" spc="-1">
-                <a:solidFill>
-                  <a:srgbClr val="424242"/>
-                </a:solidFill>
-                <a:latin typeface="Maven Pro"/>
-                <a:ea typeface="Maven Pro"/>
-              </a:rPr>
-              <a:t>Análise dos dados</a:t>
-            </a:r>
-            <a:endParaRPr lang="pt-BR" sz="2800" b="0" strike="noStrike" spc="-1">
-              <a:solidFill>
-                <a:srgbClr val="000000"/>
-              </a:solidFill>
+            <a:r>
+              <a:rPr lang="pt-BR" b="1" dirty="0"/>
+              <a:t>Problema (Negócio): </a:t>
+            </a:r>
+            <a:endParaRPr lang="pt-BR" b="1" dirty="0" smtClean="0"/>
+          </a:p>
+          <a:p>
+            <a:endParaRPr lang="pt-BR" b="1" dirty="0"/>
+          </a:p>
+          <a:p>
+            <a:r>
+              <a:rPr lang="pt-BR" dirty="0" err="1" smtClean="0"/>
+              <a:t>Twitter</a:t>
+            </a:r>
+            <a:r>
+              <a:rPr lang="pt-BR" dirty="0" smtClean="0"/>
+              <a:t> </a:t>
+            </a:r>
+            <a:r>
+              <a:rPr lang="pt-BR" dirty="0"/>
+              <a:t>é um site de rede social popular onde os membros criam e interagem com mensagens conhecidas como “</a:t>
+            </a:r>
+            <a:r>
+              <a:rPr lang="pt-BR" dirty="0" err="1"/>
+              <a:t>tweets</a:t>
+            </a:r>
+            <a:r>
+              <a:rPr lang="pt-BR" dirty="0"/>
+              <a:t>”. Isso serve como um meio para os indivíduos expressarem seus pensamentos ou sentimentos sobre diferentes assuntos. Várias partes diferentes, como consumidores e profissionais de marketing, fizeram análise de sentimento em tais </a:t>
+            </a:r>
+            <a:r>
+              <a:rPr lang="pt-BR" dirty="0" err="1"/>
+              <a:t>tweets</a:t>
+            </a:r>
+            <a:r>
+              <a:rPr lang="pt-BR" dirty="0"/>
+              <a:t> para reunir insights sobre produtos ou para conduzir análises de mercado.</a:t>
+            </a:r>
+            <a:endParaRPr lang="pt-BR" sz="1600" b="0" strike="noStrike" spc="-1" dirty="0">
               <a:latin typeface="Arial"/>
             </a:endParaRPr>
           </a:p>
@@ -11803,14 +12182,14 @@
       </p:sp>
       <p:sp>
         <p:nvSpPr>
-          <p:cNvPr id="123" name="Google Shape;291;p15"/>
+          <p:cNvPr id="6" name="Google Shape;277;p13"/>
           <p:cNvSpPr txBox="1"/>
           <p:nvPr/>
         </p:nvSpPr>
         <p:spPr>
           <a:xfrm>
-            <a:off x="1303920" y="1683360"/>
-            <a:ext cx="2410560" cy="2827080"/>
+            <a:off x="2193235" y="28646"/>
+            <a:ext cx="6891130" cy="355667"/>
           </a:xfrm>
           <a:prstGeom prst="rect">
             <a:avLst/>
@@ -11821,461 +12200,94 @@
           </a:ln>
         </p:spPr>
         <p:txBody>
-          <a:bodyPr tIns="91440" bIns="91440">
-            <a:normAutofit/>
+          <a:bodyPr tIns="91440" bIns="91440" anchor="ctr">
+            <a:normAutofit fontScale="85000" lnSpcReduction="20000"/>
           </a:bodyPr>
           <a:lstStyle/>
           <a:p>
-            <a:pPr>
+            <a:pPr algn="r">
               <a:lnSpc>
-                <a:spcPct val="115000"/>
+                <a:spcPct val="100000"/>
               </a:lnSpc>
               <a:tabLst>
                 <a:tab pos="0" algn="l"/>
               </a:tabLst>
             </a:pPr>
             <a:r>
-              <a:rPr lang="pt-BR" sz="1300" b="1" strike="noStrike" spc="-1">
-                <a:solidFill>
-                  <a:srgbClr val="424242"/>
-                </a:solidFill>
-                <a:latin typeface="Nunito"/>
-                <a:ea typeface="Nunito"/>
+              <a:rPr lang="pt-BR" sz="1600" b="1" strike="noStrike" spc="-1" dirty="0" smtClean="0">
+                <a:solidFill>
+                  <a:srgbClr val="FFFFFF"/>
+                </a:solidFill>
+                <a:latin typeface="Maven Pro"/>
+                <a:ea typeface="Maven Pro"/>
               </a:rPr>
-              <a:t>Modelo Naive Bayes:</a:t>
-            </a:r>
-            <a:endParaRPr lang="pt-BR" sz="1300" b="0" strike="noStrike" spc="-1">
+              <a:t>Computação Cognitiva </a:t>
+            </a:r>
+            <a:r>
+              <a:rPr lang="pt-BR" sz="1600" b="1" spc="-1" dirty="0">
+                <a:solidFill>
+                  <a:srgbClr val="FFFFFF"/>
+                </a:solidFill>
+                <a:latin typeface="Maven Pro"/>
+                <a:ea typeface="Maven Pro"/>
+              </a:rPr>
+              <a:t>– Projeto </a:t>
+            </a:r>
+            <a:r>
+              <a:rPr lang="pt-BR" sz="1600" b="1" spc="-1" dirty="0" err="1">
+                <a:solidFill>
+                  <a:srgbClr val="FFFFFF"/>
+                </a:solidFill>
+                <a:latin typeface="Maven Pro"/>
+                <a:ea typeface="Maven Pro"/>
+              </a:rPr>
+              <a:t>Tweets</a:t>
+            </a:r>
+            <a:r>
+              <a:rPr lang="pt-BR" sz="1600" b="1" spc="-1" dirty="0">
+                <a:solidFill>
+                  <a:srgbClr val="FFFFFF"/>
+                </a:solidFill>
+                <a:latin typeface="Maven Pro"/>
+                <a:ea typeface="Maven Pro"/>
+              </a:rPr>
+              <a:t> </a:t>
+            </a:r>
+            <a:r>
+              <a:rPr lang="pt-BR" sz="1600" b="1" spc="-1" dirty="0" err="1">
+                <a:solidFill>
+                  <a:srgbClr val="FFFFFF"/>
+                </a:solidFill>
+                <a:latin typeface="Maven Pro"/>
+                <a:ea typeface="Maven Pro"/>
+              </a:rPr>
+              <a:t>Haters</a:t>
+            </a:r>
+            <a:r>
+              <a:rPr lang="pt-BR" sz="1600" b="1" spc="-1" dirty="0">
+                <a:solidFill>
+                  <a:srgbClr val="FFFFFF"/>
+                </a:solidFill>
+                <a:latin typeface="Maven Pro"/>
+                <a:ea typeface="Maven Pro"/>
+              </a:rPr>
+              <a:t> </a:t>
+            </a:r>
+            <a:endParaRPr lang="pt-BR" sz="1600" b="0" strike="noStrike" spc="-1" dirty="0">
               <a:solidFill>
                 <a:srgbClr val="000000"/>
               </a:solidFill>
               <a:latin typeface="Arial"/>
             </a:endParaRPr>
           </a:p>
-          <a:p>
-            <a:pPr>
-              <a:lnSpc>
-                <a:spcPct val="115000"/>
-              </a:lnSpc>
-              <a:spcBef>
-                <a:spcPts val="1199"/>
-              </a:spcBef>
-              <a:tabLst>
-                <a:tab pos="0" algn="l"/>
-              </a:tabLst>
-            </a:pPr>
-            <a:r>
-              <a:rPr lang="pt-BR" sz="1050" b="0" strike="noStrike" spc="-1">
-                <a:solidFill>
-                  <a:srgbClr val="212121"/>
-                </a:solidFill>
-                <a:highlight>
-                  <a:srgbClr val="FFFFFF"/>
-                </a:highlight>
-                <a:latin typeface="Courier New"/>
-                <a:ea typeface="Courier New"/>
-              </a:rPr>
-              <a:t>Acurácia NaiveBayes: 0.786</a:t>
-            </a:r>
-            <a:endParaRPr lang="pt-BR" sz="1050" b="0" strike="noStrike" spc="-1">
-              <a:solidFill>
-                <a:srgbClr val="000000"/>
-              </a:solidFill>
-              <a:latin typeface="Arial"/>
-            </a:endParaRPr>
-          </a:p>
-          <a:p>
-            <a:pPr>
-              <a:lnSpc>
-                <a:spcPct val="115000"/>
-              </a:lnSpc>
-              <a:spcBef>
-                <a:spcPts val="1199"/>
-              </a:spcBef>
-              <a:tabLst>
-                <a:tab pos="0" algn="l"/>
-              </a:tabLst>
-            </a:pPr>
-            <a:endParaRPr lang="pt-BR" sz="1050" b="0" strike="noStrike" spc="-1">
-              <a:solidFill>
-                <a:srgbClr val="000000"/>
-              </a:solidFill>
-              <a:latin typeface="Arial"/>
-            </a:endParaRPr>
-          </a:p>
-          <a:p>
-            <a:pPr>
-              <a:lnSpc>
-                <a:spcPct val="115000"/>
-              </a:lnSpc>
-              <a:spcBef>
-                <a:spcPts val="1199"/>
-              </a:spcBef>
-              <a:tabLst>
-                <a:tab pos="0" algn="l"/>
-              </a:tabLst>
-            </a:pPr>
-            <a:r>
-              <a:rPr lang="pt-BR" sz="1300" b="1" strike="noStrike" spc="-1">
-                <a:solidFill>
-                  <a:srgbClr val="424242"/>
-                </a:solidFill>
-                <a:highlight>
-                  <a:srgbClr val="FFFFFF"/>
-                </a:highlight>
-                <a:latin typeface="Nunito"/>
-                <a:ea typeface="Nunito"/>
-              </a:rPr>
-              <a:t>Acurácia do Modelo:</a:t>
-            </a:r>
-            <a:endParaRPr lang="pt-BR" sz="1300" b="0" strike="noStrike" spc="-1">
-              <a:solidFill>
-                <a:srgbClr val="000000"/>
-              </a:solidFill>
-              <a:latin typeface="Arial"/>
-            </a:endParaRPr>
-          </a:p>
-          <a:p>
-            <a:pPr>
-              <a:lnSpc>
-                <a:spcPct val="115000"/>
-              </a:lnSpc>
-              <a:spcBef>
-                <a:spcPts val="1199"/>
-              </a:spcBef>
-              <a:tabLst>
-                <a:tab pos="0" algn="l"/>
-              </a:tabLst>
-            </a:pPr>
-            <a:r>
-              <a:rPr lang="pt-BR" sz="1050" b="0" strike="noStrike" spc="-1">
-                <a:solidFill>
-                  <a:srgbClr val="212121"/>
-                </a:solidFill>
-                <a:highlight>
-                  <a:srgbClr val="FFFFFF"/>
-                </a:highlight>
-                <a:latin typeface="Courier New"/>
-                <a:ea typeface="Courier New"/>
-              </a:rPr>
-              <a:t>0.7128276966179707</a:t>
-            </a:r>
-            <a:endParaRPr lang="pt-BR" sz="1050" b="0" strike="noStrike" spc="-1">
-              <a:solidFill>
-                <a:srgbClr val="000000"/>
-              </a:solidFill>
-              <a:latin typeface="Arial"/>
-            </a:endParaRPr>
-          </a:p>
-          <a:p>
-            <a:pPr>
-              <a:lnSpc>
-                <a:spcPct val="115000"/>
-              </a:lnSpc>
-              <a:spcBef>
-                <a:spcPts val="1199"/>
-              </a:spcBef>
-              <a:tabLst>
-                <a:tab pos="0" algn="l"/>
-              </a:tabLst>
-            </a:pPr>
-            <a:endParaRPr lang="pt-BR" sz="1050" b="0" strike="noStrike" spc="-1">
-              <a:solidFill>
-                <a:srgbClr val="000000"/>
-              </a:solidFill>
-              <a:latin typeface="Arial"/>
-            </a:endParaRPr>
-          </a:p>
-          <a:p>
-            <a:pPr>
-              <a:lnSpc>
-                <a:spcPct val="115000"/>
-              </a:lnSpc>
-              <a:spcBef>
-                <a:spcPts val="1199"/>
-              </a:spcBef>
-              <a:spcAft>
-                <a:spcPts val="1199"/>
-              </a:spcAft>
-              <a:tabLst>
-                <a:tab pos="0" algn="l"/>
-              </a:tabLst>
-            </a:pPr>
-            <a:endParaRPr lang="pt-BR" sz="1050" b="0" strike="noStrike" spc="-1">
-              <a:solidFill>
-                <a:srgbClr val="000000"/>
-              </a:solidFill>
-              <a:latin typeface="Arial"/>
-            </a:endParaRPr>
-          </a:p>
-        </p:txBody>
-      </p:sp>
-      <p:sp>
-        <p:nvSpPr>
-          <p:cNvPr id="124" name="Google Shape;292;p15"/>
-          <p:cNvSpPr txBox="1"/>
-          <p:nvPr/>
-        </p:nvSpPr>
-        <p:spPr>
-          <a:xfrm>
-            <a:off x="4276080" y="1683360"/>
-            <a:ext cx="4162680" cy="2827080"/>
-          </a:xfrm>
-          <a:prstGeom prst="rect">
-            <a:avLst/>
-          </a:prstGeom>
-          <a:noFill/>
-          <a:ln w="0">
-            <a:noFill/>
-          </a:ln>
-        </p:spPr>
-        <p:txBody>
-          <a:bodyPr tIns="91440" bIns="91440">
-            <a:normAutofit/>
-          </a:bodyPr>
-          <a:lstStyle/>
-          <a:p>
-            <a:pPr>
-              <a:lnSpc>
-                <a:spcPct val="115000"/>
-              </a:lnSpc>
-              <a:tabLst>
-                <a:tab pos="0" algn="l"/>
-              </a:tabLst>
-            </a:pPr>
-            <a:r>
-              <a:rPr lang="pt-BR" sz="1300" b="1" strike="noStrike" spc="-1">
-                <a:solidFill>
-                  <a:srgbClr val="424242"/>
-                </a:solidFill>
-                <a:latin typeface="Nunito"/>
-                <a:ea typeface="Nunito"/>
-              </a:rPr>
-              <a:t>Matriz de Confusão:</a:t>
-            </a:r>
-            <a:endParaRPr lang="pt-BR" sz="1300" b="0" strike="noStrike" spc="-1">
-              <a:solidFill>
-                <a:srgbClr val="000000"/>
-              </a:solidFill>
-              <a:latin typeface="Arial"/>
-            </a:endParaRPr>
-          </a:p>
-          <a:p>
-            <a:pPr>
-              <a:lnSpc>
-                <a:spcPct val="115000"/>
-              </a:lnSpc>
-              <a:spcBef>
-                <a:spcPts val="1199"/>
-              </a:spcBef>
-              <a:tabLst>
-                <a:tab pos="0" algn="l"/>
-              </a:tabLst>
-            </a:pPr>
-            <a:r>
-              <a:rPr lang="pt-BR" sz="1050" b="0" strike="noStrike" spc="-1">
-                <a:solidFill>
-                  <a:srgbClr val="212121"/>
-                </a:solidFill>
-                <a:highlight>
-                  <a:srgbClr val="FFFFFF"/>
-                </a:highlight>
-                <a:latin typeface="Courier New"/>
-                <a:ea typeface="Courier New"/>
-              </a:rPr>
-              <a:t>Predito   negativo  neutro  positivo   All</a:t>
-            </a:r>
-            <a:endParaRPr lang="pt-BR" sz="1050" b="0" strike="noStrike" spc="-1">
-              <a:solidFill>
-                <a:srgbClr val="000000"/>
-              </a:solidFill>
-              <a:latin typeface="Arial"/>
-            </a:endParaRPr>
-          </a:p>
-          <a:p>
-            <a:pPr>
-              <a:lnSpc>
-                <a:spcPct val="115000"/>
-              </a:lnSpc>
-              <a:spcBef>
-                <a:spcPts val="1199"/>
-              </a:spcBef>
-              <a:tabLst>
-                <a:tab pos="0" algn="l"/>
-              </a:tabLst>
-            </a:pPr>
-            <a:r>
-              <a:rPr lang="pt-BR" sz="1050" b="0" strike="noStrike" spc="-1">
-                <a:solidFill>
-                  <a:srgbClr val="212121"/>
-                </a:solidFill>
-                <a:highlight>
-                  <a:srgbClr val="FFFFFF"/>
-                </a:highlight>
-                <a:latin typeface="Courier New"/>
-                <a:ea typeface="Courier New"/>
-              </a:rPr>
-              <a:t>Real                                      </a:t>
-            </a:r>
-            <a:endParaRPr lang="pt-BR" sz="1050" b="0" strike="noStrike" spc="-1">
-              <a:solidFill>
-                <a:srgbClr val="000000"/>
-              </a:solidFill>
-              <a:latin typeface="Arial"/>
-            </a:endParaRPr>
-          </a:p>
-          <a:p>
-            <a:pPr>
-              <a:lnSpc>
-                <a:spcPct val="115000"/>
-              </a:lnSpc>
-              <a:spcBef>
-                <a:spcPts val="1199"/>
-              </a:spcBef>
-              <a:tabLst>
-                <a:tab pos="0" algn="l"/>
-              </a:tabLst>
-            </a:pPr>
-            <a:r>
-              <a:rPr lang="pt-BR" sz="1050" b="0" strike="noStrike" spc="-1">
-                <a:solidFill>
-                  <a:srgbClr val="212121"/>
-                </a:solidFill>
-                <a:highlight>
-                  <a:srgbClr val="FFFFFF"/>
-                </a:highlight>
-                <a:latin typeface="Courier New"/>
-                <a:ea typeface="Courier New"/>
-              </a:rPr>
-              <a:t>negativo      1296     123       246  1665</a:t>
-            </a:r>
-            <a:endParaRPr lang="pt-BR" sz="1050" b="0" strike="noStrike" spc="-1">
-              <a:solidFill>
-                <a:srgbClr val="000000"/>
-              </a:solidFill>
-              <a:latin typeface="Arial"/>
-            </a:endParaRPr>
-          </a:p>
-          <a:p>
-            <a:pPr>
-              <a:lnSpc>
-                <a:spcPct val="115000"/>
-              </a:lnSpc>
-              <a:spcBef>
-                <a:spcPts val="1199"/>
-              </a:spcBef>
-              <a:tabLst>
-                <a:tab pos="0" algn="l"/>
-              </a:tabLst>
-            </a:pPr>
-            <a:r>
-              <a:rPr lang="pt-BR" sz="1050" b="0" strike="noStrike" spc="-1">
-                <a:solidFill>
-                  <a:srgbClr val="212121"/>
-                </a:solidFill>
-                <a:highlight>
-                  <a:srgbClr val="FFFFFF"/>
-                </a:highlight>
-                <a:latin typeface="Courier New"/>
-                <a:ea typeface="Courier New"/>
-              </a:rPr>
-              <a:t>neutro          19    1629        18  1666</a:t>
-            </a:r>
-            <a:endParaRPr lang="pt-BR" sz="1050" b="0" strike="noStrike" spc="-1">
-              <a:solidFill>
-                <a:srgbClr val="000000"/>
-              </a:solidFill>
-              <a:latin typeface="Arial"/>
-            </a:endParaRPr>
-          </a:p>
-          <a:p>
-            <a:pPr>
-              <a:lnSpc>
-                <a:spcPct val="115000"/>
-              </a:lnSpc>
-              <a:spcBef>
-                <a:spcPts val="1199"/>
-              </a:spcBef>
-              <a:tabLst>
-                <a:tab pos="0" algn="l"/>
-              </a:tabLst>
-            </a:pPr>
-            <a:r>
-              <a:rPr lang="pt-BR" sz="1050" b="0" strike="noStrike" spc="-1">
-                <a:solidFill>
-                  <a:srgbClr val="212121"/>
-                </a:solidFill>
-                <a:highlight>
-                  <a:srgbClr val="FFFFFF"/>
-                </a:highlight>
-                <a:latin typeface="Courier New"/>
-                <a:ea typeface="Courier New"/>
-              </a:rPr>
-              <a:t>positivo       876     153       637  1666</a:t>
-            </a:r>
-            <a:endParaRPr lang="pt-BR" sz="1050" b="0" strike="noStrike" spc="-1">
-              <a:solidFill>
-                <a:srgbClr val="000000"/>
-              </a:solidFill>
-              <a:latin typeface="Arial"/>
-            </a:endParaRPr>
-          </a:p>
-          <a:p>
-            <a:pPr>
-              <a:lnSpc>
-                <a:spcPct val="115000"/>
-              </a:lnSpc>
-              <a:spcBef>
-                <a:spcPts val="1199"/>
-              </a:spcBef>
-              <a:tabLst>
-                <a:tab pos="0" algn="l"/>
-              </a:tabLst>
-            </a:pPr>
-            <a:r>
-              <a:rPr lang="pt-BR" sz="1050" b="0" strike="noStrike" spc="-1">
-                <a:solidFill>
-                  <a:srgbClr val="212121"/>
-                </a:solidFill>
-                <a:highlight>
-                  <a:srgbClr val="FFFFFF"/>
-                </a:highlight>
-                <a:latin typeface="Courier New"/>
-                <a:ea typeface="Courier New"/>
-              </a:rPr>
-              <a:t>All           2191    1905       901  4997</a:t>
-            </a:r>
-            <a:endParaRPr lang="pt-BR" sz="1050" b="0" strike="noStrike" spc="-1">
-              <a:solidFill>
-                <a:srgbClr val="000000"/>
-              </a:solidFill>
-              <a:latin typeface="Arial"/>
-            </a:endParaRPr>
-          </a:p>
-          <a:p>
-            <a:pPr>
-              <a:lnSpc>
-                <a:spcPct val="115000"/>
-              </a:lnSpc>
-              <a:spcBef>
-                <a:spcPts val="1199"/>
-              </a:spcBef>
-              <a:spcAft>
-                <a:spcPts val="1199"/>
-              </a:spcAft>
-              <a:tabLst>
-                <a:tab pos="0" algn="l"/>
-              </a:tabLst>
-            </a:pPr>
-            <a:endParaRPr lang="pt-BR" sz="1050" b="0" strike="noStrike" spc="-1">
-              <a:solidFill>
-                <a:srgbClr val="000000"/>
-              </a:solidFill>
-              <a:latin typeface="Arial"/>
-            </a:endParaRPr>
-          </a:p>
         </p:txBody>
       </p:sp>
     </p:spTree>
+    <p:extLst>
+      <p:ext uri="{BB962C8B-B14F-4D97-AF65-F5344CB8AC3E}">
+        <p14:creationId xmlns:p14="http://schemas.microsoft.com/office/powerpoint/2010/main" val="2488265634"/>
+      </p:ext>
+    </p:extLst>
   </p:cSld>
   <p:clrMapOvr>
     <a:masterClrMapping/>
@@ -12284,7 +12296,7 @@
     <mc:Choice Requires="p14">
       <p:transition spd="slow" p14:dur="2000"/>
     </mc:Choice>
-    <mc:Fallback xmlns:p15="http://schemas.microsoft.com/office/powerpoint/2012/main" xmlns="">
+    <mc:Fallback xmlns="" xmlns:p15="http://schemas.microsoft.com/office/powerpoint/2012/main">
       <p:transition spd="slow"/>
     </mc:Fallback>
   </mc:AlternateContent>
@@ -12310,14 +12322,14 @@
       </p:grpSpPr>
       <p:sp>
         <p:nvSpPr>
-          <p:cNvPr id="125" name="Google Shape;297;p16"/>
+          <p:cNvPr id="119" name="Google Shape;283;p14"/>
           <p:cNvSpPr txBox="1"/>
           <p:nvPr/>
         </p:nvSpPr>
         <p:spPr>
           <a:xfrm>
-            <a:off x="1303920" y="598680"/>
-            <a:ext cx="7030080" cy="999000"/>
+            <a:off x="4538870" y="598680"/>
+            <a:ext cx="3795130" cy="627146"/>
           </a:xfrm>
           <a:prstGeom prst="rect">
             <a:avLst/>
@@ -12342,19 +12354,13 @@
               </a:tabLst>
             </a:pPr>
             <a:r>
-              <a:rPr lang="pt-BR" sz="2800" b="1" strike="noStrike" spc="-1">
-                <a:solidFill>
-                  <a:srgbClr val="424242"/>
-                </a:solidFill>
+              <a:rPr lang="pt-BR" sz="2800" b="1" strike="noStrike" spc="-1" dirty="0">
                 <a:latin typeface="Maven Pro"/>
                 <a:ea typeface="Maven Pro"/>
               </a:rPr>
               <a:t>Análise dos dados</a:t>
             </a:r>
-            <a:endParaRPr lang="pt-BR" sz="2800" b="0" strike="noStrike" spc="-1">
-              <a:solidFill>
-                <a:srgbClr val="000000"/>
-              </a:solidFill>
+            <a:endParaRPr lang="pt-BR" sz="2800" b="0" strike="noStrike" spc="-1" dirty="0">
               <a:latin typeface="Arial"/>
             </a:endParaRPr>
           </a:p>
@@ -12362,14 +12368,14 @@
       </p:sp>
       <p:sp>
         <p:nvSpPr>
-          <p:cNvPr id="126" name="Google Shape;298;p16"/>
+          <p:cNvPr id="120" name="Google Shape;284;p14"/>
           <p:cNvSpPr txBox="1"/>
           <p:nvPr/>
         </p:nvSpPr>
         <p:spPr>
           <a:xfrm>
-            <a:off x="1303920" y="1520640"/>
-            <a:ext cx="7030080" cy="3010680"/>
+            <a:off x="1835426" y="1541160"/>
+            <a:ext cx="6498574" cy="2908080"/>
           </a:xfrm>
           <a:prstGeom prst="rect">
             <a:avLst/>
@@ -12381,7 +12387,7 @@
         </p:spPr>
         <p:txBody>
           <a:bodyPr tIns="91440" bIns="91440">
-            <a:normAutofit fontScale="55000" lnSpcReduction="20000"/>
+            <a:normAutofit/>
           </a:bodyPr>
           <a:lstStyle/>
           <a:p>
@@ -12394,19 +12400,27 @@
               </a:tabLst>
             </a:pPr>
             <a:r>
-              <a:rPr lang="pt-BR" sz="2210" b="0" strike="noStrike" spc="-1" dirty="0">
-                <a:solidFill>
-                  <a:srgbClr val="424242"/>
-                </a:solidFill>
+              <a:rPr lang="pt-BR" sz="1300" b="0" strike="noStrike" spc="-1" dirty="0">
                 <a:latin typeface="Nunito"/>
                 <a:ea typeface="Nunito"/>
               </a:rPr>
-              <a:t>Medidas de validação do Modelo:</a:t>
-            </a:r>
-            <a:endParaRPr lang="pt-BR" sz="2210" b="0" strike="noStrike" spc="-1" dirty="0">
-              <a:solidFill>
-                <a:srgbClr val="000000"/>
-              </a:solidFill>
+              <a:t>Observando o </a:t>
+            </a:r>
+            <a:r>
+              <a:rPr lang="pt-BR" sz="1300" b="0" strike="noStrike" spc="-1" dirty="0" err="1">
+                <a:latin typeface="Nunito"/>
+                <a:ea typeface="Nunito"/>
+              </a:rPr>
+              <a:t>dataset</a:t>
+            </a:r>
+            <a:r>
+              <a:rPr lang="pt-BR" sz="1300" b="0" strike="noStrike" spc="-1" dirty="0">
+                <a:latin typeface="Nunito"/>
+                <a:ea typeface="Nunito"/>
+              </a:rPr>
+              <a:t> destacamos o seguinte resultado:</a:t>
+            </a:r>
+            <a:endParaRPr lang="pt-BR" sz="1300" b="0" strike="noStrike" spc="-1" dirty="0">
               <a:latin typeface="Arial"/>
             </a:endParaRPr>
           </a:p>
@@ -12422,258 +12436,7 @@
                 <a:tab pos="0" algn="l"/>
               </a:tabLst>
             </a:pPr>
-            <a:r>
-              <a:rPr lang="pt-BR" sz="2560" b="0" strike="noStrike" spc="-1" dirty="0" err="1">
-                <a:solidFill>
-                  <a:srgbClr val="212121"/>
-                </a:solidFill>
-                <a:highlight>
-                  <a:srgbClr val="FFFFFF"/>
-                </a:highlight>
-                <a:latin typeface="Courier New"/>
-                <a:ea typeface="Courier New"/>
-              </a:rPr>
-              <a:t>precision</a:t>
-            </a:r>
-            <a:r>
-              <a:rPr lang="pt-BR" sz="2560" b="0" strike="noStrike" spc="-1" dirty="0">
-                <a:solidFill>
-                  <a:srgbClr val="212121"/>
-                </a:solidFill>
-                <a:highlight>
-                  <a:srgbClr val="FFFFFF"/>
-                </a:highlight>
-                <a:latin typeface="Courier New"/>
-                <a:ea typeface="Courier New"/>
-              </a:rPr>
-              <a:t>    recall  f1-score   </a:t>
-            </a:r>
-            <a:r>
-              <a:rPr lang="pt-BR" sz="2560" b="0" strike="noStrike" spc="-1" dirty="0" err="1">
-                <a:solidFill>
-                  <a:srgbClr val="212121"/>
-                </a:solidFill>
-                <a:highlight>
-                  <a:srgbClr val="FFFFFF"/>
-                </a:highlight>
-                <a:latin typeface="Courier New"/>
-                <a:ea typeface="Courier New"/>
-              </a:rPr>
-              <a:t>support</a:t>
-            </a:r>
-            <a:endParaRPr lang="pt-BR" sz="2560" b="0" strike="noStrike" spc="-1" dirty="0">
-              <a:solidFill>
-                <a:srgbClr val="000000"/>
-              </a:solidFill>
-              <a:latin typeface="Arial"/>
-            </a:endParaRPr>
-          </a:p>
-          <a:p>
-            <a:pPr>
-              <a:lnSpc>
-                <a:spcPct val="115000"/>
-              </a:lnSpc>
-              <a:spcBef>
-                <a:spcPts val="1199"/>
-              </a:spcBef>
-              <a:tabLst>
-                <a:tab pos="0" algn="l"/>
-              </a:tabLst>
-            </a:pPr>
-            <a:r>
-              <a:rPr lang="pt-BR" sz="2560" b="0" strike="noStrike" spc="-1" dirty="0">
-                <a:solidFill>
-                  <a:srgbClr val="212121"/>
-                </a:solidFill>
-                <a:highlight>
-                  <a:srgbClr val="FFFFFF"/>
-                </a:highlight>
-                <a:latin typeface="Courier New"/>
-                <a:ea typeface="Courier New"/>
-              </a:rPr>
-              <a:t>    negativo       0.59      0.78      0.67      1665</a:t>
-            </a:r>
-            <a:endParaRPr lang="pt-BR" sz="2560" b="0" strike="noStrike" spc="-1" dirty="0">
-              <a:solidFill>
-                <a:srgbClr val="000000"/>
-              </a:solidFill>
-              <a:latin typeface="Arial"/>
-            </a:endParaRPr>
-          </a:p>
-          <a:p>
-            <a:pPr>
-              <a:lnSpc>
-                <a:spcPct val="115000"/>
-              </a:lnSpc>
-              <a:spcBef>
-                <a:spcPts val="1199"/>
-              </a:spcBef>
-              <a:tabLst>
-                <a:tab pos="0" algn="l"/>
-              </a:tabLst>
-            </a:pPr>
-            <a:r>
-              <a:rPr lang="pt-BR" sz="2560" b="0" strike="noStrike" spc="-1" dirty="0">
-                <a:solidFill>
-                  <a:srgbClr val="212121"/>
-                </a:solidFill>
-                <a:highlight>
-                  <a:srgbClr val="FFFFFF"/>
-                </a:highlight>
-                <a:latin typeface="Courier New"/>
-                <a:ea typeface="Courier New"/>
-              </a:rPr>
-              <a:t>      neutro       0.86      0.98      0.91      1666</a:t>
-            </a:r>
-            <a:endParaRPr lang="pt-BR" sz="2560" b="0" strike="noStrike" spc="-1" dirty="0">
-              <a:solidFill>
-                <a:srgbClr val="000000"/>
-              </a:solidFill>
-              <a:latin typeface="Arial"/>
-            </a:endParaRPr>
-          </a:p>
-          <a:p>
-            <a:pPr>
-              <a:lnSpc>
-                <a:spcPct val="115000"/>
-              </a:lnSpc>
-              <a:spcBef>
-                <a:spcPts val="1199"/>
-              </a:spcBef>
-              <a:tabLst>
-                <a:tab pos="0" algn="l"/>
-              </a:tabLst>
-            </a:pPr>
-            <a:r>
-              <a:rPr lang="pt-BR" sz="2560" b="0" strike="noStrike" spc="-1" dirty="0">
-                <a:solidFill>
-                  <a:srgbClr val="212121"/>
-                </a:solidFill>
-                <a:highlight>
-                  <a:srgbClr val="FFFFFF"/>
-                </a:highlight>
-                <a:latin typeface="Courier New"/>
-                <a:ea typeface="Courier New"/>
-              </a:rPr>
-              <a:t>    positivo       0.71      0.38      0.50      1666</a:t>
-            </a:r>
-            <a:endParaRPr lang="pt-BR" sz="2560" b="0" strike="noStrike" spc="-1" dirty="0">
-              <a:solidFill>
-                <a:srgbClr val="000000"/>
-              </a:solidFill>
-              <a:latin typeface="Arial"/>
-            </a:endParaRPr>
-          </a:p>
-          <a:p>
-            <a:pPr>
-              <a:lnSpc>
-                <a:spcPct val="115000"/>
-              </a:lnSpc>
-              <a:spcBef>
-                <a:spcPts val="1199"/>
-              </a:spcBef>
-              <a:tabLst>
-                <a:tab pos="0" algn="l"/>
-              </a:tabLst>
-            </a:pPr>
-            <a:r>
-              <a:rPr lang="pt-BR" sz="2560" b="0" strike="noStrike" spc="-1" dirty="0">
-                <a:solidFill>
-                  <a:srgbClr val="212121"/>
-                </a:solidFill>
-                <a:highlight>
-                  <a:srgbClr val="FFFFFF"/>
-                </a:highlight>
-                <a:latin typeface="Courier New"/>
-                <a:ea typeface="Courier New"/>
-              </a:rPr>
-              <a:t>    </a:t>
-            </a:r>
-            <a:r>
-              <a:rPr lang="pt-BR" sz="2560" b="0" strike="noStrike" spc="-1" dirty="0" err="1">
-                <a:solidFill>
-                  <a:srgbClr val="212121"/>
-                </a:solidFill>
-                <a:highlight>
-                  <a:srgbClr val="FFFFFF"/>
-                </a:highlight>
-                <a:latin typeface="Courier New"/>
-                <a:ea typeface="Courier New"/>
-              </a:rPr>
-              <a:t>accuracy</a:t>
-            </a:r>
-            <a:r>
-              <a:rPr lang="pt-BR" sz="2560" b="0" strike="noStrike" spc="-1" dirty="0">
-                <a:solidFill>
-                  <a:srgbClr val="212121"/>
-                </a:solidFill>
-                <a:highlight>
-                  <a:srgbClr val="FFFFFF"/>
-                </a:highlight>
-                <a:latin typeface="Courier New"/>
-                <a:ea typeface="Courier New"/>
-              </a:rPr>
-              <a:t>                           0.71      4997</a:t>
-            </a:r>
-            <a:endParaRPr lang="pt-BR" sz="2560" b="0" strike="noStrike" spc="-1" dirty="0">
-              <a:solidFill>
-                <a:srgbClr val="000000"/>
-              </a:solidFill>
-              <a:latin typeface="Arial"/>
-            </a:endParaRPr>
-          </a:p>
-          <a:p>
-            <a:pPr>
-              <a:lnSpc>
-                <a:spcPct val="115000"/>
-              </a:lnSpc>
-              <a:spcBef>
-                <a:spcPts val="1199"/>
-              </a:spcBef>
-              <a:tabLst>
-                <a:tab pos="0" algn="l"/>
-              </a:tabLst>
-            </a:pPr>
-            <a:r>
-              <a:rPr lang="pt-BR" sz="2560" b="0" strike="noStrike" spc="-1" dirty="0">
-                <a:solidFill>
-                  <a:srgbClr val="212121"/>
-                </a:solidFill>
-                <a:highlight>
-                  <a:srgbClr val="FFFFFF"/>
-                </a:highlight>
-                <a:latin typeface="Courier New"/>
-                <a:ea typeface="Courier New"/>
-              </a:rPr>
-              <a:t>   macro </a:t>
-            </a:r>
-            <a:r>
-              <a:rPr lang="pt-BR" sz="2560" b="0" strike="noStrike" spc="-1" dirty="0" err="1">
-                <a:solidFill>
-                  <a:srgbClr val="212121"/>
-                </a:solidFill>
-                <a:highlight>
-                  <a:srgbClr val="FFFFFF"/>
-                </a:highlight>
-                <a:latin typeface="Courier New"/>
-                <a:ea typeface="Courier New"/>
-              </a:rPr>
-              <a:t>avg</a:t>
-            </a:r>
-            <a:r>
-              <a:rPr lang="pt-BR" sz="2560" b="0" strike="noStrike" spc="-1" dirty="0">
-                <a:solidFill>
-                  <a:srgbClr val="212121"/>
-                </a:solidFill>
-                <a:highlight>
-                  <a:srgbClr val="FFFFFF"/>
-                </a:highlight>
-                <a:latin typeface="Courier New"/>
-                <a:ea typeface="Courier New"/>
-              </a:rPr>
-              <a:t>       0.72      0.71      0.69      4997</a:t>
-            </a:r>
-            <a:endParaRPr lang="pt-BR" sz="2560" b="0" strike="noStrike" spc="-1" dirty="0">
+            <a:endParaRPr lang="pt-BR" sz="1300" b="0" strike="noStrike" spc="-1" dirty="0">
               <a:solidFill>
                 <a:srgbClr val="000000"/>
               </a:solidFill>
@@ -12695,59 +12458,206 @@
                 <a:tab pos="0" algn="l"/>
               </a:tabLst>
             </a:pPr>
-            <a:r>
-              <a:rPr lang="pt-BR" sz="2560" b="0" strike="noStrike" spc="-1" dirty="0" err="1">
-                <a:solidFill>
-                  <a:srgbClr val="212121"/>
-                </a:solidFill>
-                <a:highlight>
+            <a:endParaRPr lang="pt-BR" sz="1300" b="0" strike="noStrike" spc="-1" dirty="0">
+              <a:solidFill>
+                <a:srgbClr val="000000"/>
+              </a:solidFill>
+              <a:latin typeface="Arial"/>
+            </a:endParaRPr>
+          </a:p>
+        </p:txBody>
+      </p:sp>
+      <p:pic>
+        <p:nvPicPr>
+          <p:cNvPr id="121" name="Google Shape;285;p14"/>
+          <p:cNvPicPr/>
+          <p:nvPr/>
+        </p:nvPicPr>
+        <p:blipFill>
+          <a:blip r:embed="rId2"/>
+          <a:stretch/>
+        </p:blipFill>
+        <p:spPr>
+          <a:xfrm>
+            <a:off x="2172825" y="1961687"/>
+            <a:ext cx="4285800" cy="2363760"/>
+          </a:xfrm>
+          <a:prstGeom prst="rect">
+            <a:avLst/>
+          </a:prstGeom>
+          <a:ln w="0">
+            <a:noFill/>
+          </a:ln>
+        </p:spPr>
+      </p:pic>
+      <p:pic>
+        <p:nvPicPr>
+          <p:cNvPr id="2050" name="Picture 2" descr="https://account.impacta.edu.br/res/img/logo-faculdade-branco.png"/>
+          <p:cNvPicPr>
+            <a:picLocks noChangeAspect="1" noChangeArrowheads="1"/>
+          </p:cNvPicPr>
+          <p:nvPr/>
+        </p:nvPicPr>
+        <p:blipFill>
+          <a:blip r:embed="rId3">
+            <a:extLst>
+              <a:ext uri="{28A0092B-C50C-407E-A947-70E740481C1C}">
+                <a14:useLocalDpi xmlns:a14="http://schemas.microsoft.com/office/drawing/2010/main" val="0"/>
+              </a:ext>
+            </a:extLst>
+          </a:blip>
+          <a:srcRect/>
+          <a:stretch>
+            <a:fillRect/>
+          </a:stretch>
+        </p:blipFill>
+        <p:spPr bwMode="auto">
+          <a:xfrm>
+            <a:off x="0" y="0"/>
+            <a:ext cx="2143125" cy="666751"/>
+          </a:xfrm>
+          <a:prstGeom prst="rect">
+            <a:avLst/>
+          </a:prstGeom>
+          <a:noFill/>
+          <a:extLst>
+            <a:ext uri="{909E8E84-426E-40DD-AFC4-6F175D3DCCD1}">
+              <a14:hiddenFill xmlns:a14="http://schemas.microsoft.com/office/drawing/2010/main">
+                <a:solidFill>
                   <a:srgbClr val="FFFFFF"/>
-                </a:highlight>
-                <a:latin typeface="Courier New"/>
-                <a:ea typeface="Courier New"/>
+                </a:solidFill>
+              </a14:hiddenFill>
+            </a:ext>
+          </a:extLst>
+        </p:spPr>
+      </p:pic>
+      <p:sp>
+        <p:nvSpPr>
+          <p:cNvPr id="7" name="Google Shape;283;p14"/>
+          <p:cNvSpPr txBox="1"/>
+          <p:nvPr/>
+        </p:nvSpPr>
+        <p:spPr>
+          <a:xfrm>
+            <a:off x="245560" y="1069920"/>
+            <a:ext cx="3795130" cy="627146"/>
+          </a:xfrm>
+          <a:prstGeom prst="rect">
+            <a:avLst/>
+          </a:prstGeom>
+          <a:noFill/>
+          <a:ln w="0">
+            <a:noFill/>
+          </a:ln>
+        </p:spPr>
+        <p:txBody>
+          <a:bodyPr tIns="91440" bIns="91440">
+            <a:normAutofit/>
+          </a:bodyPr>
+          <a:lstStyle/>
+          <a:p>
+            <a:r>
+              <a:rPr lang="pt-BR" b="1" dirty="0"/>
+              <a:t>Descrição da Solução: </a:t>
+            </a:r>
+            <a:endParaRPr lang="pt-BR" sz="2800" dirty="0"/>
+          </a:p>
+        </p:txBody>
+      </p:sp>
+      <p:sp>
+        <p:nvSpPr>
+          <p:cNvPr id="8" name="Google Shape;277;p13"/>
+          <p:cNvSpPr txBox="1"/>
+          <p:nvPr/>
+        </p:nvSpPr>
+        <p:spPr>
+          <a:xfrm>
+            <a:off x="2193235" y="28646"/>
+            <a:ext cx="6891130" cy="355667"/>
+          </a:xfrm>
+          <a:prstGeom prst="rect">
+            <a:avLst/>
+          </a:prstGeom>
+          <a:noFill/>
+          <a:ln w="0">
+            <a:noFill/>
+          </a:ln>
+        </p:spPr>
+        <p:txBody>
+          <a:bodyPr tIns="91440" bIns="91440" anchor="ctr">
+            <a:normAutofit fontScale="85000" lnSpcReduction="20000"/>
+          </a:bodyPr>
+          <a:lstStyle/>
+          <a:p>
+            <a:pPr algn="r">
+              <a:lnSpc>
+                <a:spcPct val="100000"/>
+              </a:lnSpc>
+              <a:tabLst>
+                <a:tab pos="0" algn="l"/>
+              </a:tabLst>
+            </a:pPr>
+            <a:r>
+              <a:rPr lang="pt-BR" sz="1600" b="1" strike="noStrike" spc="-1" dirty="0" smtClean="0">
+                <a:solidFill>
+                  <a:srgbClr val="FFFFFF"/>
+                </a:solidFill>
+                <a:latin typeface="Maven Pro"/>
+                <a:ea typeface="Maven Pro"/>
               </a:rPr>
-              <a:t>weighted</a:t>
-            </a:r>
-            <a:r>
-              <a:rPr lang="pt-BR" sz="2560" b="0" strike="noStrike" spc="-1" dirty="0">
-                <a:solidFill>
-                  <a:srgbClr val="212121"/>
-                </a:solidFill>
-                <a:highlight>
+              <a:t>Computação Cognitiva </a:t>
+            </a:r>
+            <a:r>
+              <a:rPr lang="pt-BR" sz="1600" b="1" spc="-1" dirty="0">
+                <a:solidFill>
                   <a:srgbClr val="FFFFFF"/>
-                </a:highlight>
-                <a:latin typeface="Courier New"/>
-                <a:ea typeface="Courier New"/>
+                </a:solidFill>
+                <a:latin typeface="Maven Pro"/>
+                <a:ea typeface="Maven Pro"/>
+              </a:rPr>
+              <a:t>– Projeto </a:t>
+            </a:r>
+            <a:r>
+              <a:rPr lang="pt-BR" sz="1600" b="1" spc="-1" dirty="0" err="1">
+                <a:solidFill>
+                  <a:srgbClr val="FFFFFF"/>
+                </a:solidFill>
+                <a:latin typeface="Maven Pro"/>
+                <a:ea typeface="Maven Pro"/>
+              </a:rPr>
+              <a:t>Tweets</a:t>
+            </a:r>
+            <a:r>
+              <a:rPr lang="pt-BR" sz="1600" b="1" spc="-1" dirty="0">
+                <a:solidFill>
+                  <a:srgbClr val="FFFFFF"/>
+                </a:solidFill>
+                <a:latin typeface="Maven Pro"/>
+                <a:ea typeface="Maven Pro"/>
               </a:rPr>
               <a:t> </a:t>
             </a:r>
             <a:r>
-              <a:rPr lang="pt-BR" sz="2560" b="0" strike="noStrike" spc="-1" dirty="0" err="1">
-                <a:solidFill>
-                  <a:srgbClr val="212121"/>
-                </a:solidFill>
-                <a:highlight>
+              <a:rPr lang="pt-BR" sz="1600" b="1" spc="-1" dirty="0" err="1">
+                <a:solidFill>
                   <a:srgbClr val="FFFFFF"/>
-                </a:highlight>
-                <a:latin typeface="Courier New"/>
-                <a:ea typeface="Courier New"/>
+                </a:solidFill>
+                <a:latin typeface="Maven Pro"/>
+                <a:ea typeface="Maven Pro"/>
               </a:rPr>
-              <a:t>avg</a:t>
-            </a:r>
-            <a:r>
-              <a:rPr lang="pt-BR" sz="2560" b="0" strike="noStrike" spc="-1" dirty="0">
-                <a:solidFill>
-                  <a:srgbClr val="212121"/>
-                </a:solidFill>
-                <a:highlight>
+              <a:t>Haters</a:t>
+            </a:r>
+            <a:r>
+              <a:rPr lang="pt-BR" sz="1600" b="1" spc="-1" dirty="0">
+                <a:solidFill>
                   <a:srgbClr val="FFFFFF"/>
-                </a:highlight>
-                <a:latin typeface="Courier New"/>
-                <a:ea typeface="Courier New"/>
+                </a:solidFill>
+                <a:latin typeface="Maven Pro"/>
+                <a:ea typeface="Maven Pro"/>
               </a:rPr>
-              <a:t>       0.72      0.71      0.69      4997</a:t>
-            </a:r>
-            <a:endParaRPr lang="pt-BR" sz="2560" b="0" strike="noStrike" spc="-1" dirty="0">
+              <a:t> </a:t>
+            </a:r>
+            <a:endParaRPr lang="pt-BR" sz="1600" b="0" strike="noStrike" spc="-1" dirty="0">
               <a:solidFill>
                 <a:srgbClr val="000000"/>
               </a:solidFill>
@@ -12765,7 +12675,5009 @@
     <mc:Choice Requires="p14">
       <p:transition spd="slow" p14:dur="2000"/>
     </mc:Choice>
-    <mc:Fallback xmlns:p15="http://schemas.microsoft.com/office/powerpoint/2012/main" xmlns="">
+    <mc:Fallback xmlns="" xmlns:p15="http://schemas.microsoft.com/office/powerpoint/2012/main">
+      <p:transition spd="slow"/>
+    </mc:Fallback>
+  </mc:AlternateContent>
+</p:sld>
+</file>
+
+<file path=ppt/slides/slide5.xml><?xml version="1.0" encoding="utf-8"?>
+<p:sld xmlns:a="http://schemas.openxmlformats.org/drawingml/2006/main" xmlns:r="http://schemas.openxmlformats.org/officeDocument/2006/relationships" xmlns:p="http://schemas.openxmlformats.org/presentationml/2006/main">
+  <p:cSld>
+    <p:spTree>
+      <p:nvGrpSpPr>
+        <p:cNvPr id="1" name=""/>
+        <p:cNvGrpSpPr/>
+        <p:nvPr/>
+      </p:nvGrpSpPr>
+      <p:grpSpPr>
+        <a:xfrm>
+          <a:off x="0" y="0"/>
+          <a:ext cx="0" cy="0"/>
+          <a:chOff x="0" y="0"/>
+          <a:chExt cx="0" cy="0"/>
+        </a:xfrm>
+      </p:grpSpPr>
+      <p:sp>
+        <p:nvSpPr>
+          <p:cNvPr id="122" name="Google Shape;290;p15"/>
+          <p:cNvSpPr txBox="1"/>
+          <p:nvPr/>
+        </p:nvSpPr>
+        <p:spPr>
+          <a:xfrm>
+            <a:off x="4399722" y="598680"/>
+            <a:ext cx="3934278" cy="999000"/>
+          </a:xfrm>
+          <a:prstGeom prst="rect">
+            <a:avLst/>
+          </a:prstGeom>
+          <a:noFill/>
+          <a:ln w="0">
+            <a:noFill/>
+          </a:ln>
+        </p:spPr>
+        <p:txBody>
+          <a:bodyPr tIns="91440" bIns="91440">
+            <a:normAutofit/>
+          </a:bodyPr>
+          <a:lstStyle/>
+          <a:p>
+            <a:pPr>
+              <a:lnSpc>
+                <a:spcPct val="100000"/>
+              </a:lnSpc>
+              <a:tabLst>
+                <a:tab pos="0" algn="l"/>
+              </a:tabLst>
+            </a:pPr>
+            <a:r>
+              <a:rPr lang="pt-BR" sz="2800" b="1" strike="noStrike" spc="-1" dirty="0">
+                <a:latin typeface="Maven Pro"/>
+                <a:ea typeface="Maven Pro"/>
+              </a:rPr>
+              <a:t>Análise dos dados</a:t>
+            </a:r>
+            <a:endParaRPr lang="pt-BR" sz="2800" b="0" strike="noStrike" spc="-1" dirty="0">
+              <a:latin typeface="Arial"/>
+            </a:endParaRPr>
+          </a:p>
+        </p:txBody>
+      </p:sp>
+      <p:sp>
+        <p:nvSpPr>
+          <p:cNvPr id="123" name="Google Shape;291;p15"/>
+          <p:cNvSpPr txBox="1"/>
+          <p:nvPr/>
+        </p:nvSpPr>
+        <p:spPr>
+          <a:xfrm>
+            <a:off x="1303920" y="1683360"/>
+            <a:ext cx="2410560" cy="413529"/>
+          </a:xfrm>
+          <a:prstGeom prst="rect">
+            <a:avLst/>
+          </a:prstGeom>
+          <a:noFill/>
+          <a:ln w="0">
+            <a:noFill/>
+          </a:ln>
+        </p:spPr>
+        <p:txBody>
+          <a:bodyPr tIns="91440" bIns="91440">
+            <a:normAutofit/>
+          </a:bodyPr>
+          <a:lstStyle/>
+          <a:p>
+            <a:pPr>
+              <a:lnSpc>
+                <a:spcPct val="115000"/>
+              </a:lnSpc>
+              <a:tabLst>
+                <a:tab pos="0" algn="l"/>
+              </a:tabLst>
+            </a:pPr>
+            <a:r>
+              <a:rPr lang="pt-BR" sz="1300" b="1" strike="noStrike" spc="-1" dirty="0">
+                <a:latin typeface="Nunito"/>
+                <a:ea typeface="Nunito"/>
+              </a:rPr>
+              <a:t>Modelo </a:t>
+            </a:r>
+            <a:r>
+              <a:rPr lang="pt-BR" sz="1300" b="1" strike="noStrike" spc="-1" dirty="0" err="1" smtClean="0">
+                <a:latin typeface="Nunito"/>
+                <a:ea typeface="Nunito"/>
+              </a:rPr>
+              <a:t>NaiveBayes</a:t>
+            </a:r>
+            <a:r>
+              <a:rPr lang="pt-BR" sz="1300" b="1" strike="noStrike" spc="-1" dirty="0">
+                <a:latin typeface="Nunito"/>
+                <a:ea typeface="Nunito"/>
+              </a:rPr>
+              <a:t>:</a:t>
+            </a:r>
+            <a:endParaRPr lang="pt-BR" sz="1300" b="0" strike="noStrike" spc="-1" dirty="0">
+              <a:latin typeface="Arial"/>
+            </a:endParaRPr>
+          </a:p>
+          <a:p>
+            <a:pPr>
+              <a:lnSpc>
+                <a:spcPct val="115000"/>
+              </a:lnSpc>
+              <a:spcBef>
+                <a:spcPts val="1199"/>
+              </a:spcBef>
+              <a:tabLst>
+                <a:tab pos="0" algn="l"/>
+              </a:tabLst>
+            </a:pPr>
+            <a:endParaRPr lang="pt-BR" sz="1200" dirty="0" smtClean="0"/>
+          </a:p>
+          <a:p>
+            <a:pPr>
+              <a:lnSpc>
+                <a:spcPct val="115000"/>
+              </a:lnSpc>
+              <a:spcBef>
+                <a:spcPts val="1199"/>
+              </a:spcBef>
+              <a:tabLst>
+                <a:tab pos="0" algn="l"/>
+              </a:tabLst>
+            </a:pPr>
+            <a:endParaRPr lang="pt-BR" sz="1050" b="0" strike="noStrike" spc="-1" dirty="0">
+              <a:solidFill>
+                <a:srgbClr val="000000"/>
+              </a:solidFill>
+              <a:latin typeface="Arial"/>
+            </a:endParaRPr>
+          </a:p>
+          <a:p>
+            <a:pPr>
+              <a:lnSpc>
+                <a:spcPct val="115000"/>
+              </a:lnSpc>
+              <a:spcBef>
+                <a:spcPts val="1199"/>
+              </a:spcBef>
+              <a:tabLst>
+                <a:tab pos="0" algn="l"/>
+              </a:tabLst>
+            </a:pPr>
+            <a:endParaRPr lang="pt-BR" sz="1050" b="0" strike="noStrike" spc="-1" dirty="0">
+              <a:solidFill>
+                <a:srgbClr val="000000"/>
+              </a:solidFill>
+              <a:latin typeface="Arial"/>
+            </a:endParaRPr>
+          </a:p>
+          <a:p>
+            <a:pPr>
+              <a:lnSpc>
+                <a:spcPct val="115000"/>
+              </a:lnSpc>
+              <a:spcBef>
+                <a:spcPts val="1199"/>
+              </a:spcBef>
+              <a:spcAft>
+                <a:spcPts val="1199"/>
+              </a:spcAft>
+              <a:tabLst>
+                <a:tab pos="0" algn="l"/>
+              </a:tabLst>
+            </a:pPr>
+            <a:endParaRPr lang="pt-BR" sz="1050" b="0" strike="noStrike" spc="-1" dirty="0">
+              <a:solidFill>
+                <a:srgbClr val="000000"/>
+              </a:solidFill>
+              <a:latin typeface="Arial"/>
+            </a:endParaRPr>
+          </a:p>
+        </p:txBody>
+      </p:sp>
+      <p:sp>
+        <p:nvSpPr>
+          <p:cNvPr id="124" name="Google Shape;292;p15"/>
+          <p:cNvSpPr txBox="1"/>
+          <p:nvPr/>
+        </p:nvSpPr>
+        <p:spPr>
+          <a:xfrm>
+            <a:off x="4399722" y="1697066"/>
+            <a:ext cx="4162680" cy="413529"/>
+          </a:xfrm>
+          <a:prstGeom prst="rect">
+            <a:avLst/>
+          </a:prstGeom>
+          <a:noFill/>
+          <a:ln w="0">
+            <a:noFill/>
+          </a:ln>
+        </p:spPr>
+        <p:txBody>
+          <a:bodyPr tIns="91440" bIns="91440">
+            <a:normAutofit/>
+          </a:bodyPr>
+          <a:lstStyle/>
+          <a:p>
+            <a:pPr>
+              <a:lnSpc>
+                <a:spcPct val="115000"/>
+              </a:lnSpc>
+              <a:tabLst>
+                <a:tab pos="0" algn="l"/>
+              </a:tabLst>
+            </a:pPr>
+            <a:r>
+              <a:rPr lang="pt-BR" sz="1300" b="1" strike="noStrike" spc="-1" dirty="0">
+                <a:latin typeface="Nunito"/>
+                <a:ea typeface="Nunito"/>
+              </a:rPr>
+              <a:t>Matriz de Confusão:</a:t>
+            </a:r>
+            <a:endParaRPr lang="pt-BR" sz="1300" b="0" strike="noStrike" spc="-1" dirty="0">
+              <a:latin typeface="Arial"/>
+            </a:endParaRPr>
+          </a:p>
+          <a:p>
+            <a:pPr>
+              <a:lnSpc>
+                <a:spcPct val="115000"/>
+              </a:lnSpc>
+              <a:spcBef>
+                <a:spcPts val="1199"/>
+              </a:spcBef>
+              <a:spcAft>
+                <a:spcPts val="1199"/>
+              </a:spcAft>
+              <a:tabLst>
+                <a:tab pos="0" algn="l"/>
+              </a:tabLst>
+            </a:pPr>
+            <a:endParaRPr lang="pt-BR" sz="1050" b="0" strike="noStrike" spc="-1" dirty="0">
+              <a:solidFill>
+                <a:srgbClr val="000000"/>
+              </a:solidFill>
+              <a:latin typeface="Arial"/>
+            </a:endParaRPr>
+          </a:p>
+        </p:txBody>
+      </p:sp>
+      <p:pic>
+        <p:nvPicPr>
+          <p:cNvPr id="5" name="Picture 2" descr="https://account.impacta.edu.br/res/img/logo-faculdade-branco.png"/>
+          <p:cNvPicPr>
+            <a:picLocks noChangeAspect="1" noChangeArrowheads="1"/>
+          </p:cNvPicPr>
+          <p:nvPr/>
+        </p:nvPicPr>
+        <p:blipFill>
+          <a:blip r:embed="rId2">
+            <a:extLst>
+              <a:ext uri="{28A0092B-C50C-407E-A947-70E740481C1C}">
+                <a14:useLocalDpi xmlns:a14="http://schemas.microsoft.com/office/drawing/2010/main" val="0"/>
+              </a:ext>
+            </a:extLst>
+          </a:blip>
+          <a:srcRect/>
+          <a:stretch>
+            <a:fillRect/>
+          </a:stretch>
+        </p:blipFill>
+        <p:spPr bwMode="auto">
+          <a:xfrm>
+            <a:off x="0" y="0"/>
+            <a:ext cx="2143125" cy="666751"/>
+          </a:xfrm>
+          <a:prstGeom prst="rect">
+            <a:avLst/>
+          </a:prstGeom>
+          <a:noFill/>
+          <a:extLst>
+            <a:ext uri="{909E8E84-426E-40DD-AFC4-6F175D3DCCD1}">
+              <a14:hiddenFill xmlns:a14="http://schemas.microsoft.com/office/drawing/2010/main">
+                <a:solidFill>
+                  <a:srgbClr val="FFFFFF"/>
+                </a:solidFill>
+              </a14:hiddenFill>
+            </a:ext>
+          </a:extLst>
+        </p:spPr>
+      </p:pic>
+      <p:sp>
+        <p:nvSpPr>
+          <p:cNvPr id="6" name="Google Shape;283;p14"/>
+          <p:cNvSpPr txBox="1"/>
+          <p:nvPr/>
+        </p:nvSpPr>
+        <p:spPr>
+          <a:xfrm>
+            <a:off x="245560" y="1069920"/>
+            <a:ext cx="3795130" cy="627146"/>
+          </a:xfrm>
+          <a:prstGeom prst="rect">
+            <a:avLst/>
+          </a:prstGeom>
+          <a:noFill/>
+          <a:ln w="0">
+            <a:noFill/>
+          </a:ln>
+        </p:spPr>
+        <p:txBody>
+          <a:bodyPr tIns="91440" bIns="91440">
+            <a:normAutofit/>
+          </a:bodyPr>
+          <a:lstStyle/>
+          <a:p>
+            <a:r>
+              <a:rPr lang="pt-BR" b="1" dirty="0"/>
+              <a:t>Descrição da Solução: </a:t>
+            </a:r>
+            <a:endParaRPr lang="pt-BR" sz="2800" dirty="0"/>
+          </a:p>
+        </p:txBody>
+      </p:sp>
+      <p:sp>
+        <p:nvSpPr>
+          <p:cNvPr id="7" name="Google Shape;277;p13"/>
+          <p:cNvSpPr txBox="1"/>
+          <p:nvPr/>
+        </p:nvSpPr>
+        <p:spPr>
+          <a:xfrm>
+            <a:off x="2193235" y="28646"/>
+            <a:ext cx="6891130" cy="355667"/>
+          </a:xfrm>
+          <a:prstGeom prst="rect">
+            <a:avLst/>
+          </a:prstGeom>
+          <a:noFill/>
+          <a:ln w="0">
+            <a:noFill/>
+          </a:ln>
+        </p:spPr>
+        <p:txBody>
+          <a:bodyPr tIns="91440" bIns="91440" anchor="ctr">
+            <a:normAutofit fontScale="85000" lnSpcReduction="20000"/>
+          </a:bodyPr>
+          <a:lstStyle/>
+          <a:p>
+            <a:pPr algn="r">
+              <a:lnSpc>
+                <a:spcPct val="100000"/>
+              </a:lnSpc>
+              <a:tabLst>
+                <a:tab pos="0" algn="l"/>
+              </a:tabLst>
+            </a:pPr>
+            <a:r>
+              <a:rPr lang="pt-BR" sz="1600" b="1" strike="noStrike" spc="-1" dirty="0" smtClean="0">
+                <a:solidFill>
+                  <a:srgbClr val="FFFFFF"/>
+                </a:solidFill>
+                <a:latin typeface="Maven Pro"/>
+                <a:ea typeface="Maven Pro"/>
+              </a:rPr>
+              <a:t>Computação Cognitiva </a:t>
+            </a:r>
+            <a:r>
+              <a:rPr lang="pt-BR" sz="1600" b="1" spc="-1" dirty="0">
+                <a:solidFill>
+                  <a:srgbClr val="FFFFFF"/>
+                </a:solidFill>
+                <a:latin typeface="Maven Pro"/>
+                <a:ea typeface="Maven Pro"/>
+              </a:rPr>
+              <a:t>– Projeto </a:t>
+            </a:r>
+            <a:r>
+              <a:rPr lang="pt-BR" sz="1600" b="1" spc="-1" dirty="0" err="1">
+                <a:solidFill>
+                  <a:srgbClr val="FFFFFF"/>
+                </a:solidFill>
+                <a:latin typeface="Maven Pro"/>
+                <a:ea typeface="Maven Pro"/>
+              </a:rPr>
+              <a:t>Tweets</a:t>
+            </a:r>
+            <a:r>
+              <a:rPr lang="pt-BR" sz="1600" b="1" spc="-1" dirty="0">
+                <a:solidFill>
+                  <a:srgbClr val="FFFFFF"/>
+                </a:solidFill>
+                <a:latin typeface="Maven Pro"/>
+                <a:ea typeface="Maven Pro"/>
+              </a:rPr>
+              <a:t> </a:t>
+            </a:r>
+            <a:r>
+              <a:rPr lang="pt-BR" sz="1600" b="1" spc="-1" dirty="0" err="1">
+                <a:solidFill>
+                  <a:srgbClr val="FFFFFF"/>
+                </a:solidFill>
+                <a:latin typeface="Maven Pro"/>
+                <a:ea typeface="Maven Pro"/>
+              </a:rPr>
+              <a:t>Haters</a:t>
+            </a:r>
+            <a:r>
+              <a:rPr lang="pt-BR" sz="1600" b="1" spc="-1" dirty="0">
+                <a:solidFill>
+                  <a:srgbClr val="FFFFFF"/>
+                </a:solidFill>
+                <a:latin typeface="Maven Pro"/>
+                <a:ea typeface="Maven Pro"/>
+              </a:rPr>
+              <a:t> </a:t>
+            </a:r>
+            <a:endParaRPr lang="pt-BR" sz="1600" b="0" strike="noStrike" spc="-1" dirty="0">
+              <a:solidFill>
+                <a:srgbClr val="000000"/>
+              </a:solidFill>
+              <a:latin typeface="Arial"/>
+            </a:endParaRPr>
+          </a:p>
+        </p:txBody>
+      </p:sp>
+      <p:sp>
+        <p:nvSpPr>
+          <p:cNvPr id="2" name="Retângulo 1"/>
+          <p:cNvSpPr/>
+          <p:nvPr/>
+        </p:nvSpPr>
+        <p:spPr>
+          <a:xfrm>
+            <a:off x="1444026" y="2182569"/>
+            <a:ext cx="2445487" cy="285784"/>
+          </a:xfrm>
+          <a:prstGeom prst="rect">
+            <a:avLst/>
+          </a:prstGeom>
+          <a:ln>
+            <a:noFill/>
+          </a:ln>
+          <a:effectLst>
+            <a:outerShdw blurRad="50800" dist="38100" dir="2700000" algn="tl" rotWithShape="0">
+              <a:prstClr val="black">
+                <a:alpha val="40000"/>
+              </a:prstClr>
+            </a:outerShdw>
+          </a:effectLst>
+        </p:spPr>
+        <p:style>
+          <a:lnRef idx="1">
+            <a:schemeClr val="accent1"/>
+          </a:lnRef>
+          <a:fillRef idx="3">
+            <a:schemeClr val="accent1"/>
+          </a:fillRef>
+          <a:effectRef idx="2">
+            <a:schemeClr val="accent1"/>
+          </a:effectRef>
+          <a:fontRef idx="minor">
+            <a:schemeClr val="lt1"/>
+          </a:fontRef>
+        </p:style>
+        <p:txBody>
+          <a:bodyPr wrap="square">
+            <a:spAutoFit/>
+          </a:bodyPr>
+          <a:lstStyle/>
+          <a:p>
+            <a:pPr>
+              <a:lnSpc>
+                <a:spcPct val="115000"/>
+              </a:lnSpc>
+              <a:spcBef>
+                <a:spcPts val="1199"/>
+              </a:spcBef>
+              <a:tabLst>
+                <a:tab pos="0" algn="l"/>
+              </a:tabLst>
+            </a:pPr>
+            <a:r>
+              <a:rPr lang="pt-BR" sz="1200" dirty="0"/>
+              <a:t>Acurácia </a:t>
+            </a:r>
+            <a:r>
+              <a:rPr lang="pt-BR" sz="1200" dirty="0" err="1"/>
+              <a:t>NaiveBayes</a:t>
+            </a:r>
+            <a:r>
+              <a:rPr lang="pt-BR" sz="1200" dirty="0"/>
+              <a:t>: 0.786</a:t>
+            </a:r>
+            <a:endParaRPr lang="pt-BR" sz="1200" dirty="0"/>
+          </a:p>
+        </p:txBody>
+      </p:sp>
+      <p:sp>
+        <p:nvSpPr>
+          <p:cNvPr id="3" name="Retângulo 2"/>
+          <p:cNvSpPr/>
+          <p:nvPr/>
+        </p:nvSpPr>
+        <p:spPr>
+          <a:xfrm>
+            <a:off x="1444026" y="2739595"/>
+            <a:ext cx="1795670" cy="670953"/>
+          </a:xfrm>
+          <a:prstGeom prst="rect">
+            <a:avLst/>
+          </a:prstGeom>
+          <a:ln>
+            <a:noFill/>
+          </a:ln>
+          <a:effectLst>
+            <a:outerShdw blurRad="50800" dist="38100" dir="2700000" algn="tl" rotWithShape="0">
+              <a:prstClr val="black">
+                <a:alpha val="40000"/>
+              </a:prstClr>
+            </a:outerShdw>
+          </a:effectLst>
+        </p:spPr>
+        <p:style>
+          <a:lnRef idx="1">
+            <a:schemeClr val="accent1"/>
+          </a:lnRef>
+          <a:fillRef idx="3">
+            <a:schemeClr val="accent1"/>
+          </a:fillRef>
+          <a:effectRef idx="2">
+            <a:schemeClr val="accent1"/>
+          </a:effectRef>
+          <a:fontRef idx="minor">
+            <a:schemeClr val="lt1"/>
+          </a:fontRef>
+        </p:style>
+        <p:txBody>
+          <a:bodyPr wrap="square">
+            <a:spAutoFit/>
+          </a:bodyPr>
+          <a:lstStyle/>
+          <a:p>
+            <a:pPr>
+              <a:lnSpc>
+                <a:spcPct val="115000"/>
+              </a:lnSpc>
+              <a:spcBef>
+                <a:spcPts val="1199"/>
+              </a:spcBef>
+              <a:tabLst>
+                <a:tab pos="0" algn="l"/>
+              </a:tabLst>
+            </a:pPr>
+            <a:r>
+              <a:rPr lang="pt-BR" sz="1200" dirty="0">
+                <a:solidFill>
+                  <a:schemeClr val="lt1"/>
+                </a:solidFill>
+              </a:rPr>
+              <a:t>Acurácia do Modelo:</a:t>
+            </a:r>
+          </a:p>
+          <a:p>
+            <a:pPr>
+              <a:lnSpc>
+                <a:spcPct val="115000"/>
+              </a:lnSpc>
+              <a:spcBef>
+                <a:spcPts val="1199"/>
+              </a:spcBef>
+              <a:tabLst>
+                <a:tab pos="0" algn="l"/>
+              </a:tabLst>
+            </a:pPr>
+            <a:r>
+              <a:rPr lang="pt-BR" sz="1200" dirty="0">
+                <a:solidFill>
+                  <a:schemeClr val="lt1"/>
+                </a:solidFill>
+              </a:rPr>
+              <a:t>0.7128276966179707</a:t>
+            </a:r>
+            <a:endParaRPr lang="pt-BR" sz="1200" dirty="0">
+              <a:solidFill>
+                <a:schemeClr val="lt1"/>
+              </a:solidFill>
+            </a:endParaRPr>
+          </a:p>
+        </p:txBody>
+      </p:sp>
+      <p:graphicFrame>
+        <p:nvGraphicFramePr>
+          <p:cNvPr id="4" name="Tabela 3"/>
+          <p:cNvGraphicFramePr>
+            <a:graphicFrameLocks noGrp="1"/>
+          </p:cNvGraphicFramePr>
+          <p:nvPr>
+            <p:extLst>
+              <p:ext uri="{D42A27DB-BD31-4B8C-83A1-F6EECF244321}">
+                <p14:modId xmlns:p14="http://schemas.microsoft.com/office/powerpoint/2010/main" val="19492763"/>
+              </p:ext>
+            </p:extLst>
+          </p:nvPr>
+        </p:nvGraphicFramePr>
+        <p:xfrm>
+          <a:off x="4591879" y="2182569"/>
+          <a:ext cx="4150969" cy="1287780"/>
+        </p:xfrm>
+        <a:graphic>
+          <a:graphicData uri="http://schemas.openxmlformats.org/drawingml/2006/table">
+            <a:tbl>
+              <a:tblPr/>
+              <a:tblGrid>
+                <a:gridCol w="1081861">
+                  <a:extLst>
+                    <a:ext uri="{9D8B030D-6E8A-4147-A177-3AD203B41FA5}">
+                      <a16:colId xmlns:a16="http://schemas.microsoft.com/office/drawing/2014/main" val="1028699010"/>
+                    </a:ext>
+                  </a:extLst>
+                </a:gridCol>
+                <a:gridCol w="767277">
+                  <a:extLst>
+                    <a:ext uri="{9D8B030D-6E8A-4147-A177-3AD203B41FA5}">
+                      <a16:colId xmlns:a16="http://schemas.microsoft.com/office/drawing/2014/main" val="2399537276"/>
+                    </a:ext>
+                  </a:extLst>
+                </a:gridCol>
+                <a:gridCol w="767277">
+                  <a:extLst>
+                    <a:ext uri="{9D8B030D-6E8A-4147-A177-3AD203B41FA5}">
+                      <a16:colId xmlns:a16="http://schemas.microsoft.com/office/drawing/2014/main" val="343246052"/>
+                    </a:ext>
+                  </a:extLst>
+                </a:gridCol>
+                <a:gridCol w="767277">
+                  <a:extLst>
+                    <a:ext uri="{9D8B030D-6E8A-4147-A177-3AD203B41FA5}">
+                      <a16:colId xmlns:a16="http://schemas.microsoft.com/office/drawing/2014/main" val="3458917813"/>
+                    </a:ext>
+                  </a:extLst>
+                </a:gridCol>
+                <a:gridCol w="767277">
+                  <a:extLst>
+                    <a:ext uri="{9D8B030D-6E8A-4147-A177-3AD203B41FA5}">
+                      <a16:colId xmlns:a16="http://schemas.microsoft.com/office/drawing/2014/main" val="3160456489"/>
+                    </a:ext>
+                  </a:extLst>
+                </a:gridCol>
+              </a:tblGrid>
+              <a:tr h="200025">
+                <a:tc>
+                  <a:txBody>
+                    <a:bodyPr/>
+                    <a:lstStyle/>
+                    <a:p>
+                      <a:pPr rtl="0" fontAlgn="ctr"/>
+                      <a:r>
+                        <a:rPr lang="pt-BR" sz="1200" b="0" dirty="0">
+                          <a:solidFill>
+                            <a:srgbClr val="212121"/>
+                          </a:solidFill>
+                          <a:effectLst/>
+                          <a:latin typeface="+mn-lt"/>
+                        </a:rPr>
+                        <a:t>Predito</a:t>
+                      </a:r>
+                      <a:br>
+                        <a:rPr lang="pt-BR" sz="1200" b="0" dirty="0">
+                          <a:solidFill>
+                            <a:srgbClr val="212121"/>
+                          </a:solidFill>
+                          <a:effectLst/>
+                          <a:latin typeface="+mn-lt"/>
+                        </a:rPr>
+                      </a:br>
+                      <a:r>
+                        <a:rPr lang="pt-BR" sz="1200" b="0" dirty="0">
+                          <a:solidFill>
+                            <a:srgbClr val="212121"/>
+                          </a:solidFill>
+                          <a:effectLst/>
+                          <a:latin typeface="+mn-lt"/>
+                        </a:rPr>
+                        <a:t>Real</a:t>
+                      </a:r>
+                    </a:p>
+                  </a:txBody>
+                  <a:tcPr marL="28575" marR="28575" marT="19050" marB="19050" anchor="ctr">
+                    <a:lnL w="9525" cap="flat" cmpd="sng" algn="ctr">
+                      <a:solidFill>
+                        <a:srgbClr val="CCCCCC"/>
+                      </a:solidFill>
+                      <a:prstDash val="solid"/>
+                      <a:round/>
+                      <a:headEnd type="none" w="med" len="med"/>
+                      <a:tailEnd type="none" w="med" len="med"/>
+                    </a:lnL>
+                    <a:lnR w="9525" cap="flat" cmpd="sng" algn="ctr">
+                      <a:solidFill>
+                        <a:srgbClr val="CCCCCC"/>
+                      </a:solidFill>
+                      <a:prstDash val="solid"/>
+                      <a:round/>
+                      <a:headEnd type="none" w="med" len="med"/>
+                      <a:tailEnd type="none" w="med" len="med"/>
+                    </a:lnR>
+                    <a:lnT w="9525" cap="flat" cmpd="sng" algn="ctr">
+                      <a:solidFill>
+                        <a:srgbClr val="CCCCCC"/>
+                      </a:solidFill>
+                      <a:prstDash val="solid"/>
+                      <a:round/>
+                      <a:headEnd type="none" w="med" len="med"/>
+                      <a:tailEnd type="none" w="med" len="med"/>
+                    </a:lnT>
+                    <a:lnB w="9525" cap="flat" cmpd="sng" algn="ctr">
+                      <a:solidFill>
+                        <a:srgbClr val="CCCCCC"/>
+                      </a:solidFill>
+                      <a:prstDash val="solid"/>
+                      <a:round/>
+                      <a:headEnd type="none" w="med" len="med"/>
+                      <a:tailEnd type="none" w="med" len="med"/>
+                    </a:lnB>
+                    <a:solidFill>
+                      <a:srgbClr val="F7CB4D"/>
+                    </a:solidFill>
+                  </a:tcPr>
+                </a:tc>
+                <a:tc>
+                  <a:txBody>
+                    <a:bodyPr/>
+                    <a:lstStyle/>
+                    <a:p>
+                      <a:pPr rtl="0" fontAlgn="ctr"/>
+                      <a:r>
+                        <a:rPr lang="pt-BR" sz="1200" b="0">
+                          <a:solidFill>
+                            <a:srgbClr val="212121"/>
+                          </a:solidFill>
+                          <a:effectLst/>
+                          <a:latin typeface="+mn-lt"/>
+                        </a:rPr>
+                        <a:t>negativo</a:t>
+                      </a:r>
+                    </a:p>
+                  </a:txBody>
+                  <a:tcPr marL="28575" marR="28575" marT="19050" marB="19050" anchor="ctr">
+                    <a:lnL w="9525" cap="flat" cmpd="sng" algn="ctr">
+                      <a:solidFill>
+                        <a:srgbClr val="CCCCCC"/>
+                      </a:solidFill>
+                      <a:prstDash val="solid"/>
+                      <a:round/>
+                      <a:headEnd type="none" w="med" len="med"/>
+                      <a:tailEnd type="none" w="med" len="med"/>
+                    </a:lnL>
+                    <a:lnR w="9525" cap="flat" cmpd="sng" algn="ctr">
+                      <a:solidFill>
+                        <a:srgbClr val="CCCCCC"/>
+                      </a:solidFill>
+                      <a:prstDash val="solid"/>
+                      <a:round/>
+                      <a:headEnd type="none" w="med" len="med"/>
+                      <a:tailEnd type="none" w="med" len="med"/>
+                    </a:lnR>
+                    <a:lnT w="9525" cap="flat" cmpd="sng" algn="ctr">
+                      <a:solidFill>
+                        <a:srgbClr val="CCCCCC"/>
+                      </a:solidFill>
+                      <a:prstDash val="solid"/>
+                      <a:round/>
+                      <a:headEnd type="none" w="med" len="med"/>
+                      <a:tailEnd type="none" w="med" len="med"/>
+                    </a:lnT>
+                    <a:lnB w="9525" cap="flat" cmpd="sng" algn="ctr">
+                      <a:solidFill>
+                        <a:srgbClr val="CCCCCC"/>
+                      </a:solidFill>
+                      <a:prstDash val="solid"/>
+                      <a:round/>
+                      <a:headEnd type="none" w="med" len="med"/>
+                      <a:tailEnd type="none" w="med" len="med"/>
+                    </a:lnB>
+                    <a:solidFill>
+                      <a:srgbClr val="F7CB4D"/>
+                    </a:solidFill>
+                  </a:tcPr>
+                </a:tc>
+                <a:tc>
+                  <a:txBody>
+                    <a:bodyPr/>
+                    <a:lstStyle/>
+                    <a:p>
+                      <a:pPr rtl="0" fontAlgn="ctr"/>
+                      <a:r>
+                        <a:rPr lang="pt-BR" sz="1200" b="0">
+                          <a:solidFill>
+                            <a:srgbClr val="212121"/>
+                          </a:solidFill>
+                          <a:effectLst/>
+                          <a:latin typeface="+mn-lt"/>
+                        </a:rPr>
+                        <a:t>neutro</a:t>
+                      </a:r>
+                    </a:p>
+                  </a:txBody>
+                  <a:tcPr marL="28575" marR="28575" marT="19050" marB="19050" anchor="ctr">
+                    <a:lnL w="9525" cap="flat" cmpd="sng" algn="ctr">
+                      <a:solidFill>
+                        <a:srgbClr val="CCCCCC"/>
+                      </a:solidFill>
+                      <a:prstDash val="solid"/>
+                      <a:round/>
+                      <a:headEnd type="none" w="med" len="med"/>
+                      <a:tailEnd type="none" w="med" len="med"/>
+                    </a:lnL>
+                    <a:lnR w="9525" cap="flat" cmpd="sng" algn="ctr">
+                      <a:solidFill>
+                        <a:srgbClr val="CCCCCC"/>
+                      </a:solidFill>
+                      <a:prstDash val="solid"/>
+                      <a:round/>
+                      <a:headEnd type="none" w="med" len="med"/>
+                      <a:tailEnd type="none" w="med" len="med"/>
+                    </a:lnR>
+                    <a:lnT w="9525" cap="flat" cmpd="sng" algn="ctr">
+                      <a:solidFill>
+                        <a:srgbClr val="CCCCCC"/>
+                      </a:solidFill>
+                      <a:prstDash val="solid"/>
+                      <a:round/>
+                      <a:headEnd type="none" w="med" len="med"/>
+                      <a:tailEnd type="none" w="med" len="med"/>
+                    </a:lnT>
+                    <a:lnB w="9525" cap="flat" cmpd="sng" algn="ctr">
+                      <a:solidFill>
+                        <a:srgbClr val="CCCCCC"/>
+                      </a:solidFill>
+                      <a:prstDash val="solid"/>
+                      <a:round/>
+                      <a:headEnd type="none" w="med" len="med"/>
+                      <a:tailEnd type="none" w="med" len="med"/>
+                    </a:lnB>
+                    <a:solidFill>
+                      <a:srgbClr val="F7CB4D"/>
+                    </a:solidFill>
+                  </a:tcPr>
+                </a:tc>
+                <a:tc>
+                  <a:txBody>
+                    <a:bodyPr/>
+                    <a:lstStyle/>
+                    <a:p>
+                      <a:pPr rtl="0" fontAlgn="ctr"/>
+                      <a:r>
+                        <a:rPr lang="pt-BR" sz="1200" b="0">
+                          <a:solidFill>
+                            <a:srgbClr val="212121"/>
+                          </a:solidFill>
+                          <a:effectLst/>
+                          <a:latin typeface="+mn-lt"/>
+                        </a:rPr>
+                        <a:t>positivo</a:t>
+                      </a:r>
+                    </a:p>
+                  </a:txBody>
+                  <a:tcPr marL="28575" marR="28575" marT="19050" marB="19050" anchor="ctr">
+                    <a:lnL w="9525" cap="flat" cmpd="sng" algn="ctr">
+                      <a:solidFill>
+                        <a:srgbClr val="CCCCCC"/>
+                      </a:solidFill>
+                      <a:prstDash val="solid"/>
+                      <a:round/>
+                      <a:headEnd type="none" w="med" len="med"/>
+                      <a:tailEnd type="none" w="med" len="med"/>
+                    </a:lnL>
+                    <a:lnR w="9525" cap="flat" cmpd="sng" algn="ctr">
+                      <a:solidFill>
+                        <a:srgbClr val="CCCCCC"/>
+                      </a:solidFill>
+                      <a:prstDash val="solid"/>
+                      <a:round/>
+                      <a:headEnd type="none" w="med" len="med"/>
+                      <a:tailEnd type="none" w="med" len="med"/>
+                    </a:lnR>
+                    <a:lnT w="9525" cap="flat" cmpd="sng" algn="ctr">
+                      <a:solidFill>
+                        <a:srgbClr val="CCCCCC"/>
+                      </a:solidFill>
+                      <a:prstDash val="solid"/>
+                      <a:round/>
+                      <a:headEnd type="none" w="med" len="med"/>
+                      <a:tailEnd type="none" w="med" len="med"/>
+                    </a:lnT>
+                    <a:lnB w="9525" cap="flat" cmpd="sng" algn="ctr">
+                      <a:solidFill>
+                        <a:srgbClr val="CCCCCC"/>
+                      </a:solidFill>
+                      <a:prstDash val="solid"/>
+                      <a:round/>
+                      <a:headEnd type="none" w="med" len="med"/>
+                      <a:tailEnd type="none" w="med" len="med"/>
+                    </a:lnB>
+                    <a:solidFill>
+                      <a:srgbClr val="F7CB4D"/>
+                    </a:solidFill>
+                  </a:tcPr>
+                </a:tc>
+                <a:tc>
+                  <a:txBody>
+                    <a:bodyPr/>
+                    <a:lstStyle/>
+                    <a:p>
+                      <a:pPr rtl="0" fontAlgn="ctr"/>
+                      <a:r>
+                        <a:rPr lang="pt-BR" sz="1200" b="0">
+                          <a:solidFill>
+                            <a:srgbClr val="212121"/>
+                          </a:solidFill>
+                          <a:effectLst/>
+                          <a:latin typeface="+mn-lt"/>
+                        </a:rPr>
+                        <a:t>All</a:t>
+                      </a:r>
+                    </a:p>
+                  </a:txBody>
+                  <a:tcPr marL="28575" marR="28575" marT="19050" marB="19050" anchor="ctr">
+                    <a:lnL w="9525" cap="flat" cmpd="sng" algn="ctr">
+                      <a:solidFill>
+                        <a:srgbClr val="CCCCCC"/>
+                      </a:solidFill>
+                      <a:prstDash val="solid"/>
+                      <a:round/>
+                      <a:headEnd type="none" w="med" len="med"/>
+                      <a:tailEnd type="none" w="med" len="med"/>
+                    </a:lnL>
+                    <a:lnR w="9525" cap="flat" cmpd="sng" algn="ctr">
+                      <a:solidFill>
+                        <a:srgbClr val="CCCCCC"/>
+                      </a:solidFill>
+                      <a:prstDash val="solid"/>
+                      <a:round/>
+                      <a:headEnd type="none" w="med" len="med"/>
+                      <a:tailEnd type="none" w="med" len="med"/>
+                    </a:lnR>
+                    <a:lnT w="9525" cap="flat" cmpd="sng" algn="ctr">
+                      <a:solidFill>
+                        <a:srgbClr val="CCCCCC"/>
+                      </a:solidFill>
+                      <a:prstDash val="solid"/>
+                      <a:round/>
+                      <a:headEnd type="none" w="med" len="med"/>
+                      <a:tailEnd type="none" w="med" len="med"/>
+                    </a:lnT>
+                    <a:lnB w="9525" cap="flat" cmpd="sng" algn="ctr">
+                      <a:solidFill>
+                        <a:srgbClr val="CCCCCC"/>
+                      </a:solidFill>
+                      <a:prstDash val="solid"/>
+                      <a:round/>
+                      <a:headEnd type="none" w="med" len="med"/>
+                      <a:tailEnd type="none" w="med" len="med"/>
+                    </a:lnB>
+                    <a:solidFill>
+                      <a:srgbClr val="F7CB4D"/>
+                    </a:solidFill>
+                  </a:tcPr>
+                </a:tc>
+                <a:extLst>
+                  <a:ext uri="{0D108BD9-81ED-4DB2-BD59-A6C34878D82A}">
+                    <a16:rowId xmlns:a16="http://schemas.microsoft.com/office/drawing/2014/main" val="147134809"/>
+                  </a:ext>
+                </a:extLst>
+              </a:tr>
+              <a:tr h="200025">
+                <a:tc>
+                  <a:txBody>
+                    <a:bodyPr/>
+                    <a:lstStyle/>
+                    <a:p>
+                      <a:pPr rtl="0" fontAlgn="ctr"/>
+                      <a:r>
+                        <a:rPr lang="pt-BR" sz="1200" b="0" dirty="0">
+                          <a:solidFill>
+                            <a:srgbClr val="212121"/>
+                          </a:solidFill>
+                          <a:effectLst/>
+                          <a:latin typeface="+mn-lt"/>
+                        </a:rPr>
+                        <a:t>negativo</a:t>
+                      </a:r>
+                    </a:p>
+                  </a:txBody>
+                  <a:tcPr marL="28575" marR="28575" marT="19050" marB="19050" anchor="ctr">
+                    <a:lnL w="9525" cap="flat" cmpd="sng" algn="ctr">
+                      <a:solidFill>
+                        <a:srgbClr val="CCCCCC"/>
+                      </a:solidFill>
+                      <a:prstDash val="solid"/>
+                      <a:round/>
+                      <a:headEnd type="none" w="med" len="med"/>
+                      <a:tailEnd type="none" w="med" len="med"/>
+                    </a:lnL>
+                    <a:lnR w="9525" cap="flat" cmpd="sng" algn="ctr">
+                      <a:solidFill>
+                        <a:srgbClr val="CCCCCC"/>
+                      </a:solidFill>
+                      <a:prstDash val="solid"/>
+                      <a:round/>
+                      <a:headEnd type="none" w="med" len="med"/>
+                      <a:tailEnd type="none" w="med" len="med"/>
+                    </a:lnR>
+                    <a:lnT w="9525" cap="flat" cmpd="sng" algn="ctr">
+                      <a:solidFill>
+                        <a:srgbClr val="CCCCCC"/>
+                      </a:solidFill>
+                      <a:prstDash val="solid"/>
+                      <a:round/>
+                      <a:headEnd type="none" w="med" len="med"/>
+                      <a:tailEnd type="none" w="med" len="med"/>
+                    </a:lnT>
+                    <a:lnB w="9525" cap="flat" cmpd="sng" algn="ctr">
+                      <a:solidFill>
+                        <a:srgbClr val="CCCCCC"/>
+                      </a:solidFill>
+                      <a:prstDash val="solid"/>
+                      <a:round/>
+                      <a:headEnd type="none" w="med" len="med"/>
+                      <a:tailEnd type="none" w="med" len="med"/>
+                    </a:lnB>
+                    <a:solidFill>
+                      <a:srgbClr val="FFFFFF"/>
+                    </a:solidFill>
+                  </a:tcPr>
+                </a:tc>
+                <a:tc>
+                  <a:txBody>
+                    <a:bodyPr/>
+                    <a:lstStyle/>
+                    <a:p>
+                      <a:pPr rtl="0" fontAlgn="ctr"/>
+                      <a:r>
+                        <a:rPr lang="pt-BR" sz="1200" b="0" dirty="0">
+                          <a:solidFill>
+                            <a:srgbClr val="212121"/>
+                          </a:solidFill>
+                          <a:effectLst/>
+                          <a:latin typeface="+mn-lt"/>
+                        </a:rPr>
+                        <a:t>1296</a:t>
+                      </a:r>
+                    </a:p>
+                  </a:txBody>
+                  <a:tcPr marL="28575" marR="28575" marT="19050" marB="19050" anchor="ctr">
+                    <a:lnL w="9525" cap="flat" cmpd="sng" algn="ctr">
+                      <a:solidFill>
+                        <a:srgbClr val="CCCCCC"/>
+                      </a:solidFill>
+                      <a:prstDash val="solid"/>
+                      <a:round/>
+                      <a:headEnd type="none" w="med" len="med"/>
+                      <a:tailEnd type="none" w="med" len="med"/>
+                    </a:lnL>
+                    <a:lnR w="9525" cap="flat" cmpd="sng" algn="ctr">
+                      <a:solidFill>
+                        <a:srgbClr val="CCCCCC"/>
+                      </a:solidFill>
+                      <a:prstDash val="solid"/>
+                      <a:round/>
+                      <a:headEnd type="none" w="med" len="med"/>
+                      <a:tailEnd type="none" w="med" len="med"/>
+                    </a:lnR>
+                    <a:lnT w="9525" cap="flat" cmpd="sng" algn="ctr">
+                      <a:solidFill>
+                        <a:srgbClr val="CCCCCC"/>
+                      </a:solidFill>
+                      <a:prstDash val="solid"/>
+                      <a:round/>
+                      <a:headEnd type="none" w="med" len="med"/>
+                      <a:tailEnd type="none" w="med" len="med"/>
+                    </a:lnT>
+                    <a:lnB w="9525" cap="flat" cmpd="sng" algn="ctr">
+                      <a:solidFill>
+                        <a:srgbClr val="CCCCCC"/>
+                      </a:solidFill>
+                      <a:prstDash val="solid"/>
+                      <a:round/>
+                      <a:headEnd type="none" w="med" len="med"/>
+                      <a:tailEnd type="none" w="med" len="med"/>
+                    </a:lnB>
+                    <a:solidFill>
+                      <a:srgbClr val="FFFFFF"/>
+                    </a:solidFill>
+                  </a:tcPr>
+                </a:tc>
+                <a:tc>
+                  <a:txBody>
+                    <a:bodyPr/>
+                    <a:lstStyle/>
+                    <a:p>
+                      <a:pPr rtl="0" fontAlgn="ctr"/>
+                      <a:r>
+                        <a:rPr lang="pt-BR" sz="1200" b="0">
+                          <a:solidFill>
+                            <a:srgbClr val="212121"/>
+                          </a:solidFill>
+                          <a:effectLst/>
+                          <a:latin typeface="+mn-lt"/>
+                        </a:rPr>
+                        <a:t>123</a:t>
+                      </a:r>
+                    </a:p>
+                  </a:txBody>
+                  <a:tcPr marL="28575" marR="28575" marT="19050" marB="19050" anchor="ctr">
+                    <a:lnL w="9525" cap="flat" cmpd="sng" algn="ctr">
+                      <a:solidFill>
+                        <a:srgbClr val="CCCCCC"/>
+                      </a:solidFill>
+                      <a:prstDash val="solid"/>
+                      <a:round/>
+                      <a:headEnd type="none" w="med" len="med"/>
+                      <a:tailEnd type="none" w="med" len="med"/>
+                    </a:lnL>
+                    <a:lnR w="9525" cap="flat" cmpd="sng" algn="ctr">
+                      <a:solidFill>
+                        <a:srgbClr val="CCCCCC"/>
+                      </a:solidFill>
+                      <a:prstDash val="solid"/>
+                      <a:round/>
+                      <a:headEnd type="none" w="med" len="med"/>
+                      <a:tailEnd type="none" w="med" len="med"/>
+                    </a:lnR>
+                    <a:lnT w="9525" cap="flat" cmpd="sng" algn="ctr">
+                      <a:solidFill>
+                        <a:srgbClr val="CCCCCC"/>
+                      </a:solidFill>
+                      <a:prstDash val="solid"/>
+                      <a:round/>
+                      <a:headEnd type="none" w="med" len="med"/>
+                      <a:tailEnd type="none" w="med" len="med"/>
+                    </a:lnT>
+                    <a:lnB w="9525" cap="flat" cmpd="sng" algn="ctr">
+                      <a:solidFill>
+                        <a:srgbClr val="CCCCCC"/>
+                      </a:solidFill>
+                      <a:prstDash val="solid"/>
+                      <a:round/>
+                      <a:headEnd type="none" w="med" len="med"/>
+                      <a:tailEnd type="none" w="med" len="med"/>
+                    </a:lnB>
+                    <a:solidFill>
+                      <a:srgbClr val="FFFFFF"/>
+                    </a:solidFill>
+                  </a:tcPr>
+                </a:tc>
+                <a:tc>
+                  <a:txBody>
+                    <a:bodyPr/>
+                    <a:lstStyle/>
+                    <a:p>
+                      <a:pPr rtl="0" fontAlgn="ctr"/>
+                      <a:r>
+                        <a:rPr lang="pt-BR" sz="1200" b="0">
+                          <a:solidFill>
+                            <a:srgbClr val="212121"/>
+                          </a:solidFill>
+                          <a:effectLst/>
+                          <a:latin typeface="+mn-lt"/>
+                        </a:rPr>
+                        <a:t>246</a:t>
+                      </a:r>
+                    </a:p>
+                  </a:txBody>
+                  <a:tcPr marL="28575" marR="28575" marT="19050" marB="19050" anchor="ctr">
+                    <a:lnL w="9525" cap="flat" cmpd="sng" algn="ctr">
+                      <a:solidFill>
+                        <a:srgbClr val="CCCCCC"/>
+                      </a:solidFill>
+                      <a:prstDash val="solid"/>
+                      <a:round/>
+                      <a:headEnd type="none" w="med" len="med"/>
+                      <a:tailEnd type="none" w="med" len="med"/>
+                    </a:lnL>
+                    <a:lnR w="9525" cap="flat" cmpd="sng" algn="ctr">
+                      <a:solidFill>
+                        <a:srgbClr val="CCCCCC"/>
+                      </a:solidFill>
+                      <a:prstDash val="solid"/>
+                      <a:round/>
+                      <a:headEnd type="none" w="med" len="med"/>
+                      <a:tailEnd type="none" w="med" len="med"/>
+                    </a:lnR>
+                    <a:lnT w="9525" cap="flat" cmpd="sng" algn="ctr">
+                      <a:solidFill>
+                        <a:srgbClr val="CCCCCC"/>
+                      </a:solidFill>
+                      <a:prstDash val="solid"/>
+                      <a:round/>
+                      <a:headEnd type="none" w="med" len="med"/>
+                      <a:tailEnd type="none" w="med" len="med"/>
+                    </a:lnT>
+                    <a:lnB w="9525" cap="flat" cmpd="sng" algn="ctr">
+                      <a:solidFill>
+                        <a:srgbClr val="CCCCCC"/>
+                      </a:solidFill>
+                      <a:prstDash val="solid"/>
+                      <a:round/>
+                      <a:headEnd type="none" w="med" len="med"/>
+                      <a:tailEnd type="none" w="med" len="med"/>
+                    </a:lnB>
+                    <a:solidFill>
+                      <a:srgbClr val="FFFFFF"/>
+                    </a:solidFill>
+                  </a:tcPr>
+                </a:tc>
+                <a:tc>
+                  <a:txBody>
+                    <a:bodyPr/>
+                    <a:lstStyle/>
+                    <a:p>
+                      <a:pPr rtl="0" fontAlgn="ctr"/>
+                      <a:r>
+                        <a:rPr lang="pt-BR" sz="1200" b="0">
+                          <a:solidFill>
+                            <a:srgbClr val="212121"/>
+                          </a:solidFill>
+                          <a:effectLst/>
+                          <a:latin typeface="+mn-lt"/>
+                        </a:rPr>
+                        <a:t>1665</a:t>
+                      </a:r>
+                    </a:p>
+                  </a:txBody>
+                  <a:tcPr marL="28575" marR="28575" marT="19050" marB="19050" anchor="ctr">
+                    <a:lnL w="9525" cap="flat" cmpd="sng" algn="ctr">
+                      <a:solidFill>
+                        <a:srgbClr val="CCCCCC"/>
+                      </a:solidFill>
+                      <a:prstDash val="solid"/>
+                      <a:round/>
+                      <a:headEnd type="none" w="med" len="med"/>
+                      <a:tailEnd type="none" w="med" len="med"/>
+                    </a:lnL>
+                    <a:lnR w="9525" cap="flat" cmpd="sng" algn="ctr">
+                      <a:solidFill>
+                        <a:srgbClr val="CCCCCC"/>
+                      </a:solidFill>
+                      <a:prstDash val="solid"/>
+                      <a:round/>
+                      <a:headEnd type="none" w="med" len="med"/>
+                      <a:tailEnd type="none" w="med" len="med"/>
+                    </a:lnR>
+                    <a:lnT w="9525" cap="flat" cmpd="sng" algn="ctr">
+                      <a:solidFill>
+                        <a:srgbClr val="CCCCCC"/>
+                      </a:solidFill>
+                      <a:prstDash val="solid"/>
+                      <a:round/>
+                      <a:headEnd type="none" w="med" len="med"/>
+                      <a:tailEnd type="none" w="med" len="med"/>
+                    </a:lnT>
+                    <a:lnB w="9525" cap="flat" cmpd="sng" algn="ctr">
+                      <a:solidFill>
+                        <a:srgbClr val="CCCCCC"/>
+                      </a:solidFill>
+                      <a:prstDash val="solid"/>
+                      <a:round/>
+                      <a:headEnd type="none" w="med" len="med"/>
+                      <a:tailEnd type="none" w="med" len="med"/>
+                    </a:lnB>
+                    <a:solidFill>
+                      <a:srgbClr val="FFFFFF"/>
+                    </a:solidFill>
+                  </a:tcPr>
+                </a:tc>
+                <a:extLst>
+                  <a:ext uri="{0D108BD9-81ED-4DB2-BD59-A6C34878D82A}">
+                    <a16:rowId xmlns:a16="http://schemas.microsoft.com/office/drawing/2014/main" val="3403699779"/>
+                  </a:ext>
+                </a:extLst>
+              </a:tr>
+              <a:tr h="200025">
+                <a:tc>
+                  <a:txBody>
+                    <a:bodyPr/>
+                    <a:lstStyle/>
+                    <a:p>
+                      <a:pPr rtl="0" fontAlgn="ctr"/>
+                      <a:r>
+                        <a:rPr lang="pt-BR" sz="1200" b="0">
+                          <a:solidFill>
+                            <a:srgbClr val="212121"/>
+                          </a:solidFill>
+                          <a:effectLst/>
+                          <a:latin typeface="+mn-lt"/>
+                        </a:rPr>
+                        <a:t>neutro</a:t>
+                      </a:r>
+                    </a:p>
+                  </a:txBody>
+                  <a:tcPr marL="28575" marR="28575" marT="19050" marB="19050" anchor="ctr">
+                    <a:lnL w="9525" cap="flat" cmpd="sng" algn="ctr">
+                      <a:solidFill>
+                        <a:srgbClr val="CCCCCC"/>
+                      </a:solidFill>
+                      <a:prstDash val="solid"/>
+                      <a:round/>
+                      <a:headEnd type="none" w="med" len="med"/>
+                      <a:tailEnd type="none" w="med" len="med"/>
+                    </a:lnL>
+                    <a:lnR w="9525" cap="flat" cmpd="sng" algn="ctr">
+                      <a:solidFill>
+                        <a:srgbClr val="CCCCCC"/>
+                      </a:solidFill>
+                      <a:prstDash val="solid"/>
+                      <a:round/>
+                      <a:headEnd type="none" w="med" len="med"/>
+                      <a:tailEnd type="none" w="med" len="med"/>
+                    </a:lnR>
+                    <a:lnT w="9525" cap="flat" cmpd="sng" algn="ctr">
+                      <a:solidFill>
+                        <a:srgbClr val="CCCCCC"/>
+                      </a:solidFill>
+                      <a:prstDash val="solid"/>
+                      <a:round/>
+                      <a:headEnd type="none" w="med" len="med"/>
+                      <a:tailEnd type="none" w="med" len="med"/>
+                    </a:lnT>
+                    <a:lnB w="9525" cap="flat" cmpd="sng" algn="ctr">
+                      <a:solidFill>
+                        <a:srgbClr val="CCCCCC"/>
+                      </a:solidFill>
+                      <a:prstDash val="solid"/>
+                      <a:round/>
+                      <a:headEnd type="none" w="med" len="med"/>
+                      <a:tailEnd type="none" w="med" len="med"/>
+                    </a:lnB>
+                    <a:solidFill>
+                      <a:srgbClr val="FEF8E3"/>
+                    </a:solidFill>
+                  </a:tcPr>
+                </a:tc>
+                <a:tc>
+                  <a:txBody>
+                    <a:bodyPr/>
+                    <a:lstStyle/>
+                    <a:p>
+                      <a:pPr rtl="0" fontAlgn="ctr"/>
+                      <a:r>
+                        <a:rPr lang="pt-BR" sz="1200" b="0" dirty="0">
+                          <a:solidFill>
+                            <a:srgbClr val="212121"/>
+                          </a:solidFill>
+                          <a:effectLst/>
+                          <a:latin typeface="+mn-lt"/>
+                        </a:rPr>
+                        <a:t>19</a:t>
+                      </a:r>
+                    </a:p>
+                  </a:txBody>
+                  <a:tcPr marL="28575" marR="28575" marT="19050" marB="19050" anchor="ctr">
+                    <a:lnL w="9525" cap="flat" cmpd="sng" algn="ctr">
+                      <a:solidFill>
+                        <a:srgbClr val="CCCCCC"/>
+                      </a:solidFill>
+                      <a:prstDash val="solid"/>
+                      <a:round/>
+                      <a:headEnd type="none" w="med" len="med"/>
+                      <a:tailEnd type="none" w="med" len="med"/>
+                    </a:lnL>
+                    <a:lnR w="9525" cap="flat" cmpd="sng" algn="ctr">
+                      <a:solidFill>
+                        <a:srgbClr val="CCCCCC"/>
+                      </a:solidFill>
+                      <a:prstDash val="solid"/>
+                      <a:round/>
+                      <a:headEnd type="none" w="med" len="med"/>
+                      <a:tailEnd type="none" w="med" len="med"/>
+                    </a:lnR>
+                    <a:lnT w="9525" cap="flat" cmpd="sng" algn="ctr">
+                      <a:solidFill>
+                        <a:srgbClr val="CCCCCC"/>
+                      </a:solidFill>
+                      <a:prstDash val="solid"/>
+                      <a:round/>
+                      <a:headEnd type="none" w="med" len="med"/>
+                      <a:tailEnd type="none" w="med" len="med"/>
+                    </a:lnT>
+                    <a:lnB w="9525" cap="flat" cmpd="sng" algn="ctr">
+                      <a:solidFill>
+                        <a:srgbClr val="CCCCCC"/>
+                      </a:solidFill>
+                      <a:prstDash val="solid"/>
+                      <a:round/>
+                      <a:headEnd type="none" w="med" len="med"/>
+                      <a:tailEnd type="none" w="med" len="med"/>
+                    </a:lnB>
+                    <a:solidFill>
+                      <a:srgbClr val="FEF8E3"/>
+                    </a:solidFill>
+                  </a:tcPr>
+                </a:tc>
+                <a:tc>
+                  <a:txBody>
+                    <a:bodyPr/>
+                    <a:lstStyle/>
+                    <a:p>
+                      <a:pPr rtl="0" fontAlgn="ctr"/>
+                      <a:r>
+                        <a:rPr lang="pt-BR" sz="1200" b="0">
+                          <a:solidFill>
+                            <a:srgbClr val="212121"/>
+                          </a:solidFill>
+                          <a:effectLst/>
+                          <a:latin typeface="+mn-lt"/>
+                        </a:rPr>
+                        <a:t>1629</a:t>
+                      </a:r>
+                    </a:p>
+                  </a:txBody>
+                  <a:tcPr marL="28575" marR="28575" marT="19050" marB="19050" anchor="ctr">
+                    <a:lnL w="9525" cap="flat" cmpd="sng" algn="ctr">
+                      <a:solidFill>
+                        <a:srgbClr val="CCCCCC"/>
+                      </a:solidFill>
+                      <a:prstDash val="solid"/>
+                      <a:round/>
+                      <a:headEnd type="none" w="med" len="med"/>
+                      <a:tailEnd type="none" w="med" len="med"/>
+                    </a:lnL>
+                    <a:lnR w="9525" cap="flat" cmpd="sng" algn="ctr">
+                      <a:solidFill>
+                        <a:srgbClr val="CCCCCC"/>
+                      </a:solidFill>
+                      <a:prstDash val="solid"/>
+                      <a:round/>
+                      <a:headEnd type="none" w="med" len="med"/>
+                      <a:tailEnd type="none" w="med" len="med"/>
+                    </a:lnR>
+                    <a:lnT w="9525" cap="flat" cmpd="sng" algn="ctr">
+                      <a:solidFill>
+                        <a:srgbClr val="CCCCCC"/>
+                      </a:solidFill>
+                      <a:prstDash val="solid"/>
+                      <a:round/>
+                      <a:headEnd type="none" w="med" len="med"/>
+                      <a:tailEnd type="none" w="med" len="med"/>
+                    </a:lnT>
+                    <a:lnB w="9525" cap="flat" cmpd="sng" algn="ctr">
+                      <a:solidFill>
+                        <a:srgbClr val="CCCCCC"/>
+                      </a:solidFill>
+                      <a:prstDash val="solid"/>
+                      <a:round/>
+                      <a:headEnd type="none" w="med" len="med"/>
+                      <a:tailEnd type="none" w="med" len="med"/>
+                    </a:lnB>
+                    <a:solidFill>
+                      <a:srgbClr val="FEF8E3"/>
+                    </a:solidFill>
+                  </a:tcPr>
+                </a:tc>
+                <a:tc>
+                  <a:txBody>
+                    <a:bodyPr/>
+                    <a:lstStyle/>
+                    <a:p>
+                      <a:pPr rtl="0" fontAlgn="ctr"/>
+                      <a:r>
+                        <a:rPr lang="pt-BR" sz="1200" b="0">
+                          <a:solidFill>
+                            <a:srgbClr val="212121"/>
+                          </a:solidFill>
+                          <a:effectLst/>
+                          <a:latin typeface="+mn-lt"/>
+                        </a:rPr>
+                        <a:t>18</a:t>
+                      </a:r>
+                    </a:p>
+                  </a:txBody>
+                  <a:tcPr marL="28575" marR="28575" marT="19050" marB="19050" anchor="ctr">
+                    <a:lnL w="9525" cap="flat" cmpd="sng" algn="ctr">
+                      <a:solidFill>
+                        <a:srgbClr val="CCCCCC"/>
+                      </a:solidFill>
+                      <a:prstDash val="solid"/>
+                      <a:round/>
+                      <a:headEnd type="none" w="med" len="med"/>
+                      <a:tailEnd type="none" w="med" len="med"/>
+                    </a:lnL>
+                    <a:lnR w="9525" cap="flat" cmpd="sng" algn="ctr">
+                      <a:solidFill>
+                        <a:srgbClr val="CCCCCC"/>
+                      </a:solidFill>
+                      <a:prstDash val="solid"/>
+                      <a:round/>
+                      <a:headEnd type="none" w="med" len="med"/>
+                      <a:tailEnd type="none" w="med" len="med"/>
+                    </a:lnR>
+                    <a:lnT w="9525" cap="flat" cmpd="sng" algn="ctr">
+                      <a:solidFill>
+                        <a:srgbClr val="CCCCCC"/>
+                      </a:solidFill>
+                      <a:prstDash val="solid"/>
+                      <a:round/>
+                      <a:headEnd type="none" w="med" len="med"/>
+                      <a:tailEnd type="none" w="med" len="med"/>
+                    </a:lnT>
+                    <a:lnB w="9525" cap="flat" cmpd="sng" algn="ctr">
+                      <a:solidFill>
+                        <a:srgbClr val="CCCCCC"/>
+                      </a:solidFill>
+                      <a:prstDash val="solid"/>
+                      <a:round/>
+                      <a:headEnd type="none" w="med" len="med"/>
+                      <a:tailEnd type="none" w="med" len="med"/>
+                    </a:lnB>
+                    <a:solidFill>
+                      <a:srgbClr val="FEF8E3"/>
+                    </a:solidFill>
+                  </a:tcPr>
+                </a:tc>
+                <a:tc>
+                  <a:txBody>
+                    <a:bodyPr/>
+                    <a:lstStyle/>
+                    <a:p>
+                      <a:pPr rtl="0" fontAlgn="ctr"/>
+                      <a:r>
+                        <a:rPr lang="pt-BR" sz="1200" b="0">
+                          <a:solidFill>
+                            <a:srgbClr val="212121"/>
+                          </a:solidFill>
+                          <a:effectLst/>
+                          <a:latin typeface="+mn-lt"/>
+                        </a:rPr>
+                        <a:t>1666</a:t>
+                      </a:r>
+                    </a:p>
+                  </a:txBody>
+                  <a:tcPr marL="28575" marR="28575" marT="19050" marB="19050" anchor="ctr">
+                    <a:lnL w="9525" cap="flat" cmpd="sng" algn="ctr">
+                      <a:solidFill>
+                        <a:srgbClr val="CCCCCC"/>
+                      </a:solidFill>
+                      <a:prstDash val="solid"/>
+                      <a:round/>
+                      <a:headEnd type="none" w="med" len="med"/>
+                      <a:tailEnd type="none" w="med" len="med"/>
+                    </a:lnL>
+                    <a:lnR w="9525" cap="flat" cmpd="sng" algn="ctr">
+                      <a:solidFill>
+                        <a:srgbClr val="CCCCCC"/>
+                      </a:solidFill>
+                      <a:prstDash val="solid"/>
+                      <a:round/>
+                      <a:headEnd type="none" w="med" len="med"/>
+                      <a:tailEnd type="none" w="med" len="med"/>
+                    </a:lnR>
+                    <a:lnT w="9525" cap="flat" cmpd="sng" algn="ctr">
+                      <a:solidFill>
+                        <a:srgbClr val="CCCCCC"/>
+                      </a:solidFill>
+                      <a:prstDash val="solid"/>
+                      <a:round/>
+                      <a:headEnd type="none" w="med" len="med"/>
+                      <a:tailEnd type="none" w="med" len="med"/>
+                    </a:lnT>
+                    <a:lnB w="9525" cap="flat" cmpd="sng" algn="ctr">
+                      <a:solidFill>
+                        <a:srgbClr val="CCCCCC"/>
+                      </a:solidFill>
+                      <a:prstDash val="solid"/>
+                      <a:round/>
+                      <a:headEnd type="none" w="med" len="med"/>
+                      <a:tailEnd type="none" w="med" len="med"/>
+                    </a:lnB>
+                    <a:solidFill>
+                      <a:srgbClr val="FEF8E3"/>
+                    </a:solidFill>
+                  </a:tcPr>
+                </a:tc>
+                <a:extLst>
+                  <a:ext uri="{0D108BD9-81ED-4DB2-BD59-A6C34878D82A}">
+                    <a16:rowId xmlns:a16="http://schemas.microsoft.com/office/drawing/2014/main" val="1251552683"/>
+                  </a:ext>
+                </a:extLst>
+              </a:tr>
+              <a:tr h="200025">
+                <a:tc>
+                  <a:txBody>
+                    <a:bodyPr/>
+                    <a:lstStyle/>
+                    <a:p>
+                      <a:pPr rtl="0" fontAlgn="ctr"/>
+                      <a:r>
+                        <a:rPr lang="pt-BR" sz="1200" b="0">
+                          <a:solidFill>
+                            <a:srgbClr val="212121"/>
+                          </a:solidFill>
+                          <a:effectLst/>
+                          <a:latin typeface="+mn-lt"/>
+                        </a:rPr>
+                        <a:t>positivo</a:t>
+                      </a:r>
+                    </a:p>
+                  </a:txBody>
+                  <a:tcPr marL="28575" marR="28575" marT="19050" marB="19050" anchor="ctr">
+                    <a:lnL w="9525" cap="flat" cmpd="sng" algn="ctr">
+                      <a:solidFill>
+                        <a:srgbClr val="CCCCCC"/>
+                      </a:solidFill>
+                      <a:prstDash val="solid"/>
+                      <a:round/>
+                      <a:headEnd type="none" w="med" len="med"/>
+                      <a:tailEnd type="none" w="med" len="med"/>
+                    </a:lnL>
+                    <a:lnR w="9525" cap="flat" cmpd="sng" algn="ctr">
+                      <a:solidFill>
+                        <a:srgbClr val="CCCCCC"/>
+                      </a:solidFill>
+                      <a:prstDash val="solid"/>
+                      <a:round/>
+                      <a:headEnd type="none" w="med" len="med"/>
+                      <a:tailEnd type="none" w="med" len="med"/>
+                    </a:lnR>
+                    <a:lnT w="9525" cap="flat" cmpd="sng" algn="ctr">
+                      <a:solidFill>
+                        <a:srgbClr val="CCCCCC"/>
+                      </a:solidFill>
+                      <a:prstDash val="solid"/>
+                      <a:round/>
+                      <a:headEnd type="none" w="med" len="med"/>
+                      <a:tailEnd type="none" w="med" len="med"/>
+                    </a:lnT>
+                    <a:lnB w="9525" cap="flat" cmpd="sng" algn="ctr">
+                      <a:solidFill>
+                        <a:srgbClr val="CCCCCC"/>
+                      </a:solidFill>
+                      <a:prstDash val="solid"/>
+                      <a:round/>
+                      <a:headEnd type="none" w="med" len="med"/>
+                      <a:tailEnd type="none" w="med" len="med"/>
+                    </a:lnB>
+                    <a:solidFill>
+                      <a:srgbClr val="FFFFFF"/>
+                    </a:solidFill>
+                  </a:tcPr>
+                </a:tc>
+                <a:tc>
+                  <a:txBody>
+                    <a:bodyPr/>
+                    <a:lstStyle/>
+                    <a:p>
+                      <a:pPr rtl="0" fontAlgn="ctr"/>
+                      <a:r>
+                        <a:rPr lang="pt-BR" sz="1200" b="0" dirty="0">
+                          <a:solidFill>
+                            <a:srgbClr val="212121"/>
+                          </a:solidFill>
+                          <a:effectLst/>
+                          <a:latin typeface="+mn-lt"/>
+                        </a:rPr>
+                        <a:t>876</a:t>
+                      </a:r>
+                    </a:p>
+                  </a:txBody>
+                  <a:tcPr marL="28575" marR="28575" marT="19050" marB="19050" anchor="ctr">
+                    <a:lnL w="9525" cap="flat" cmpd="sng" algn="ctr">
+                      <a:solidFill>
+                        <a:srgbClr val="CCCCCC"/>
+                      </a:solidFill>
+                      <a:prstDash val="solid"/>
+                      <a:round/>
+                      <a:headEnd type="none" w="med" len="med"/>
+                      <a:tailEnd type="none" w="med" len="med"/>
+                    </a:lnL>
+                    <a:lnR w="9525" cap="flat" cmpd="sng" algn="ctr">
+                      <a:solidFill>
+                        <a:srgbClr val="CCCCCC"/>
+                      </a:solidFill>
+                      <a:prstDash val="solid"/>
+                      <a:round/>
+                      <a:headEnd type="none" w="med" len="med"/>
+                      <a:tailEnd type="none" w="med" len="med"/>
+                    </a:lnR>
+                    <a:lnT w="9525" cap="flat" cmpd="sng" algn="ctr">
+                      <a:solidFill>
+                        <a:srgbClr val="CCCCCC"/>
+                      </a:solidFill>
+                      <a:prstDash val="solid"/>
+                      <a:round/>
+                      <a:headEnd type="none" w="med" len="med"/>
+                      <a:tailEnd type="none" w="med" len="med"/>
+                    </a:lnT>
+                    <a:lnB w="9525" cap="flat" cmpd="sng" algn="ctr">
+                      <a:solidFill>
+                        <a:srgbClr val="CCCCCC"/>
+                      </a:solidFill>
+                      <a:prstDash val="solid"/>
+                      <a:round/>
+                      <a:headEnd type="none" w="med" len="med"/>
+                      <a:tailEnd type="none" w="med" len="med"/>
+                    </a:lnB>
+                    <a:solidFill>
+                      <a:srgbClr val="FFFFFF"/>
+                    </a:solidFill>
+                  </a:tcPr>
+                </a:tc>
+                <a:tc>
+                  <a:txBody>
+                    <a:bodyPr/>
+                    <a:lstStyle/>
+                    <a:p>
+                      <a:pPr rtl="0" fontAlgn="ctr"/>
+                      <a:r>
+                        <a:rPr lang="pt-BR" sz="1200" b="0" dirty="0">
+                          <a:solidFill>
+                            <a:srgbClr val="212121"/>
+                          </a:solidFill>
+                          <a:effectLst/>
+                          <a:latin typeface="+mn-lt"/>
+                        </a:rPr>
+                        <a:t>153</a:t>
+                      </a:r>
+                    </a:p>
+                  </a:txBody>
+                  <a:tcPr marL="28575" marR="28575" marT="19050" marB="19050" anchor="ctr">
+                    <a:lnL w="9525" cap="flat" cmpd="sng" algn="ctr">
+                      <a:solidFill>
+                        <a:srgbClr val="CCCCCC"/>
+                      </a:solidFill>
+                      <a:prstDash val="solid"/>
+                      <a:round/>
+                      <a:headEnd type="none" w="med" len="med"/>
+                      <a:tailEnd type="none" w="med" len="med"/>
+                    </a:lnL>
+                    <a:lnR w="9525" cap="flat" cmpd="sng" algn="ctr">
+                      <a:solidFill>
+                        <a:srgbClr val="CCCCCC"/>
+                      </a:solidFill>
+                      <a:prstDash val="solid"/>
+                      <a:round/>
+                      <a:headEnd type="none" w="med" len="med"/>
+                      <a:tailEnd type="none" w="med" len="med"/>
+                    </a:lnR>
+                    <a:lnT w="9525" cap="flat" cmpd="sng" algn="ctr">
+                      <a:solidFill>
+                        <a:srgbClr val="CCCCCC"/>
+                      </a:solidFill>
+                      <a:prstDash val="solid"/>
+                      <a:round/>
+                      <a:headEnd type="none" w="med" len="med"/>
+                      <a:tailEnd type="none" w="med" len="med"/>
+                    </a:lnT>
+                    <a:lnB w="9525" cap="flat" cmpd="sng" algn="ctr">
+                      <a:solidFill>
+                        <a:srgbClr val="CCCCCC"/>
+                      </a:solidFill>
+                      <a:prstDash val="solid"/>
+                      <a:round/>
+                      <a:headEnd type="none" w="med" len="med"/>
+                      <a:tailEnd type="none" w="med" len="med"/>
+                    </a:lnB>
+                    <a:solidFill>
+                      <a:srgbClr val="FFFFFF"/>
+                    </a:solidFill>
+                  </a:tcPr>
+                </a:tc>
+                <a:tc>
+                  <a:txBody>
+                    <a:bodyPr/>
+                    <a:lstStyle/>
+                    <a:p>
+                      <a:pPr rtl="0" fontAlgn="ctr"/>
+                      <a:r>
+                        <a:rPr lang="pt-BR" sz="1200" b="0" dirty="0">
+                          <a:solidFill>
+                            <a:srgbClr val="212121"/>
+                          </a:solidFill>
+                          <a:effectLst/>
+                          <a:latin typeface="+mn-lt"/>
+                        </a:rPr>
+                        <a:t>637</a:t>
+                      </a:r>
+                    </a:p>
+                  </a:txBody>
+                  <a:tcPr marL="28575" marR="28575" marT="19050" marB="19050" anchor="ctr">
+                    <a:lnL w="9525" cap="flat" cmpd="sng" algn="ctr">
+                      <a:solidFill>
+                        <a:srgbClr val="CCCCCC"/>
+                      </a:solidFill>
+                      <a:prstDash val="solid"/>
+                      <a:round/>
+                      <a:headEnd type="none" w="med" len="med"/>
+                      <a:tailEnd type="none" w="med" len="med"/>
+                    </a:lnL>
+                    <a:lnR w="9525" cap="flat" cmpd="sng" algn="ctr">
+                      <a:solidFill>
+                        <a:srgbClr val="CCCCCC"/>
+                      </a:solidFill>
+                      <a:prstDash val="solid"/>
+                      <a:round/>
+                      <a:headEnd type="none" w="med" len="med"/>
+                      <a:tailEnd type="none" w="med" len="med"/>
+                    </a:lnR>
+                    <a:lnT w="9525" cap="flat" cmpd="sng" algn="ctr">
+                      <a:solidFill>
+                        <a:srgbClr val="CCCCCC"/>
+                      </a:solidFill>
+                      <a:prstDash val="solid"/>
+                      <a:round/>
+                      <a:headEnd type="none" w="med" len="med"/>
+                      <a:tailEnd type="none" w="med" len="med"/>
+                    </a:lnT>
+                    <a:lnB w="9525" cap="flat" cmpd="sng" algn="ctr">
+                      <a:solidFill>
+                        <a:srgbClr val="CCCCCC"/>
+                      </a:solidFill>
+                      <a:prstDash val="solid"/>
+                      <a:round/>
+                      <a:headEnd type="none" w="med" len="med"/>
+                      <a:tailEnd type="none" w="med" len="med"/>
+                    </a:lnB>
+                    <a:solidFill>
+                      <a:srgbClr val="FFFFFF"/>
+                    </a:solidFill>
+                  </a:tcPr>
+                </a:tc>
+                <a:tc>
+                  <a:txBody>
+                    <a:bodyPr/>
+                    <a:lstStyle/>
+                    <a:p>
+                      <a:pPr rtl="0" fontAlgn="ctr"/>
+                      <a:r>
+                        <a:rPr lang="pt-BR" sz="1200" b="0">
+                          <a:solidFill>
+                            <a:srgbClr val="212121"/>
+                          </a:solidFill>
+                          <a:effectLst/>
+                          <a:latin typeface="+mn-lt"/>
+                        </a:rPr>
+                        <a:t>1666</a:t>
+                      </a:r>
+                    </a:p>
+                  </a:txBody>
+                  <a:tcPr marL="28575" marR="28575" marT="19050" marB="19050" anchor="ctr">
+                    <a:lnL w="9525" cap="flat" cmpd="sng" algn="ctr">
+                      <a:solidFill>
+                        <a:srgbClr val="CCCCCC"/>
+                      </a:solidFill>
+                      <a:prstDash val="solid"/>
+                      <a:round/>
+                      <a:headEnd type="none" w="med" len="med"/>
+                      <a:tailEnd type="none" w="med" len="med"/>
+                    </a:lnL>
+                    <a:lnR w="9525" cap="flat" cmpd="sng" algn="ctr">
+                      <a:solidFill>
+                        <a:srgbClr val="CCCCCC"/>
+                      </a:solidFill>
+                      <a:prstDash val="solid"/>
+                      <a:round/>
+                      <a:headEnd type="none" w="med" len="med"/>
+                      <a:tailEnd type="none" w="med" len="med"/>
+                    </a:lnR>
+                    <a:lnT w="9525" cap="flat" cmpd="sng" algn="ctr">
+                      <a:solidFill>
+                        <a:srgbClr val="CCCCCC"/>
+                      </a:solidFill>
+                      <a:prstDash val="solid"/>
+                      <a:round/>
+                      <a:headEnd type="none" w="med" len="med"/>
+                      <a:tailEnd type="none" w="med" len="med"/>
+                    </a:lnT>
+                    <a:lnB w="9525" cap="flat" cmpd="sng" algn="ctr">
+                      <a:solidFill>
+                        <a:srgbClr val="CCCCCC"/>
+                      </a:solidFill>
+                      <a:prstDash val="solid"/>
+                      <a:round/>
+                      <a:headEnd type="none" w="med" len="med"/>
+                      <a:tailEnd type="none" w="med" len="med"/>
+                    </a:lnB>
+                    <a:solidFill>
+                      <a:srgbClr val="FFFFFF"/>
+                    </a:solidFill>
+                  </a:tcPr>
+                </a:tc>
+                <a:extLst>
+                  <a:ext uri="{0D108BD9-81ED-4DB2-BD59-A6C34878D82A}">
+                    <a16:rowId xmlns:a16="http://schemas.microsoft.com/office/drawing/2014/main" val="2187013318"/>
+                  </a:ext>
+                </a:extLst>
+              </a:tr>
+              <a:tr h="200025">
+                <a:tc>
+                  <a:txBody>
+                    <a:bodyPr/>
+                    <a:lstStyle/>
+                    <a:p>
+                      <a:pPr rtl="0" fontAlgn="ctr"/>
+                      <a:r>
+                        <a:rPr lang="pt-BR" sz="1200" b="0">
+                          <a:solidFill>
+                            <a:srgbClr val="212121"/>
+                          </a:solidFill>
+                          <a:effectLst/>
+                          <a:latin typeface="+mn-lt"/>
+                        </a:rPr>
+                        <a:t>All</a:t>
+                      </a:r>
+                    </a:p>
+                  </a:txBody>
+                  <a:tcPr marL="28575" marR="28575" marT="19050" marB="19050" anchor="ctr">
+                    <a:lnL w="9525" cap="flat" cmpd="sng" algn="ctr">
+                      <a:solidFill>
+                        <a:srgbClr val="CCCCCC"/>
+                      </a:solidFill>
+                      <a:prstDash val="solid"/>
+                      <a:round/>
+                      <a:headEnd type="none" w="med" len="med"/>
+                      <a:tailEnd type="none" w="med" len="med"/>
+                    </a:lnL>
+                    <a:lnR w="9525" cap="flat" cmpd="sng" algn="ctr">
+                      <a:solidFill>
+                        <a:srgbClr val="CCCCCC"/>
+                      </a:solidFill>
+                      <a:prstDash val="solid"/>
+                      <a:round/>
+                      <a:headEnd type="none" w="med" len="med"/>
+                      <a:tailEnd type="none" w="med" len="med"/>
+                    </a:lnR>
+                    <a:lnT w="9525" cap="flat" cmpd="sng" algn="ctr">
+                      <a:solidFill>
+                        <a:srgbClr val="CCCCCC"/>
+                      </a:solidFill>
+                      <a:prstDash val="solid"/>
+                      <a:round/>
+                      <a:headEnd type="none" w="med" len="med"/>
+                      <a:tailEnd type="none" w="med" len="med"/>
+                    </a:lnT>
+                    <a:lnB w="9525" cap="flat" cmpd="sng" algn="ctr">
+                      <a:solidFill>
+                        <a:srgbClr val="CCCCCC"/>
+                      </a:solidFill>
+                      <a:prstDash val="solid"/>
+                      <a:round/>
+                      <a:headEnd type="none" w="med" len="med"/>
+                      <a:tailEnd type="none" w="med" len="med"/>
+                    </a:lnB>
+                    <a:solidFill>
+                      <a:srgbClr val="FEF8E3"/>
+                    </a:solidFill>
+                  </a:tcPr>
+                </a:tc>
+                <a:tc>
+                  <a:txBody>
+                    <a:bodyPr/>
+                    <a:lstStyle/>
+                    <a:p>
+                      <a:pPr rtl="0" fontAlgn="ctr"/>
+                      <a:r>
+                        <a:rPr lang="pt-BR" sz="1200" b="0">
+                          <a:solidFill>
+                            <a:srgbClr val="212121"/>
+                          </a:solidFill>
+                          <a:effectLst/>
+                          <a:latin typeface="+mn-lt"/>
+                        </a:rPr>
+                        <a:t>2191</a:t>
+                      </a:r>
+                    </a:p>
+                  </a:txBody>
+                  <a:tcPr marL="28575" marR="28575" marT="19050" marB="19050" anchor="ctr">
+                    <a:lnL w="9525" cap="flat" cmpd="sng" algn="ctr">
+                      <a:solidFill>
+                        <a:srgbClr val="CCCCCC"/>
+                      </a:solidFill>
+                      <a:prstDash val="solid"/>
+                      <a:round/>
+                      <a:headEnd type="none" w="med" len="med"/>
+                      <a:tailEnd type="none" w="med" len="med"/>
+                    </a:lnL>
+                    <a:lnR w="9525" cap="flat" cmpd="sng" algn="ctr">
+                      <a:solidFill>
+                        <a:srgbClr val="CCCCCC"/>
+                      </a:solidFill>
+                      <a:prstDash val="solid"/>
+                      <a:round/>
+                      <a:headEnd type="none" w="med" len="med"/>
+                      <a:tailEnd type="none" w="med" len="med"/>
+                    </a:lnR>
+                    <a:lnT w="9525" cap="flat" cmpd="sng" algn="ctr">
+                      <a:solidFill>
+                        <a:srgbClr val="CCCCCC"/>
+                      </a:solidFill>
+                      <a:prstDash val="solid"/>
+                      <a:round/>
+                      <a:headEnd type="none" w="med" len="med"/>
+                      <a:tailEnd type="none" w="med" len="med"/>
+                    </a:lnT>
+                    <a:lnB w="9525" cap="flat" cmpd="sng" algn="ctr">
+                      <a:solidFill>
+                        <a:srgbClr val="CCCCCC"/>
+                      </a:solidFill>
+                      <a:prstDash val="solid"/>
+                      <a:round/>
+                      <a:headEnd type="none" w="med" len="med"/>
+                      <a:tailEnd type="none" w="med" len="med"/>
+                    </a:lnB>
+                    <a:solidFill>
+                      <a:srgbClr val="FEF8E3"/>
+                    </a:solidFill>
+                  </a:tcPr>
+                </a:tc>
+                <a:tc>
+                  <a:txBody>
+                    <a:bodyPr/>
+                    <a:lstStyle/>
+                    <a:p>
+                      <a:pPr rtl="0" fontAlgn="ctr"/>
+                      <a:r>
+                        <a:rPr lang="pt-BR" sz="1200" b="0">
+                          <a:solidFill>
+                            <a:srgbClr val="212121"/>
+                          </a:solidFill>
+                          <a:effectLst/>
+                          <a:latin typeface="+mn-lt"/>
+                        </a:rPr>
+                        <a:t>1905</a:t>
+                      </a:r>
+                    </a:p>
+                  </a:txBody>
+                  <a:tcPr marL="28575" marR="28575" marT="19050" marB="19050" anchor="ctr">
+                    <a:lnL w="9525" cap="flat" cmpd="sng" algn="ctr">
+                      <a:solidFill>
+                        <a:srgbClr val="CCCCCC"/>
+                      </a:solidFill>
+                      <a:prstDash val="solid"/>
+                      <a:round/>
+                      <a:headEnd type="none" w="med" len="med"/>
+                      <a:tailEnd type="none" w="med" len="med"/>
+                    </a:lnL>
+                    <a:lnR w="9525" cap="flat" cmpd="sng" algn="ctr">
+                      <a:solidFill>
+                        <a:srgbClr val="CCCCCC"/>
+                      </a:solidFill>
+                      <a:prstDash val="solid"/>
+                      <a:round/>
+                      <a:headEnd type="none" w="med" len="med"/>
+                      <a:tailEnd type="none" w="med" len="med"/>
+                    </a:lnR>
+                    <a:lnT w="9525" cap="flat" cmpd="sng" algn="ctr">
+                      <a:solidFill>
+                        <a:srgbClr val="CCCCCC"/>
+                      </a:solidFill>
+                      <a:prstDash val="solid"/>
+                      <a:round/>
+                      <a:headEnd type="none" w="med" len="med"/>
+                      <a:tailEnd type="none" w="med" len="med"/>
+                    </a:lnT>
+                    <a:lnB w="9525" cap="flat" cmpd="sng" algn="ctr">
+                      <a:solidFill>
+                        <a:srgbClr val="CCCCCC"/>
+                      </a:solidFill>
+                      <a:prstDash val="solid"/>
+                      <a:round/>
+                      <a:headEnd type="none" w="med" len="med"/>
+                      <a:tailEnd type="none" w="med" len="med"/>
+                    </a:lnB>
+                    <a:solidFill>
+                      <a:srgbClr val="FEF8E3"/>
+                    </a:solidFill>
+                  </a:tcPr>
+                </a:tc>
+                <a:tc>
+                  <a:txBody>
+                    <a:bodyPr/>
+                    <a:lstStyle/>
+                    <a:p>
+                      <a:pPr rtl="0" fontAlgn="ctr"/>
+                      <a:r>
+                        <a:rPr lang="pt-BR" sz="1200" b="0" dirty="0">
+                          <a:solidFill>
+                            <a:srgbClr val="212121"/>
+                          </a:solidFill>
+                          <a:effectLst/>
+                          <a:latin typeface="+mn-lt"/>
+                        </a:rPr>
+                        <a:t>901</a:t>
+                      </a:r>
+                    </a:p>
+                  </a:txBody>
+                  <a:tcPr marL="28575" marR="28575" marT="19050" marB="19050" anchor="ctr">
+                    <a:lnL w="9525" cap="flat" cmpd="sng" algn="ctr">
+                      <a:solidFill>
+                        <a:srgbClr val="CCCCCC"/>
+                      </a:solidFill>
+                      <a:prstDash val="solid"/>
+                      <a:round/>
+                      <a:headEnd type="none" w="med" len="med"/>
+                      <a:tailEnd type="none" w="med" len="med"/>
+                    </a:lnL>
+                    <a:lnR w="9525" cap="flat" cmpd="sng" algn="ctr">
+                      <a:solidFill>
+                        <a:srgbClr val="CCCCCC"/>
+                      </a:solidFill>
+                      <a:prstDash val="solid"/>
+                      <a:round/>
+                      <a:headEnd type="none" w="med" len="med"/>
+                      <a:tailEnd type="none" w="med" len="med"/>
+                    </a:lnR>
+                    <a:lnT w="9525" cap="flat" cmpd="sng" algn="ctr">
+                      <a:solidFill>
+                        <a:srgbClr val="CCCCCC"/>
+                      </a:solidFill>
+                      <a:prstDash val="solid"/>
+                      <a:round/>
+                      <a:headEnd type="none" w="med" len="med"/>
+                      <a:tailEnd type="none" w="med" len="med"/>
+                    </a:lnT>
+                    <a:lnB w="9525" cap="flat" cmpd="sng" algn="ctr">
+                      <a:solidFill>
+                        <a:srgbClr val="CCCCCC"/>
+                      </a:solidFill>
+                      <a:prstDash val="solid"/>
+                      <a:round/>
+                      <a:headEnd type="none" w="med" len="med"/>
+                      <a:tailEnd type="none" w="med" len="med"/>
+                    </a:lnB>
+                    <a:solidFill>
+                      <a:srgbClr val="FEF8E3"/>
+                    </a:solidFill>
+                  </a:tcPr>
+                </a:tc>
+                <a:tc>
+                  <a:txBody>
+                    <a:bodyPr/>
+                    <a:lstStyle/>
+                    <a:p>
+                      <a:pPr rtl="0" fontAlgn="ctr"/>
+                      <a:r>
+                        <a:rPr lang="pt-BR" sz="1200" b="0" dirty="0">
+                          <a:solidFill>
+                            <a:srgbClr val="212121"/>
+                          </a:solidFill>
+                          <a:effectLst/>
+                          <a:latin typeface="+mn-lt"/>
+                        </a:rPr>
+                        <a:t>4997</a:t>
+                      </a:r>
+                    </a:p>
+                  </a:txBody>
+                  <a:tcPr marL="28575" marR="28575" marT="19050" marB="19050" anchor="ctr">
+                    <a:lnL w="9525" cap="flat" cmpd="sng" algn="ctr">
+                      <a:solidFill>
+                        <a:srgbClr val="CCCCCC"/>
+                      </a:solidFill>
+                      <a:prstDash val="solid"/>
+                      <a:round/>
+                      <a:headEnd type="none" w="med" len="med"/>
+                      <a:tailEnd type="none" w="med" len="med"/>
+                    </a:lnL>
+                    <a:lnR w="9525" cap="flat" cmpd="sng" algn="ctr">
+                      <a:solidFill>
+                        <a:srgbClr val="CCCCCC"/>
+                      </a:solidFill>
+                      <a:prstDash val="solid"/>
+                      <a:round/>
+                      <a:headEnd type="none" w="med" len="med"/>
+                      <a:tailEnd type="none" w="med" len="med"/>
+                    </a:lnR>
+                    <a:lnT w="9525" cap="flat" cmpd="sng" algn="ctr">
+                      <a:solidFill>
+                        <a:srgbClr val="CCCCCC"/>
+                      </a:solidFill>
+                      <a:prstDash val="solid"/>
+                      <a:round/>
+                      <a:headEnd type="none" w="med" len="med"/>
+                      <a:tailEnd type="none" w="med" len="med"/>
+                    </a:lnT>
+                    <a:lnB w="9525" cap="flat" cmpd="sng" algn="ctr">
+                      <a:solidFill>
+                        <a:srgbClr val="CCCCCC"/>
+                      </a:solidFill>
+                      <a:prstDash val="solid"/>
+                      <a:round/>
+                      <a:headEnd type="none" w="med" len="med"/>
+                      <a:tailEnd type="none" w="med" len="med"/>
+                    </a:lnB>
+                    <a:solidFill>
+                      <a:srgbClr val="FEF8E3"/>
+                    </a:solidFill>
+                  </a:tcPr>
+                </a:tc>
+                <a:extLst>
+                  <a:ext uri="{0D108BD9-81ED-4DB2-BD59-A6C34878D82A}">
+                    <a16:rowId xmlns:a16="http://schemas.microsoft.com/office/drawing/2014/main" val="143089165"/>
+                  </a:ext>
+                </a:extLst>
+              </a:tr>
+            </a:tbl>
+          </a:graphicData>
+        </a:graphic>
+      </p:graphicFrame>
+    </p:spTree>
+  </p:cSld>
+  <p:clrMapOvr>
+    <a:masterClrMapping/>
+  </p:clrMapOvr>
+  <mc:AlternateContent xmlns:mc="http://schemas.openxmlformats.org/markup-compatibility/2006" xmlns:p14="http://schemas.microsoft.com/office/powerpoint/2010/main">
+    <mc:Choice Requires="p14">
+      <p:transition spd="slow" p14:dur="2000"/>
+    </mc:Choice>
+    <mc:Fallback xmlns="" xmlns:p15="http://schemas.microsoft.com/office/powerpoint/2012/main">
+      <p:transition spd="slow"/>
+    </mc:Fallback>
+  </mc:AlternateContent>
+</p:sld>
+</file>
+
+<file path=ppt/slides/slide6.xml><?xml version="1.0" encoding="utf-8"?>
+<p:sld xmlns:a="http://schemas.openxmlformats.org/drawingml/2006/main" xmlns:r="http://schemas.openxmlformats.org/officeDocument/2006/relationships" xmlns:p="http://schemas.openxmlformats.org/presentationml/2006/main">
+  <p:cSld>
+    <p:spTree>
+      <p:nvGrpSpPr>
+        <p:cNvPr id="1" name=""/>
+        <p:cNvGrpSpPr/>
+        <p:nvPr/>
+      </p:nvGrpSpPr>
+      <p:grpSpPr>
+        <a:xfrm>
+          <a:off x="0" y="0"/>
+          <a:ext cx="0" cy="0"/>
+          <a:chOff x="0" y="0"/>
+          <a:chExt cx="0" cy="0"/>
+        </a:xfrm>
+      </p:grpSpPr>
+      <p:sp>
+        <p:nvSpPr>
+          <p:cNvPr id="125" name="Google Shape;297;p16"/>
+          <p:cNvSpPr txBox="1"/>
+          <p:nvPr/>
+        </p:nvSpPr>
+        <p:spPr>
+          <a:xfrm>
+            <a:off x="4061790" y="598680"/>
+            <a:ext cx="4272209" cy="999000"/>
+          </a:xfrm>
+          <a:prstGeom prst="rect">
+            <a:avLst/>
+          </a:prstGeom>
+          <a:noFill/>
+          <a:ln w="0">
+            <a:noFill/>
+          </a:ln>
+        </p:spPr>
+        <p:txBody>
+          <a:bodyPr tIns="91440" bIns="91440">
+            <a:normAutofit/>
+          </a:bodyPr>
+          <a:lstStyle/>
+          <a:p>
+            <a:pPr>
+              <a:lnSpc>
+                <a:spcPct val="100000"/>
+              </a:lnSpc>
+              <a:tabLst>
+                <a:tab pos="0" algn="l"/>
+              </a:tabLst>
+            </a:pPr>
+            <a:r>
+              <a:rPr lang="pt-BR" sz="2800" b="1" strike="noStrike" spc="-1" dirty="0">
+                <a:latin typeface="Maven Pro"/>
+                <a:ea typeface="Maven Pro"/>
+              </a:rPr>
+              <a:t>Análise dos dados</a:t>
+            </a:r>
+            <a:endParaRPr lang="pt-BR" sz="2800" b="0" strike="noStrike" spc="-1" dirty="0">
+              <a:latin typeface="Arial"/>
+            </a:endParaRPr>
+          </a:p>
+        </p:txBody>
+      </p:sp>
+      <p:sp>
+        <p:nvSpPr>
+          <p:cNvPr id="126" name="Google Shape;298;p16"/>
+          <p:cNvSpPr txBox="1"/>
+          <p:nvPr/>
+        </p:nvSpPr>
+        <p:spPr>
+          <a:xfrm>
+            <a:off x="2206486" y="1520640"/>
+            <a:ext cx="6127513" cy="612960"/>
+          </a:xfrm>
+          <a:prstGeom prst="rect">
+            <a:avLst/>
+          </a:prstGeom>
+          <a:noFill/>
+          <a:ln w="0">
+            <a:noFill/>
+          </a:ln>
+        </p:spPr>
+        <p:txBody>
+          <a:bodyPr tIns="91440" bIns="91440">
+            <a:normAutofit/>
+          </a:bodyPr>
+          <a:lstStyle/>
+          <a:p>
+            <a:pPr>
+              <a:lnSpc>
+                <a:spcPct val="115000"/>
+              </a:lnSpc>
+              <a:tabLst>
+                <a:tab pos="0" algn="l"/>
+              </a:tabLst>
+            </a:pPr>
+            <a:r>
+              <a:rPr lang="pt-BR" sz="2210" b="0" strike="noStrike" spc="-1" dirty="0">
+                <a:latin typeface="Nunito"/>
+                <a:ea typeface="Nunito"/>
+              </a:rPr>
+              <a:t>Medidas de validação do Modelo</a:t>
+            </a:r>
+            <a:r>
+              <a:rPr lang="pt-BR" sz="2210" b="0" strike="noStrike" spc="-1" dirty="0" smtClean="0">
+                <a:latin typeface="Nunito"/>
+                <a:ea typeface="Nunito"/>
+              </a:rPr>
+              <a:t>:</a:t>
+            </a:r>
+            <a:endParaRPr lang="pt-BR" sz="2210" b="0" strike="noStrike" spc="-1" dirty="0">
+              <a:latin typeface="Arial"/>
+            </a:endParaRPr>
+          </a:p>
+        </p:txBody>
+      </p:sp>
+      <p:pic>
+        <p:nvPicPr>
+          <p:cNvPr id="4" name="Picture 2" descr="https://account.impacta.edu.br/res/img/logo-faculdade-branco.png"/>
+          <p:cNvPicPr>
+            <a:picLocks noChangeAspect="1" noChangeArrowheads="1"/>
+          </p:cNvPicPr>
+          <p:nvPr/>
+        </p:nvPicPr>
+        <p:blipFill>
+          <a:blip r:embed="rId2">
+            <a:extLst>
+              <a:ext uri="{28A0092B-C50C-407E-A947-70E740481C1C}">
+                <a14:useLocalDpi xmlns:a14="http://schemas.microsoft.com/office/drawing/2010/main" val="0"/>
+              </a:ext>
+            </a:extLst>
+          </a:blip>
+          <a:srcRect/>
+          <a:stretch>
+            <a:fillRect/>
+          </a:stretch>
+        </p:blipFill>
+        <p:spPr bwMode="auto">
+          <a:xfrm>
+            <a:off x="0" y="0"/>
+            <a:ext cx="2143125" cy="666751"/>
+          </a:xfrm>
+          <a:prstGeom prst="rect">
+            <a:avLst/>
+          </a:prstGeom>
+          <a:noFill/>
+          <a:extLst>
+            <a:ext uri="{909E8E84-426E-40DD-AFC4-6F175D3DCCD1}">
+              <a14:hiddenFill xmlns:a14="http://schemas.microsoft.com/office/drawing/2010/main">
+                <a:solidFill>
+                  <a:srgbClr val="FFFFFF"/>
+                </a:solidFill>
+              </a14:hiddenFill>
+            </a:ext>
+          </a:extLst>
+        </p:spPr>
+      </p:pic>
+      <p:sp>
+        <p:nvSpPr>
+          <p:cNvPr id="6" name="Google Shape;277;p13"/>
+          <p:cNvSpPr txBox="1"/>
+          <p:nvPr/>
+        </p:nvSpPr>
+        <p:spPr>
+          <a:xfrm>
+            <a:off x="2193235" y="28646"/>
+            <a:ext cx="6891130" cy="355667"/>
+          </a:xfrm>
+          <a:prstGeom prst="rect">
+            <a:avLst/>
+          </a:prstGeom>
+          <a:noFill/>
+          <a:ln w="0">
+            <a:noFill/>
+          </a:ln>
+        </p:spPr>
+        <p:txBody>
+          <a:bodyPr tIns="91440" bIns="91440" anchor="ctr">
+            <a:normAutofit fontScale="85000" lnSpcReduction="20000"/>
+          </a:bodyPr>
+          <a:lstStyle/>
+          <a:p>
+            <a:pPr algn="r">
+              <a:tabLst>
+                <a:tab pos="0" algn="l"/>
+              </a:tabLst>
+            </a:pPr>
+            <a:r>
+              <a:rPr lang="pt-BR" sz="1600" b="1" strike="noStrike" spc="-1" dirty="0" smtClean="0">
+                <a:solidFill>
+                  <a:srgbClr val="FFFFFF"/>
+                </a:solidFill>
+                <a:latin typeface="Maven Pro"/>
+                <a:ea typeface="Maven Pro"/>
+              </a:rPr>
+              <a:t>Computação Cognitiva </a:t>
+            </a:r>
+            <a:r>
+              <a:rPr lang="pt-BR" sz="1600" b="1" spc="-1" dirty="0">
+                <a:solidFill>
+                  <a:srgbClr val="FFFFFF"/>
+                </a:solidFill>
+                <a:latin typeface="Maven Pro"/>
+                <a:ea typeface="Maven Pro"/>
+              </a:rPr>
+              <a:t>– </a:t>
+            </a:r>
+            <a:r>
+              <a:rPr lang="pt-BR" sz="1600" b="1" dirty="0"/>
+              <a:t>Descrição da </a:t>
+            </a:r>
+            <a:r>
+              <a:rPr lang="pt-BR" sz="1600" b="1" dirty="0" smtClean="0"/>
+              <a:t>Solução</a:t>
+            </a:r>
+            <a:endParaRPr lang="pt-BR" sz="2400" dirty="0"/>
+          </a:p>
+        </p:txBody>
+      </p:sp>
+      <p:graphicFrame>
+        <p:nvGraphicFramePr>
+          <p:cNvPr id="2" name="Tabela 1"/>
+          <p:cNvGraphicFramePr>
+            <a:graphicFrameLocks noGrp="1"/>
+          </p:cNvGraphicFramePr>
+          <p:nvPr>
+            <p:extLst>
+              <p:ext uri="{D42A27DB-BD31-4B8C-83A1-F6EECF244321}">
+                <p14:modId xmlns:p14="http://schemas.microsoft.com/office/powerpoint/2010/main" val="3753160894"/>
+              </p:ext>
+            </p:extLst>
+          </p:nvPr>
+        </p:nvGraphicFramePr>
+        <p:xfrm>
+          <a:off x="2461868" y="2120196"/>
+          <a:ext cx="5153025" cy="2004060"/>
+        </p:xfrm>
+        <a:graphic>
+          <a:graphicData uri="http://schemas.openxmlformats.org/drawingml/2006/table">
+            <a:tbl>
+              <a:tblPr/>
+              <a:tblGrid>
+                <a:gridCol w="1343025">
+                  <a:extLst>
+                    <a:ext uri="{9D8B030D-6E8A-4147-A177-3AD203B41FA5}">
+                      <a16:colId xmlns:a16="http://schemas.microsoft.com/office/drawing/2014/main" val="3121349462"/>
+                    </a:ext>
+                  </a:extLst>
+                </a:gridCol>
+                <a:gridCol w="952500">
+                  <a:extLst>
+                    <a:ext uri="{9D8B030D-6E8A-4147-A177-3AD203B41FA5}">
+                      <a16:colId xmlns:a16="http://schemas.microsoft.com/office/drawing/2014/main" val="2381557626"/>
+                    </a:ext>
+                  </a:extLst>
+                </a:gridCol>
+                <a:gridCol w="952500">
+                  <a:extLst>
+                    <a:ext uri="{9D8B030D-6E8A-4147-A177-3AD203B41FA5}">
+                      <a16:colId xmlns:a16="http://schemas.microsoft.com/office/drawing/2014/main" val="1297848796"/>
+                    </a:ext>
+                  </a:extLst>
+                </a:gridCol>
+                <a:gridCol w="952500">
+                  <a:extLst>
+                    <a:ext uri="{9D8B030D-6E8A-4147-A177-3AD203B41FA5}">
+                      <a16:colId xmlns:a16="http://schemas.microsoft.com/office/drawing/2014/main" val="3783183237"/>
+                    </a:ext>
+                  </a:extLst>
+                </a:gridCol>
+                <a:gridCol w="952500">
+                  <a:extLst>
+                    <a:ext uri="{9D8B030D-6E8A-4147-A177-3AD203B41FA5}">
+                      <a16:colId xmlns:a16="http://schemas.microsoft.com/office/drawing/2014/main" val="394135933"/>
+                    </a:ext>
+                  </a:extLst>
+                </a:gridCol>
+              </a:tblGrid>
+              <a:tr h="200025">
+                <a:tc>
+                  <a:txBody>
+                    <a:bodyPr/>
+                    <a:lstStyle/>
+                    <a:p>
+                      <a:pPr rtl="0" fontAlgn="b"/>
+                      <a:r>
+                        <a:rPr lang="pt-BR" sz="1400" b="0" dirty="0" err="1">
+                          <a:solidFill>
+                            <a:srgbClr val="212121"/>
+                          </a:solidFill>
+                          <a:effectLst/>
+                          <a:latin typeface="+mn-lt"/>
+                        </a:rPr>
+                        <a:t>precision</a:t>
+                      </a:r>
+                      <a:endParaRPr lang="pt-BR" sz="1400" b="0" dirty="0">
+                        <a:solidFill>
+                          <a:srgbClr val="212121"/>
+                        </a:solidFill>
+                        <a:effectLst/>
+                        <a:latin typeface="+mn-lt"/>
+                      </a:endParaRPr>
+                    </a:p>
+                  </a:txBody>
+                  <a:tcPr marL="28575" marR="28575" marT="19050" marB="19050" anchor="b">
+                    <a:lnL w="9525" cap="flat" cmpd="sng" algn="ctr">
+                      <a:solidFill>
+                        <a:srgbClr val="666666"/>
+                      </a:solidFill>
+                      <a:prstDash val="dash"/>
+                      <a:round/>
+                      <a:headEnd type="none" w="med" len="med"/>
+                      <a:tailEnd type="none" w="med" len="med"/>
+                    </a:lnL>
+                    <a:lnR w="9525" cap="flat" cmpd="sng" algn="ctr">
+                      <a:solidFill>
+                        <a:srgbClr val="CCCCCC"/>
+                      </a:solidFill>
+                      <a:prstDash val="solid"/>
+                      <a:round/>
+                      <a:headEnd type="none" w="med" len="med"/>
+                      <a:tailEnd type="none" w="med" len="med"/>
+                    </a:lnR>
+                    <a:lnT w="9525" cap="flat" cmpd="sng" algn="ctr">
+                      <a:solidFill>
+                        <a:srgbClr val="666666"/>
+                      </a:solidFill>
+                      <a:prstDash val="dash"/>
+                      <a:round/>
+                      <a:headEnd type="none" w="med" len="med"/>
+                      <a:tailEnd type="none" w="med" len="med"/>
+                    </a:lnT>
+                    <a:lnB w="9525" cap="flat" cmpd="sng" algn="ctr">
+                      <a:solidFill>
+                        <a:srgbClr val="CCCCCC"/>
+                      </a:solidFill>
+                      <a:prstDash val="solid"/>
+                      <a:round/>
+                      <a:headEnd type="none" w="med" len="med"/>
+                      <a:tailEnd type="none" w="med" len="med"/>
+                    </a:lnB>
+                    <a:solidFill>
+                      <a:srgbClr val="F7CB4D"/>
+                    </a:solidFill>
+                  </a:tcPr>
+                </a:tc>
+                <a:tc>
+                  <a:txBody>
+                    <a:bodyPr/>
+                    <a:lstStyle/>
+                    <a:p>
+                      <a:pPr rtl="0" fontAlgn="b"/>
+                      <a:r>
+                        <a:rPr lang="pt-BR" sz="1400" b="0">
+                          <a:solidFill>
+                            <a:srgbClr val="212121"/>
+                          </a:solidFill>
+                          <a:effectLst/>
+                          <a:latin typeface="+mn-lt"/>
+                        </a:rPr>
+                        <a:t>recall</a:t>
+                      </a:r>
+                    </a:p>
+                  </a:txBody>
+                  <a:tcPr marL="28575" marR="28575" marT="19050" marB="19050" anchor="b">
+                    <a:lnL w="9525" cap="flat" cmpd="sng" algn="ctr">
+                      <a:solidFill>
+                        <a:srgbClr val="CCCCCC"/>
+                      </a:solidFill>
+                      <a:prstDash val="solid"/>
+                      <a:round/>
+                      <a:headEnd type="none" w="med" len="med"/>
+                      <a:tailEnd type="none" w="med" len="med"/>
+                    </a:lnL>
+                    <a:lnR w="9525" cap="flat" cmpd="sng" algn="ctr">
+                      <a:solidFill>
+                        <a:srgbClr val="CCCCCC"/>
+                      </a:solidFill>
+                      <a:prstDash val="solid"/>
+                      <a:round/>
+                      <a:headEnd type="none" w="med" len="med"/>
+                      <a:tailEnd type="none" w="med" len="med"/>
+                    </a:lnR>
+                    <a:lnT w="9525" cap="flat" cmpd="sng" algn="ctr">
+                      <a:solidFill>
+                        <a:srgbClr val="666666"/>
+                      </a:solidFill>
+                      <a:prstDash val="dash"/>
+                      <a:round/>
+                      <a:headEnd type="none" w="med" len="med"/>
+                      <a:tailEnd type="none" w="med" len="med"/>
+                    </a:lnT>
+                    <a:lnB w="9525" cap="flat" cmpd="sng" algn="ctr">
+                      <a:solidFill>
+                        <a:srgbClr val="CCCCCC"/>
+                      </a:solidFill>
+                      <a:prstDash val="solid"/>
+                      <a:round/>
+                      <a:headEnd type="none" w="med" len="med"/>
+                      <a:tailEnd type="none" w="med" len="med"/>
+                    </a:lnB>
+                    <a:solidFill>
+                      <a:srgbClr val="F7CB4D"/>
+                    </a:solidFill>
+                  </a:tcPr>
+                </a:tc>
+                <a:tc>
+                  <a:txBody>
+                    <a:bodyPr/>
+                    <a:lstStyle/>
+                    <a:p>
+                      <a:pPr rtl="0" fontAlgn="b"/>
+                      <a:r>
+                        <a:rPr lang="pt-BR" sz="1400" b="0">
+                          <a:solidFill>
+                            <a:srgbClr val="212121"/>
+                          </a:solidFill>
+                          <a:effectLst/>
+                          <a:latin typeface="+mn-lt"/>
+                        </a:rPr>
+                        <a:t>f1-score</a:t>
+                      </a:r>
+                    </a:p>
+                  </a:txBody>
+                  <a:tcPr marL="28575" marR="28575" marT="19050" marB="19050" anchor="b">
+                    <a:lnL w="9525" cap="flat" cmpd="sng" algn="ctr">
+                      <a:solidFill>
+                        <a:srgbClr val="CCCCCC"/>
+                      </a:solidFill>
+                      <a:prstDash val="solid"/>
+                      <a:round/>
+                      <a:headEnd type="none" w="med" len="med"/>
+                      <a:tailEnd type="none" w="med" len="med"/>
+                    </a:lnL>
+                    <a:lnR w="9525" cap="flat" cmpd="sng" algn="ctr">
+                      <a:solidFill>
+                        <a:srgbClr val="CCCCCC"/>
+                      </a:solidFill>
+                      <a:prstDash val="solid"/>
+                      <a:round/>
+                      <a:headEnd type="none" w="med" len="med"/>
+                      <a:tailEnd type="none" w="med" len="med"/>
+                    </a:lnR>
+                    <a:lnT w="9525" cap="flat" cmpd="sng" algn="ctr">
+                      <a:solidFill>
+                        <a:srgbClr val="666666"/>
+                      </a:solidFill>
+                      <a:prstDash val="dash"/>
+                      <a:round/>
+                      <a:headEnd type="none" w="med" len="med"/>
+                      <a:tailEnd type="none" w="med" len="med"/>
+                    </a:lnT>
+                    <a:lnB w="9525" cap="flat" cmpd="sng" algn="ctr">
+                      <a:solidFill>
+                        <a:srgbClr val="CCCCCC"/>
+                      </a:solidFill>
+                      <a:prstDash val="solid"/>
+                      <a:round/>
+                      <a:headEnd type="none" w="med" len="med"/>
+                      <a:tailEnd type="none" w="med" len="med"/>
+                    </a:lnB>
+                    <a:solidFill>
+                      <a:srgbClr val="F7CB4D"/>
+                    </a:solidFill>
+                  </a:tcPr>
+                </a:tc>
+                <a:tc>
+                  <a:txBody>
+                    <a:bodyPr/>
+                    <a:lstStyle/>
+                    <a:p>
+                      <a:pPr rtl="0" fontAlgn="b"/>
+                      <a:r>
+                        <a:rPr lang="pt-BR" sz="1400" b="0">
+                          <a:solidFill>
+                            <a:srgbClr val="212121"/>
+                          </a:solidFill>
+                          <a:effectLst/>
+                          <a:latin typeface="+mn-lt"/>
+                        </a:rPr>
+                        <a:t>support</a:t>
+                      </a:r>
+                    </a:p>
+                  </a:txBody>
+                  <a:tcPr marL="28575" marR="28575" marT="19050" marB="19050" anchor="b">
+                    <a:lnL w="9525" cap="flat" cmpd="sng" algn="ctr">
+                      <a:solidFill>
+                        <a:srgbClr val="CCCCCC"/>
+                      </a:solidFill>
+                      <a:prstDash val="solid"/>
+                      <a:round/>
+                      <a:headEnd type="none" w="med" len="med"/>
+                      <a:tailEnd type="none" w="med" len="med"/>
+                    </a:lnL>
+                    <a:lnR w="9525" cap="flat" cmpd="sng" algn="ctr">
+                      <a:solidFill>
+                        <a:srgbClr val="CCCCCC"/>
+                      </a:solidFill>
+                      <a:prstDash val="solid"/>
+                      <a:round/>
+                      <a:headEnd type="none" w="med" len="med"/>
+                      <a:tailEnd type="none" w="med" len="med"/>
+                    </a:lnR>
+                    <a:lnT w="9525" cap="flat" cmpd="sng" algn="ctr">
+                      <a:solidFill>
+                        <a:srgbClr val="666666"/>
+                      </a:solidFill>
+                      <a:prstDash val="dash"/>
+                      <a:round/>
+                      <a:headEnd type="none" w="med" len="med"/>
+                      <a:tailEnd type="none" w="med" len="med"/>
+                    </a:lnT>
+                    <a:lnB w="9525" cap="flat" cmpd="sng" algn="ctr">
+                      <a:solidFill>
+                        <a:srgbClr val="CCCCCC"/>
+                      </a:solidFill>
+                      <a:prstDash val="solid"/>
+                      <a:round/>
+                      <a:headEnd type="none" w="med" len="med"/>
+                      <a:tailEnd type="none" w="med" len="med"/>
+                    </a:lnB>
+                    <a:solidFill>
+                      <a:srgbClr val="F7CB4D"/>
+                    </a:solidFill>
+                  </a:tcPr>
+                </a:tc>
+                <a:tc>
+                  <a:txBody>
+                    <a:bodyPr/>
+                    <a:lstStyle/>
+                    <a:p>
+                      <a:pPr rtl="0" fontAlgn="b"/>
+                      <a:r>
+                        <a:rPr lang="pt-BR" sz="1400" b="0">
+                          <a:solidFill>
+                            <a:srgbClr val="212121"/>
+                          </a:solidFill>
+                          <a:effectLst/>
+                          <a:latin typeface="+mn-lt"/>
+                        </a:rPr>
+                        <a:t>Total</a:t>
+                      </a:r>
+                    </a:p>
+                  </a:txBody>
+                  <a:tcPr marL="28575" marR="28575" marT="19050" marB="19050" anchor="b">
+                    <a:lnL w="9525" cap="flat" cmpd="sng" algn="ctr">
+                      <a:solidFill>
+                        <a:srgbClr val="CCCCCC"/>
+                      </a:solidFill>
+                      <a:prstDash val="solid"/>
+                      <a:round/>
+                      <a:headEnd type="none" w="med" len="med"/>
+                      <a:tailEnd type="none" w="med" len="med"/>
+                    </a:lnL>
+                    <a:lnR w="9525" cap="flat" cmpd="sng" algn="ctr">
+                      <a:solidFill>
+                        <a:srgbClr val="666666"/>
+                      </a:solidFill>
+                      <a:prstDash val="dash"/>
+                      <a:round/>
+                      <a:headEnd type="none" w="med" len="med"/>
+                      <a:tailEnd type="none" w="med" len="med"/>
+                    </a:lnR>
+                    <a:lnT w="9525" cap="flat" cmpd="sng" algn="ctr">
+                      <a:solidFill>
+                        <a:srgbClr val="666666"/>
+                      </a:solidFill>
+                      <a:prstDash val="dash"/>
+                      <a:round/>
+                      <a:headEnd type="none" w="med" len="med"/>
+                      <a:tailEnd type="none" w="med" len="med"/>
+                    </a:lnT>
+                    <a:lnB w="9525" cap="flat" cmpd="sng" algn="ctr">
+                      <a:solidFill>
+                        <a:srgbClr val="CCCCCC"/>
+                      </a:solidFill>
+                      <a:prstDash val="solid"/>
+                      <a:round/>
+                      <a:headEnd type="none" w="med" len="med"/>
+                      <a:tailEnd type="none" w="med" len="med"/>
+                    </a:lnB>
+                    <a:solidFill>
+                      <a:srgbClr val="F7CB4D"/>
+                    </a:solidFill>
+                  </a:tcPr>
+                </a:tc>
+                <a:extLst>
+                  <a:ext uri="{0D108BD9-81ED-4DB2-BD59-A6C34878D82A}">
+                    <a16:rowId xmlns:a16="http://schemas.microsoft.com/office/drawing/2014/main" val="3171261264"/>
+                  </a:ext>
+                </a:extLst>
+              </a:tr>
+              <a:tr h="200025">
+                <a:tc>
+                  <a:txBody>
+                    <a:bodyPr/>
+                    <a:lstStyle/>
+                    <a:p>
+                      <a:pPr rtl="0" fontAlgn="b"/>
+                      <a:r>
+                        <a:rPr lang="pt-BR" sz="1400" b="0" dirty="0">
+                          <a:solidFill>
+                            <a:srgbClr val="212121"/>
+                          </a:solidFill>
+                          <a:effectLst/>
+                          <a:latin typeface="+mn-lt"/>
+                        </a:rPr>
+                        <a:t>negativo</a:t>
+                      </a:r>
+                    </a:p>
+                  </a:txBody>
+                  <a:tcPr marL="28575" marR="28575" marT="19050" marB="19050" anchor="b">
+                    <a:lnL w="9525" cap="flat" cmpd="sng" algn="ctr">
+                      <a:solidFill>
+                        <a:srgbClr val="666666"/>
+                      </a:solidFill>
+                      <a:prstDash val="dash"/>
+                      <a:round/>
+                      <a:headEnd type="none" w="med" len="med"/>
+                      <a:tailEnd type="none" w="med" len="med"/>
+                    </a:lnL>
+                    <a:lnR w="9525" cap="flat" cmpd="sng" algn="ctr">
+                      <a:solidFill>
+                        <a:srgbClr val="CCCCCC"/>
+                      </a:solidFill>
+                      <a:prstDash val="solid"/>
+                      <a:round/>
+                      <a:headEnd type="none" w="med" len="med"/>
+                      <a:tailEnd type="none" w="med" len="med"/>
+                    </a:lnR>
+                    <a:lnT w="9525" cap="flat" cmpd="sng" algn="ctr">
+                      <a:solidFill>
+                        <a:srgbClr val="CCCCCC"/>
+                      </a:solidFill>
+                      <a:prstDash val="solid"/>
+                      <a:round/>
+                      <a:headEnd type="none" w="med" len="med"/>
+                      <a:tailEnd type="none" w="med" len="med"/>
+                    </a:lnT>
+                    <a:lnB w="9525" cap="flat" cmpd="sng" algn="ctr">
+                      <a:solidFill>
+                        <a:srgbClr val="CCCCCC"/>
+                      </a:solidFill>
+                      <a:prstDash val="solid"/>
+                      <a:round/>
+                      <a:headEnd type="none" w="med" len="med"/>
+                      <a:tailEnd type="none" w="med" len="med"/>
+                    </a:lnB>
+                    <a:solidFill>
+                      <a:srgbClr val="FFFFFF"/>
+                    </a:solidFill>
+                  </a:tcPr>
+                </a:tc>
+                <a:tc>
+                  <a:txBody>
+                    <a:bodyPr/>
+                    <a:lstStyle/>
+                    <a:p>
+                      <a:pPr rtl="0" fontAlgn="b"/>
+                      <a:r>
+                        <a:rPr lang="pt-BR" sz="1400" b="0" dirty="0">
+                          <a:solidFill>
+                            <a:srgbClr val="212121"/>
+                          </a:solidFill>
+                          <a:effectLst/>
+                          <a:latin typeface="+mn-lt"/>
+                        </a:rPr>
+                        <a:t>0.59</a:t>
+                      </a:r>
+                    </a:p>
+                  </a:txBody>
+                  <a:tcPr marL="28575" marR="28575" marT="19050" marB="19050" anchor="b">
+                    <a:lnL w="9525" cap="flat" cmpd="sng" algn="ctr">
+                      <a:solidFill>
+                        <a:srgbClr val="CCCCCC"/>
+                      </a:solidFill>
+                      <a:prstDash val="solid"/>
+                      <a:round/>
+                      <a:headEnd type="none" w="med" len="med"/>
+                      <a:tailEnd type="none" w="med" len="med"/>
+                    </a:lnL>
+                    <a:lnR w="9525" cap="flat" cmpd="sng" algn="ctr">
+                      <a:solidFill>
+                        <a:srgbClr val="CCCCCC"/>
+                      </a:solidFill>
+                      <a:prstDash val="solid"/>
+                      <a:round/>
+                      <a:headEnd type="none" w="med" len="med"/>
+                      <a:tailEnd type="none" w="med" len="med"/>
+                    </a:lnR>
+                    <a:lnT w="9525" cap="flat" cmpd="sng" algn="ctr">
+                      <a:solidFill>
+                        <a:srgbClr val="CCCCCC"/>
+                      </a:solidFill>
+                      <a:prstDash val="solid"/>
+                      <a:round/>
+                      <a:headEnd type="none" w="med" len="med"/>
+                      <a:tailEnd type="none" w="med" len="med"/>
+                    </a:lnT>
+                    <a:lnB w="9525" cap="flat" cmpd="sng" algn="ctr">
+                      <a:solidFill>
+                        <a:srgbClr val="CCCCCC"/>
+                      </a:solidFill>
+                      <a:prstDash val="solid"/>
+                      <a:round/>
+                      <a:headEnd type="none" w="med" len="med"/>
+                      <a:tailEnd type="none" w="med" len="med"/>
+                    </a:lnB>
+                    <a:solidFill>
+                      <a:srgbClr val="FFFFFF"/>
+                    </a:solidFill>
+                  </a:tcPr>
+                </a:tc>
+                <a:tc>
+                  <a:txBody>
+                    <a:bodyPr/>
+                    <a:lstStyle/>
+                    <a:p>
+                      <a:pPr rtl="0" fontAlgn="b"/>
+                      <a:r>
+                        <a:rPr lang="pt-BR" sz="1400" b="0">
+                          <a:solidFill>
+                            <a:srgbClr val="212121"/>
+                          </a:solidFill>
+                          <a:effectLst/>
+                          <a:latin typeface="+mn-lt"/>
+                        </a:rPr>
+                        <a:t>0.78</a:t>
+                      </a:r>
+                    </a:p>
+                  </a:txBody>
+                  <a:tcPr marL="28575" marR="28575" marT="19050" marB="19050" anchor="b">
+                    <a:lnL w="9525" cap="flat" cmpd="sng" algn="ctr">
+                      <a:solidFill>
+                        <a:srgbClr val="CCCCCC"/>
+                      </a:solidFill>
+                      <a:prstDash val="solid"/>
+                      <a:round/>
+                      <a:headEnd type="none" w="med" len="med"/>
+                      <a:tailEnd type="none" w="med" len="med"/>
+                    </a:lnL>
+                    <a:lnR w="9525" cap="flat" cmpd="sng" algn="ctr">
+                      <a:solidFill>
+                        <a:srgbClr val="CCCCCC"/>
+                      </a:solidFill>
+                      <a:prstDash val="solid"/>
+                      <a:round/>
+                      <a:headEnd type="none" w="med" len="med"/>
+                      <a:tailEnd type="none" w="med" len="med"/>
+                    </a:lnR>
+                    <a:lnT w="9525" cap="flat" cmpd="sng" algn="ctr">
+                      <a:solidFill>
+                        <a:srgbClr val="CCCCCC"/>
+                      </a:solidFill>
+                      <a:prstDash val="solid"/>
+                      <a:round/>
+                      <a:headEnd type="none" w="med" len="med"/>
+                      <a:tailEnd type="none" w="med" len="med"/>
+                    </a:lnT>
+                    <a:lnB w="9525" cap="flat" cmpd="sng" algn="ctr">
+                      <a:solidFill>
+                        <a:srgbClr val="CCCCCC"/>
+                      </a:solidFill>
+                      <a:prstDash val="solid"/>
+                      <a:round/>
+                      <a:headEnd type="none" w="med" len="med"/>
+                      <a:tailEnd type="none" w="med" len="med"/>
+                    </a:lnB>
+                    <a:solidFill>
+                      <a:srgbClr val="FFFFFF"/>
+                    </a:solidFill>
+                  </a:tcPr>
+                </a:tc>
+                <a:tc>
+                  <a:txBody>
+                    <a:bodyPr/>
+                    <a:lstStyle/>
+                    <a:p>
+                      <a:pPr rtl="0" fontAlgn="b"/>
+                      <a:r>
+                        <a:rPr lang="pt-BR" sz="1400" b="0">
+                          <a:solidFill>
+                            <a:srgbClr val="212121"/>
+                          </a:solidFill>
+                          <a:effectLst/>
+                          <a:latin typeface="+mn-lt"/>
+                        </a:rPr>
+                        <a:t>0.67</a:t>
+                      </a:r>
+                    </a:p>
+                  </a:txBody>
+                  <a:tcPr marL="28575" marR="28575" marT="19050" marB="19050" anchor="b">
+                    <a:lnL w="9525" cap="flat" cmpd="sng" algn="ctr">
+                      <a:solidFill>
+                        <a:srgbClr val="CCCCCC"/>
+                      </a:solidFill>
+                      <a:prstDash val="solid"/>
+                      <a:round/>
+                      <a:headEnd type="none" w="med" len="med"/>
+                      <a:tailEnd type="none" w="med" len="med"/>
+                    </a:lnL>
+                    <a:lnR w="9525" cap="flat" cmpd="sng" algn="ctr">
+                      <a:solidFill>
+                        <a:srgbClr val="CCCCCC"/>
+                      </a:solidFill>
+                      <a:prstDash val="solid"/>
+                      <a:round/>
+                      <a:headEnd type="none" w="med" len="med"/>
+                      <a:tailEnd type="none" w="med" len="med"/>
+                    </a:lnR>
+                    <a:lnT w="9525" cap="flat" cmpd="sng" algn="ctr">
+                      <a:solidFill>
+                        <a:srgbClr val="CCCCCC"/>
+                      </a:solidFill>
+                      <a:prstDash val="solid"/>
+                      <a:round/>
+                      <a:headEnd type="none" w="med" len="med"/>
+                      <a:tailEnd type="none" w="med" len="med"/>
+                    </a:lnT>
+                    <a:lnB w="9525" cap="flat" cmpd="sng" algn="ctr">
+                      <a:solidFill>
+                        <a:srgbClr val="CCCCCC"/>
+                      </a:solidFill>
+                      <a:prstDash val="solid"/>
+                      <a:round/>
+                      <a:headEnd type="none" w="med" len="med"/>
+                      <a:tailEnd type="none" w="med" len="med"/>
+                    </a:lnB>
+                    <a:solidFill>
+                      <a:srgbClr val="FFFFFF"/>
+                    </a:solidFill>
+                  </a:tcPr>
+                </a:tc>
+                <a:tc>
+                  <a:txBody>
+                    <a:bodyPr/>
+                    <a:lstStyle/>
+                    <a:p>
+                      <a:pPr rtl="0" fontAlgn="b"/>
+                      <a:r>
+                        <a:rPr lang="pt-BR" sz="1400" b="0">
+                          <a:solidFill>
+                            <a:srgbClr val="212121"/>
+                          </a:solidFill>
+                          <a:effectLst/>
+                          <a:latin typeface="+mn-lt"/>
+                        </a:rPr>
+                        <a:t>1665</a:t>
+                      </a:r>
+                    </a:p>
+                  </a:txBody>
+                  <a:tcPr marL="28575" marR="28575" marT="19050" marB="19050" anchor="b">
+                    <a:lnL w="9525" cap="flat" cmpd="sng" algn="ctr">
+                      <a:solidFill>
+                        <a:srgbClr val="CCCCCC"/>
+                      </a:solidFill>
+                      <a:prstDash val="solid"/>
+                      <a:round/>
+                      <a:headEnd type="none" w="med" len="med"/>
+                      <a:tailEnd type="none" w="med" len="med"/>
+                    </a:lnL>
+                    <a:lnR w="9525" cap="flat" cmpd="sng" algn="ctr">
+                      <a:solidFill>
+                        <a:srgbClr val="666666"/>
+                      </a:solidFill>
+                      <a:prstDash val="dash"/>
+                      <a:round/>
+                      <a:headEnd type="none" w="med" len="med"/>
+                      <a:tailEnd type="none" w="med" len="med"/>
+                    </a:lnR>
+                    <a:lnT w="9525" cap="flat" cmpd="sng" algn="ctr">
+                      <a:solidFill>
+                        <a:srgbClr val="CCCCCC"/>
+                      </a:solidFill>
+                      <a:prstDash val="solid"/>
+                      <a:round/>
+                      <a:headEnd type="none" w="med" len="med"/>
+                      <a:tailEnd type="none" w="med" len="med"/>
+                    </a:lnT>
+                    <a:lnB w="9525" cap="flat" cmpd="sng" algn="ctr">
+                      <a:solidFill>
+                        <a:srgbClr val="CCCCCC"/>
+                      </a:solidFill>
+                      <a:prstDash val="solid"/>
+                      <a:round/>
+                      <a:headEnd type="none" w="med" len="med"/>
+                      <a:tailEnd type="none" w="med" len="med"/>
+                    </a:lnB>
+                    <a:solidFill>
+                      <a:srgbClr val="FFFFFF"/>
+                    </a:solidFill>
+                  </a:tcPr>
+                </a:tc>
+                <a:extLst>
+                  <a:ext uri="{0D108BD9-81ED-4DB2-BD59-A6C34878D82A}">
+                    <a16:rowId xmlns:a16="http://schemas.microsoft.com/office/drawing/2014/main" val="1943184619"/>
+                  </a:ext>
+                </a:extLst>
+              </a:tr>
+              <a:tr h="200025">
+                <a:tc>
+                  <a:txBody>
+                    <a:bodyPr/>
+                    <a:lstStyle/>
+                    <a:p>
+                      <a:pPr rtl="0" fontAlgn="b"/>
+                      <a:r>
+                        <a:rPr lang="pt-BR" sz="1400" b="0">
+                          <a:solidFill>
+                            <a:srgbClr val="212121"/>
+                          </a:solidFill>
+                          <a:effectLst/>
+                          <a:latin typeface="+mn-lt"/>
+                        </a:rPr>
+                        <a:t>neutro</a:t>
+                      </a:r>
+                    </a:p>
+                  </a:txBody>
+                  <a:tcPr marL="28575" marR="28575" marT="19050" marB="19050" anchor="b">
+                    <a:lnL w="9525" cap="flat" cmpd="sng" algn="ctr">
+                      <a:solidFill>
+                        <a:srgbClr val="666666"/>
+                      </a:solidFill>
+                      <a:prstDash val="dash"/>
+                      <a:round/>
+                      <a:headEnd type="none" w="med" len="med"/>
+                      <a:tailEnd type="none" w="med" len="med"/>
+                    </a:lnL>
+                    <a:lnR w="9525" cap="flat" cmpd="sng" algn="ctr">
+                      <a:solidFill>
+                        <a:srgbClr val="CCCCCC"/>
+                      </a:solidFill>
+                      <a:prstDash val="solid"/>
+                      <a:round/>
+                      <a:headEnd type="none" w="med" len="med"/>
+                      <a:tailEnd type="none" w="med" len="med"/>
+                    </a:lnR>
+                    <a:lnT w="9525" cap="flat" cmpd="sng" algn="ctr">
+                      <a:solidFill>
+                        <a:srgbClr val="CCCCCC"/>
+                      </a:solidFill>
+                      <a:prstDash val="solid"/>
+                      <a:round/>
+                      <a:headEnd type="none" w="med" len="med"/>
+                      <a:tailEnd type="none" w="med" len="med"/>
+                    </a:lnT>
+                    <a:lnB w="9525" cap="flat" cmpd="sng" algn="ctr">
+                      <a:solidFill>
+                        <a:srgbClr val="CCCCCC"/>
+                      </a:solidFill>
+                      <a:prstDash val="solid"/>
+                      <a:round/>
+                      <a:headEnd type="none" w="med" len="med"/>
+                      <a:tailEnd type="none" w="med" len="med"/>
+                    </a:lnB>
+                    <a:solidFill>
+                      <a:srgbClr val="FEF8E3"/>
+                    </a:solidFill>
+                  </a:tcPr>
+                </a:tc>
+                <a:tc>
+                  <a:txBody>
+                    <a:bodyPr/>
+                    <a:lstStyle/>
+                    <a:p>
+                      <a:pPr rtl="0" fontAlgn="b"/>
+                      <a:r>
+                        <a:rPr lang="pt-BR" sz="1400" b="0" dirty="0">
+                          <a:solidFill>
+                            <a:srgbClr val="212121"/>
+                          </a:solidFill>
+                          <a:effectLst/>
+                          <a:latin typeface="+mn-lt"/>
+                        </a:rPr>
+                        <a:t>0.86</a:t>
+                      </a:r>
+                    </a:p>
+                  </a:txBody>
+                  <a:tcPr marL="28575" marR="28575" marT="19050" marB="19050" anchor="b">
+                    <a:lnL w="9525" cap="flat" cmpd="sng" algn="ctr">
+                      <a:solidFill>
+                        <a:srgbClr val="CCCCCC"/>
+                      </a:solidFill>
+                      <a:prstDash val="solid"/>
+                      <a:round/>
+                      <a:headEnd type="none" w="med" len="med"/>
+                      <a:tailEnd type="none" w="med" len="med"/>
+                    </a:lnL>
+                    <a:lnR w="9525" cap="flat" cmpd="sng" algn="ctr">
+                      <a:solidFill>
+                        <a:srgbClr val="CCCCCC"/>
+                      </a:solidFill>
+                      <a:prstDash val="solid"/>
+                      <a:round/>
+                      <a:headEnd type="none" w="med" len="med"/>
+                      <a:tailEnd type="none" w="med" len="med"/>
+                    </a:lnR>
+                    <a:lnT w="9525" cap="flat" cmpd="sng" algn="ctr">
+                      <a:solidFill>
+                        <a:srgbClr val="CCCCCC"/>
+                      </a:solidFill>
+                      <a:prstDash val="solid"/>
+                      <a:round/>
+                      <a:headEnd type="none" w="med" len="med"/>
+                      <a:tailEnd type="none" w="med" len="med"/>
+                    </a:lnT>
+                    <a:lnB w="9525" cap="flat" cmpd="sng" algn="ctr">
+                      <a:solidFill>
+                        <a:srgbClr val="CCCCCC"/>
+                      </a:solidFill>
+                      <a:prstDash val="solid"/>
+                      <a:round/>
+                      <a:headEnd type="none" w="med" len="med"/>
+                      <a:tailEnd type="none" w="med" len="med"/>
+                    </a:lnB>
+                    <a:solidFill>
+                      <a:srgbClr val="FEF8E3"/>
+                    </a:solidFill>
+                  </a:tcPr>
+                </a:tc>
+                <a:tc>
+                  <a:txBody>
+                    <a:bodyPr/>
+                    <a:lstStyle/>
+                    <a:p>
+                      <a:pPr rtl="0" fontAlgn="b"/>
+                      <a:r>
+                        <a:rPr lang="pt-BR" sz="1400" b="0" dirty="0">
+                          <a:solidFill>
+                            <a:srgbClr val="212121"/>
+                          </a:solidFill>
+                          <a:effectLst/>
+                          <a:latin typeface="+mn-lt"/>
+                        </a:rPr>
+                        <a:t>0.98</a:t>
+                      </a:r>
+                    </a:p>
+                  </a:txBody>
+                  <a:tcPr marL="28575" marR="28575" marT="19050" marB="19050" anchor="b">
+                    <a:lnL w="9525" cap="flat" cmpd="sng" algn="ctr">
+                      <a:solidFill>
+                        <a:srgbClr val="CCCCCC"/>
+                      </a:solidFill>
+                      <a:prstDash val="solid"/>
+                      <a:round/>
+                      <a:headEnd type="none" w="med" len="med"/>
+                      <a:tailEnd type="none" w="med" len="med"/>
+                    </a:lnL>
+                    <a:lnR w="9525" cap="flat" cmpd="sng" algn="ctr">
+                      <a:solidFill>
+                        <a:srgbClr val="CCCCCC"/>
+                      </a:solidFill>
+                      <a:prstDash val="solid"/>
+                      <a:round/>
+                      <a:headEnd type="none" w="med" len="med"/>
+                      <a:tailEnd type="none" w="med" len="med"/>
+                    </a:lnR>
+                    <a:lnT w="9525" cap="flat" cmpd="sng" algn="ctr">
+                      <a:solidFill>
+                        <a:srgbClr val="CCCCCC"/>
+                      </a:solidFill>
+                      <a:prstDash val="solid"/>
+                      <a:round/>
+                      <a:headEnd type="none" w="med" len="med"/>
+                      <a:tailEnd type="none" w="med" len="med"/>
+                    </a:lnT>
+                    <a:lnB w="9525" cap="flat" cmpd="sng" algn="ctr">
+                      <a:solidFill>
+                        <a:srgbClr val="CCCCCC"/>
+                      </a:solidFill>
+                      <a:prstDash val="solid"/>
+                      <a:round/>
+                      <a:headEnd type="none" w="med" len="med"/>
+                      <a:tailEnd type="none" w="med" len="med"/>
+                    </a:lnB>
+                    <a:solidFill>
+                      <a:srgbClr val="FEF8E3"/>
+                    </a:solidFill>
+                  </a:tcPr>
+                </a:tc>
+                <a:tc>
+                  <a:txBody>
+                    <a:bodyPr/>
+                    <a:lstStyle/>
+                    <a:p>
+                      <a:pPr rtl="0" fontAlgn="b"/>
+                      <a:r>
+                        <a:rPr lang="pt-BR" sz="1400" b="0">
+                          <a:solidFill>
+                            <a:srgbClr val="212121"/>
+                          </a:solidFill>
+                          <a:effectLst/>
+                          <a:latin typeface="+mn-lt"/>
+                        </a:rPr>
+                        <a:t>0.91</a:t>
+                      </a:r>
+                    </a:p>
+                  </a:txBody>
+                  <a:tcPr marL="28575" marR="28575" marT="19050" marB="19050" anchor="b">
+                    <a:lnL w="9525" cap="flat" cmpd="sng" algn="ctr">
+                      <a:solidFill>
+                        <a:srgbClr val="CCCCCC"/>
+                      </a:solidFill>
+                      <a:prstDash val="solid"/>
+                      <a:round/>
+                      <a:headEnd type="none" w="med" len="med"/>
+                      <a:tailEnd type="none" w="med" len="med"/>
+                    </a:lnL>
+                    <a:lnR w="9525" cap="flat" cmpd="sng" algn="ctr">
+                      <a:solidFill>
+                        <a:srgbClr val="CCCCCC"/>
+                      </a:solidFill>
+                      <a:prstDash val="solid"/>
+                      <a:round/>
+                      <a:headEnd type="none" w="med" len="med"/>
+                      <a:tailEnd type="none" w="med" len="med"/>
+                    </a:lnR>
+                    <a:lnT w="9525" cap="flat" cmpd="sng" algn="ctr">
+                      <a:solidFill>
+                        <a:srgbClr val="CCCCCC"/>
+                      </a:solidFill>
+                      <a:prstDash val="solid"/>
+                      <a:round/>
+                      <a:headEnd type="none" w="med" len="med"/>
+                      <a:tailEnd type="none" w="med" len="med"/>
+                    </a:lnT>
+                    <a:lnB w="9525" cap="flat" cmpd="sng" algn="ctr">
+                      <a:solidFill>
+                        <a:srgbClr val="CCCCCC"/>
+                      </a:solidFill>
+                      <a:prstDash val="solid"/>
+                      <a:round/>
+                      <a:headEnd type="none" w="med" len="med"/>
+                      <a:tailEnd type="none" w="med" len="med"/>
+                    </a:lnB>
+                    <a:solidFill>
+                      <a:srgbClr val="FEF8E3"/>
+                    </a:solidFill>
+                  </a:tcPr>
+                </a:tc>
+                <a:tc>
+                  <a:txBody>
+                    <a:bodyPr/>
+                    <a:lstStyle/>
+                    <a:p>
+                      <a:pPr rtl="0" fontAlgn="b"/>
+                      <a:r>
+                        <a:rPr lang="pt-BR" sz="1400" b="0">
+                          <a:solidFill>
+                            <a:srgbClr val="212121"/>
+                          </a:solidFill>
+                          <a:effectLst/>
+                          <a:latin typeface="+mn-lt"/>
+                        </a:rPr>
+                        <a:t>1666</a:t>
+                      </a:r>
+                    </a:p>
+                  </a:txBody>
+                  <a:tcPr marL="28575" marR="28575" marT="19050" marB="19050" anchor="b">
+                    <a:lnL w="9525" cap="flat" cmpd="sng" algn="ctr">
+                      <a:solidFill>
+                        <a:srgbClr val="CCCCCC"/>
+                      </a:solidFill>
+                      <a:prstDash val="solid"/>
+                      <a:round/>
+                      <a:headEnd type="none" w="med" len="med"/>
+                      <a:tailEnd type="none" w="med" len="med"/>
+                    </a:lnL>
+                    <a:lnR w="9525" cap="flat" cmpd="sng" algn="ctr">
+                      <a:solidFill>
+                        <a:srgbClr val="666666"/>
+                      </a:solidFill>
+                      <a:prstDash val="dash"/>
+                      <a:round/>
+                      <a:headEnd type="none" w="med" len="med"/>
+                      <a:tailEnd type="none" w="med" len="med"/>
+                    </a:lnR>
+                    <a:lnT w="9525" cap="flat" cmpd="sng" algn="ctr">
+                      <a:solidFill>
+                        <a:srgbClr val="CCCCCC"/>
+                      </a:solidFill>
+                      <a:prstDash val="solid"/>
+                      <a:round/>
+                      <a:headEnd type="none" w="med" len="med"/>
+                      <a:tailEnd type="none" w="med" len="med"/>
+                    </a:lnT>
+                    <a:lnB w="9525" cap="flat" cmpd="sng" algn="ctr">
+                      <a:solidFill>
+                        <a:srgbClr val="CCCCCC"/>
+                      </a:solidFill>
+                      <a:prstDash val="solid"/>
+                      <a:round/>
+                      <a:headEnd type="none" w="med" len="med"/>
+                      <a:tailEnd type="none" w="med" len="med"/>
+                    </a:lnB>
+                    <a:solidFill>
+                      <a:srgbClr val="FEF8E3"/>
+                    </a:solidFill>
+                  </a:tcPr>
+                </a:tc>
+                <a:extLst>
+                  <a:ext uri="{0D108BD9-81ED-4DB2-BD59-A6C34878D82A}">
+                    <a16:rowId xmlns:a16="http://schemas.microsoft.com/office/drawing/2014/main" val="2019408833"/>
+                  </a:ext>
+                </a:extLst>
+              </a:tr>
+              <a:tr h="200025">
+                <a:tc>
+                  <a:txBody>
+                    <a:bodyPr/>
+                    <a:lstStyle/>
+                    <a:p>
+                      <a:pPr rtl="0" fontAlgn="b"/>
+                      <a:r>
+                        <a:rPr lang="pt-BR" sz="1400" b="0">
+                          <a:solidFill>
+                            <a:srgbClr val="212121"/>
+                          </a:solidFill>
+                          <a:effectLst/>
+                          <a:latin typeface="+mn-lt"/>
+                        </a:rPr>
+                        <a:t>positivo</a:t>
+                      </a:r>
+                    </a:p>
+                  </a:txBody>
+                  <a:tcPr marL="28575" marR="28575" marT="19050" marB="19050" anchor="b">
+                    <a:lnL w="9525" cap="flat" cmpd="sng" algn="ctr">
+                      <a:solidFill>
+                        <a:srgbClr val="666666"/>
+                      </a:solidFill>
+                      <a:prstDash val="dash"/>
+                      <a:round/>
+                      <a:headEnd type="none" w="med" len="med"/>
+                      <a:tailEnd type="none" w="med" len="med"/>
+                    </a:lnL>
+                    <a:lnR w="9525" cap="flat" cmpd="sng" algn="ctr">
+                      <a:solidFill>
+                        <a:srgbClr val="CCCCCC"/>
+                      </a:solidFill>
+                      <a:prstDash val="solid"/>
+                      <a:round/>
+                      <a:headEnd type="none" w="med" len="med"/>
+                      <a:tailEnd type="none" w="med" len="med"/>
+                    </a:lnR>
+                    <a:lnT w="9525" cap="flat" cmpd="sng" algn="ctr">
+                      <a:solidFill>
+                        <a:srgbClr val="CCCCCC"/>
+                      </a:solidFill>
+                      <a:prstDash val="solid"/>
+                      <a:round/>
+                      <a:headEnd type="none" w="med" len="med"/>
+                      <a:tailEnd type="none" w="med" len="med"/>
+                    </a:lnT>
+                    <a:lnB w="9525" cap="flat" cmpd="sng" algn="ctr">
+                      <a:solidFill>
+                        <a:srgbClr val="CCCCCC"/>
+                      </a:solidFill>
+                      <a:prstDash val="solid"/>
+                      <a:round/>
+                      <a:headEnd type="none" w="med" len="med"/>
+                      <a:tailEnd type="none" w="med" len="med"/>
+                    </a:lnB>
+                    <a:solidFill>
+                      <a:srgbClr val="FFFFFF"/>
+                    </a:solidFill>
+                  </a:tcPr>
+                </a:tc>
+                <a:tc>
+                  <a:txBody>
+                    <a:bodyPr/>
+                    <a:lstStyle/>
+                    <a:p>
+                      <a:pPr rtl="0" fontAlgn="b"/>
+                      <a:r>
+                        <a:rPr lang="pt-BR" sz="1400" b="0">
+                          <a:solidFill>
+                            <a:srgbClr val="212121"/>
+                          </a:solidFill>
+                          <a:effectLst/>
+                          <a:latin typeface="+mn-lt"/>
+                        </a:rPr>
+                        <a:t>0.71</a:t>
+                      </a:r>
+                    </a:p>
+                  </a:txBody>
+                  <a:tcPr marL="28575" marR="28575" marT="19050" marB="19050" anchor="b">
+                    <a:lnL w="9525" cap="flat" cmpd="sng" algn="ctr">
+                      <a:solidFill>
+                        <a:srgbClr val="CCCCCC"/>
+                      </a:solidFill>
+                      <a:prstDash val="solid"/>
+                      <a:round/>
+                      <a:headEnd type="none" w="med" len="med"/>
+                      <a:tailEnd type="none" w="med" len="med"/>
+                    </a:lnL>
+                    <a:lnR w="9525" cap="flat" cmpd="sng" algn="ctr">
+                      <a:solidFill>
+                        <a:srgbClr val="CCCCCC"/>
+                      </a:solidFill>
+                      <a:prstDash val="solid"/>
+                      <a:round/>
+                      <a:headEnd type="none" w="med" len="med"/>
+                      <a:tailEnd type="none" w="med" len="med"/>
+                    </a:lnR>
+                    <a:lnT w="9525" cap="flat" cmpd="sng" algn="ctr">
+                      <a:solidFill>
+                        <a:srgbClr val="CCCCCC"/>
+                      </a:solidFill>
+                      <a:prstDash val="solid"/>
+                      <a:round/>
+                      <a:headEnd type="none" w="med" len="med"/>
+                      <a:tailEnd type="none" w="med" len="med"/>
+                    </a:lnT>
+                    <a:lnB w="9525" cap="flat" cmpd="sng" algn="ctr">
+                      <a:solidFill>
+                        <a:srgbClr val="CCCCCC"/>
+                      </a:solidFill>
+                      <a:prstDash val="solid"/>
+                      <a:round/>
+                      <a:headEnd type="none" w="med" len="med"/>
+                      <a:tailEnd type="none" w="med" len="med"/>
+                    </a:lnB>
+                    <a:solidFill>
+                      <a:srgbClr val="FFFFFF"/>
+                    </a:solidFill>
+                  </a:tcPr>
+                </a:tc>
+                <a:tc>
+                  <a:txBody>
+                    <a:bodyPr/>
+                    <a:lstStyle/>
+                    <a:p>
+                      <a:pPr rtl="0" fontAlgn="b"/>
+                      <a:r>
+                        <a:rPr lang="pt-BR" sz="1400" b="0" dirty="0">
+                          <a:solidFill>
+                            <a:srgbClr val="212121"/>
+                          </a:solidFill>
+                          <a:effectLst/>
+                          <a:latin typeface="+mn-lt"/>
+                        </a:rPr>
+                        <a:t>0.38</a:t>
+                      </a:r>
+                    </a:p>
+                  </a:txBody>
+                  <a:tcPr marL="28575" marR="28575" marT="19050" marB="19050" anchor="b">
+                    <a:lnL w="9525" cap="flat" cmpd="sng" algn="ctr">
+                      <a:solidFill>
+                        <a:srgbClr val="CCCCCC"/>
+                      </a:solidFill>
+                      <a:prstDash val="solid"/>
+                      <a:round/>
+                      <a:headEnd type="none" w="med" len="med"/>
+                      <a:tailEnd type="none" w="med" len="med"/>
+                    </a:lnL>
+                    <a:lnR w="9525" cap="flat" cmpd="sng" algn="ctr">
+                      <a:solidFill>
+                        <a:srgbClr val="CCCCCC"/>
+                      </a:solidFill>
+                      <a:prstDash val="solid"/>
+                      <a:round/>
+                      <a:headEnd type="none" w="med" len="med"/>
+                      <a:tailEnd type="none" w="med" len="med"/>
+                    </a:lnR>
+                    <a:lnT w="9525" cap="flat" cmpd="sng" algn="ctr">
+                      <a:solidFill>
+                        <a:srgbClr val="CCCCCC"/>
+                      </a:solidFill>
+                      <a:prstDash val="solid"/>
+                      <a:round/>
+                      <a:headEnd type="none" w="med" len="med"/>
+                      <a:tailEnd type="none" w="med" len="med"/>
+                    </a:lnT>
+                    <a:lnB w="9525" cap="flat" cmpd="sng" algn="ctr">
+                      <a:solidFill>
+                        <a:srgbClr val="CCCCCC"/>
+                      </a:solidFill>
+                      <a:prstDash val="solid"/>
+                      <a:round/>
+                      <a:headEnd type="none" w="med" len="med"/>
+                      <a:tailEnd type="none" w="med" len="med"/>
+                    </a:lnB>
+                    <a:solidFill>
+                      <a:srgbClr val="FFFFFF"/>
+                    </a:solidFill>
+                  </a:tcPr>
+                </a:tc>
+                <a:tc>
+                  <a:txBody>
+                    <a:bodyPr/>
+                    <a:lstStyle/>
+                    <a:p>
+                      <a:pPr rtl="0" fontAlgn="b"/>
+                      <a:r>
+                        <a:rPr lang="pt-BR" sz="1400" b="0">
+                          <a:solidFill>
+                            <a:srgbClr val="212121"/>
+                          </a:solidFill>
+                          <a:effectLst/>
+                          <a:latin typeface="+mn-lt"/>
+                        </a:rPr>
+                        <a:t>0.50</a:t>
+                      </a:r>
+                    </a:p>
+                  </a:txBody>
+                  <a:tcPr marL="28575" marR="28575" marT="19050" marB="19050" anchor="b">
+                    <a:lnL w="9525" cap="flat" cmpd="sng" algn="ctr">
+                      <a:solidFill>
+                        <a:srgbClr val="CCCCCC"/>
+                      </a:solidFill>
+                      <a:prstDash val="solid"/>
+                      <a:round/>
+                      <a:headEnd type="none" w="med" len="med"/>
+                      <a:tailEnd type="none" w="med" len="med"/>
+                    </a:lnL>
+                    <a:lnR w="9525" cap="flat" cmpd="sng" algn="ctr">
+                      <a:solidFill>
+                        <a:srgbClr val="CCCCCC"/>
+                      </a:solidFill>
+                      <a:prstDash val="solid"/>
+                      <a:round/>
+                      <a:headEnd type="none" w="med" len="med"/>
+                      <a:tailEnd type="none" w="med" len="med"/>
+                    </a:lnR>
+                    <a:lnT w="9525" cap="flat" cmpd="sng" algn="ctr">
+                      <a:solidFill>
+                        <a:srgbClr val="CCCCCC"/>
+                      </a:solidFill>
+                      <a:prstDash val="solid"/>
+                      <a:round/>
+                      <a:headEnd type="none" w="med" len="med"/>
+                      <a:tailEnd type="none" w="med" len="med"/>
+                    </a:lnT>
+                    <a:lnB w="9525" cap="flat" cmpd="sng" algn="ctr">
+                      <a:solidFill>
+                        <a:srgbClr val="CCCCCC"/>
+                      </a:solidFill>
+                      <a:prstDash val="solid"/>
+                      <a:round/>
+                      <a:headEnd type="none" w="med" len="med"/>
+                      <a:tailEnd type="none" w="med" len="med"/>
+                    </a:lnB>
+                    <a:solidFill>
+                      <a:srgbClr val="FFFFFF"/>
+                    </a:solidFill>
+                  </a:tcPr>
+                </a:tc>
+                <a:tc>
+                  <a:txBody>
+                    <a:bodyPr/>
+                    <a:lstStyle/>
+                    <a:p>
+                      <a:pPr rtl="0" fontAlgn="b"/>
+                      <a:r>
+                        <a:rPr lang="pt-BR" sz="1400" b="0">
+                          <a:solidFill>
+                            <a:srgbClr val="212121"/>
+                          </a:solidFill>
+                          <a:effectLst/>
+                          <a:latin typeface="+mn-lt"/>
+                        </a:rPr>
+                        <a:t>1666</a:t>
+                      </a:r>
+                    </a:p>
+                  </a:txBody>
+                  <a:tcPr marL="28575" marR="28575" marT="19050" marB="19050" anchor="b">
+                    <a:lnL w="9525" cap="flat" cmpd="sng" algn="ctr">
+                      <a:solidFill>
+                        <a:srgbClr val="CCCCCC"/>
+                      </a:solidFill>
+                      <a:prstDash val="solid"/>
+                      <a:round/>
+                      <a:headEnd type="none" w="med" len="med"/>
+                      <a:tailEnd type="none" w="med" len="med"/>
+                    </a:lnL>
+                    <a:lnR w="9525" cap="flat" cmpd="sng" algn="ctr">
+                      <a:solidFill>
+                        <a:srgbClr val="666666"/>
+                      </a:solidFill>
+                      <a:prstDash val="dash"/>
+                      <a:round/>
+                      <a:headEnd type="none" w="med" len="med"/>
+                      <a:tailEnd type="none" w="med" len="med"/>
+                    </a:lnR>
+                    <a:lnT w="9525" cap="flat" cmpd="sng" algn="ctr">
+                      <a:solidFill>
+                        <a:srgbClr val="CCCCCC"/>
+                      </a:solidFill>
+                      <a:prstDash val="solid"/>
+                      <a:round/>
+                      <a:headEnd type="none" w="med" len="med"/>
+                      <a:tailEnd type="none" w="med" len="med"/>
+                    </a:lnT>
+                    <a:lnB w="9525" cap="flat" cmpd="sng" algn="ctr">
+                      <a:solidFill>
+                        <a:srgbClr val="CCCCCC"/>
+                      </a:solidFill>
+                      <a:prstDash val="solid"/>
+                      <a:round/>
+                      <a:headEnd type="none" w="med" len="med"/>
+                      <a:tailEnd type="none" w="med" len="med"/>
+                    </a:lnB>
+                    <a:solidFill>
+                      <a:srgbClr val="FFFFFF"/>
+                    </a:solidFill>
+                  </a:tcPr>
+                </a:tc>
+                <a:extLst>
+                  <a:ext uri="{0D108BD9-81ED-4DB2-BD59-A6C34878D82A}">
+                    <a16:rowId xmlns:a16="http://schemas.microsoft.com/office/drawing/2014/main" val="2245638005"/>
+                  </a:ext>
+                </a:extLst>
+              </a:tr>
+              <a:tr h="200025">
+                <a:tc>
+                  <a:txBody>
+                    <a:bodyPr/>
+                    <a:lstStyle/>
+                    <a:p>
+                      <a:pPr rtl="0" fontAlgn="b"/>
+                      <a:endParaRPr lang="pt-BR">
+                        <a:effectLst/>
+                        <a:latin typeface="+mn-lt"/>
+                      </a:endParaRPr>
+                    </a:p>
+                  </a:txBody>
+                  <a:tcPr marL="28575" marR="28575" marT="19050" marB="19050" anchor="b">
+                    <a:lnL w="9525" cap="flat" cmpd="sng" algn="ctr">
+                      <a:solidFill>
+                        <a:srgbClr val="666666"/>
+                      </a:solidFill>
+                      <a:prstDash val="dash"/>
+                      <a:round/>
+                      <a:headEnd type="none" w="med" len="med"/>
+                      <a:tailEnd type="none" w="med" len="med"/>
+                    </a:lnL>
+                    <a:lnR w="9525" cap="flat" cmpd="sng" algn="ctr">
+                      <a:solidFill>
+                        <a:srgbClr val="CCCCCC"/>
+                      </a:solidFill>
+                      <a:prstDash val="solid"/>
+                      <a:round/>
+                      <a:headEnd type="none" w="med" len="med"/>
+                      <a:tailEnd type="none" w="med" len="med"/>
+                    </a:lnR>
+                    <a:lnT w="9525" cap="flat" cmpd="sng" algn="ctr">
+                      <a:solidFill>
+                        <a:srgbClr val="CCCCCC"/>
+                      </a:solidFill>
+                      <a:prstDash val="solid"/>
+                      <a:round/>
+                      <a:headEnd type="none" w="med" len="med"/>
+                      <a:tailEnd type="none" w="med" len="med"/>
+                    </a:lnT>
+                    <a:lnB w="9525" cap="flat" cmpd="sng" algn="ctr">
+                      <a:solidFill>
+                        <a:srgbClr val="CCCCCC"/>
+                      </a:solidFill>
+                      <a:prstDash val="solid"/>
+                      <a:round/>
+                      <a:headEnd type="none" w="med" len="med"/>
+                      <a:tailEnd type="none" w="med" len="med"/>
+                    </a:lnB>
+                    <a:solidFill>
+                      <a:srgbClr val="FEF8E3"/>
+                    </a:solidFill>
+                  </a:tcPr>
+                </a:tc>
+                <a:tc>
+                  <a:txBody>
+                    <a:bodyPr/>
+                    <a:lstStyle/>
+                    <a:p>
+                      <a:pPr rtl="0" fontAlgn="b"/>
+                      <a:endParaRPr lang="pt-BR">
+                        <a:effectLst/>
+                        <a:latin typeface="+mn-lt"/>
+                      </a:endParaRPr>
+                    </a:p>
+                  </a:txBody>
+                  <a:tcPr marL="28575" marR="28575" marT="19050" marB="19050" anchor="b">
+                    <a:lnL w="9525" cap="flat" cmpd="sng" algn="ctr">
+                      <a:solidFill>
+                        <a:srgbClr val="CCCCCC"/>
+                      </a:solidFill>
+                      <a:prstDash val="solid"/>
+                      <a:round/>
+                      <a:headEnd type="none" w="med" len="med"/>
+                      <a:tailEnd type="none" w="med" len="med"/>
+                    </a:lnL>
+                    <a:lnR w="9525" cap="flat" cmpd="sng" algn="ctr">
+                      <a:solidFill>
+                        <a:srgbClr val="CCCCCC"/>
+                      </a:solidFill>
+                      <a:prstDash val="solid"/>
+                      <a:round/>
+                      <a:headEnd type="none" w="med" len="med"/>
+                      <a:tailEnd type="none" w="med" len="med"/>
+                    </a:lnR>
+                    <a:lnT w="9525" cap="flat" cmpd="sng" algn="ctr">
+                      <a:solidFill>
+                        <a:srgbClr val="CCCCCC"/>
+                      </a:solidFill>
+                      <a:prstDash val="solid"/>
+                      <a:round/>
+                      <a:headEnd type="none" w="med" len="med"/>
+                      <a:tailEnd type="none" w="med" len="med"/>
+                    </a:lnT>
+                    <a:lnB w="9525" cap="flat" cmpd="sng" algn="ctr">
+                      <a:solidFill>
+                        <a:srgbClr val="CCCCCC"/>
+                      </a:solidFill>
+                      <a:prstDash val="solid"/>
+                      <a:round/>
+                      <a:headEnd type="none" w="med" len="med"/>
+                      <a:tailEnd type="none" w="med" len="med"/>
+                    </a:lnB>
+                    <a:solidFill>
+                      <a:srgbClr val="FEF8E3"/>
+                    </a:solidFill>
+                  </a:tcPr>
+                </a:tc>
+                <a:tc>
+                  <a:txBody>
+                    <a:bodyPr/>
+                    <a:lstStyle/>
+                    <a:p>
+                      <a:pPr rtl="0" fontAlgn="b"/>
+                      <a:endParaRPr lang="pt-BR" dirty="0">
+                        <a:effectLst/>
+                        <a:latin typeface="+mn-lt"/>
+                      </a:endParaRPr>
+                    </a:p>
+                  </a:txBody>
+                  <a:tcPr marL="28575" marR="28575" marT="19050" marB="19050" anchor="b">
+                    <a:lnL w="9525" cap="flat" cmpd="sng" algn="ctr">
+                      <a:solidFill>
+                        <a:srgbClr val="CCCCCC"/>
+                      </a:solidFill>
+                      <a:prstDash val="solid"/>
+                      <a:round/>
+                      <a:headEnd type="none" w="med" len="med"/>
+                      <a:tailEnd type="none" w="med" len="med"/>
+                    </a:lnL>
+                    <a:lnR w="9525" cap="flat" cmpd="sng" algn="ctr">
+                      <a:solidFill>
+                        <a:srgbClr val="CCCCCC"/>
+                      </a:solidFill>
+                      <a:prstDash val="solid"/>
+                      <a:round/>
+                      <a:headEnd type="none" w="med" len="med"/>
+                      <a:tailEnd type="none" w="med" len="med"/>
+                    </a:lnR>
+                    <a:lnT w="9525" cap="flat" cmpd="sng" algn="ctr">
+                      <a:solidFill>
+                        <a:srgbClr val="CCCCCC"/>
+                      </a:solidFill>
+                      <a:prstDash val="solid"/>
+                      <a:round/>
+                      <a:headEnd type="none" w="med" len="med"/>
+                      <a:tailEnd type="none" w="med" len="med"/>
+                    </a:lnT>
+                    <a:lnB w="9525" cap="flat" cmpd="sng" algn="ctr">
+                      <a:solidFill>
+                        <a:srgbClr val="CCCCCC"/>
+                      </a:solidFill>
+                      <a:prstDash val="solid"/>
+                      <a:round/>
+                      <a:headEnd type="none" w="med" len="med"/>
+                      <a:tailEnd type="none" w="med" len="med"/>
+                    </a:lnB>
+                    <a:solidFill>
+                      <a:srgbClr val="FEF8E3"/>
+                    </a:solidFill>
+                  </a:tcPr>
+                </a:tc>
+                <a:tc>
+                  <a:txBody>
+                    <a:bodyPr/>
+                    <a:lstStyle/>
+                    <a:p>
+                      <a:pPr rtl="0" fontAlgn="b"/>
+                      <a:endParaRPr lang="pt-BR" dirty="0">
+                        <a:effectLst/>
+                        <a:latin typeface="+mn-lt"/>
+                      </a:endParaRPr>
+                    </a:p>
+                  </a:txBody>
+                  <a:tcPr marL="28575" marR="28575" marT="19050" marB="19050" anchor="b">
+                    <a:lnL w="9525" cap="flat" cmpd="sng" algn="ctr">
+                      <a:solidFill>
+                        <a:srgbClr val="CCCCCC"/>
+                      </a:solidFill>
+                      <a:prstDash val="solid"/>
+                      <a:round/>
+                      <a:headEnd type="none" w="med" len="med"/>
+                      <a:tailEnd type="none" w="med" len="med"/>
+                    </a:lnL>
+                    <a:lnR w="9525" cap="flat" cmpd="sng" algn="ctr">
+                      <a:solidFill>
+                        <a:srgbClr val="CCCCCC"/>
+                      </a:solidFill>
+                      <a:prstDash val="solid"/>
+                      <a:round/>
+                      <a:headEnd type="none" w="med" len="med"/>
+                      <a:tailEnd type="none" w="med" len="med"/>
+                    </a:lnR>
+                    <a:lnT w="9525" cap="flat" cmpd="sng" algn="ctr">
+                      <a:solidFill>
+                        <a:srgbClr val="CCCCCC"/>
+                      </a:solidFill>
+                      <a:prstDash val="solid"/>
+                      <a:round/>
+                      <a:headEnd type="none" w="med" len="med"/>
+                      <a:tailEnd type="none" w="med" len="med"/>
+                    </a:lnT>
+                    <a:lnB w="9525" cap="flat" cmpd="sng" algn="ctr">
+                      <a:solidFill>
+                        <a:srgbClr val="CCCCCC"/>
+                      </a:solidFill>
+                      <a:prstDash val="solid"/>
+                      <a:round/>
+                      <a:headEnd type="none" w="med" len="med"/>
+                      <a:tailEnd type="none" w="med" len="med"/>
+                    </a:lnB>
+                    <a:solidFill>
+                      <a:srgbClr val="FEF8E3"/>
+                    </a:solidFill>
+                  </a:tcPr>
+                </a:tc>
+                <a:tc>
+                  <a:txBody>
+                    <a:bodyPr/>
+                    <a:lstStyle/>
+                    <a:p>
+                      <a:pPr rtl="0" fontAlgn="b"/>
+                      <a:endParaRPr lang="pt-BR">
+                        <a:effectLst/>
+                        <a:latin typeface="+mn-lt"/>
+                      </a:endParaRPr>
+                    </a:p>
+                  </a:txBody>
+                  <a:tcPr marL="28575" marR="28575" marT="19050" marB="19050" anchor="b">
+                    <a:lnL w="9525" cap="flat" cmpd="sng" algn="ctr">
+                      <a:solidFill>
+                        <a:srgbClr val="CCCCCC"/>
+                      </a:solidFill>
+                      <a:prstDash val="solid"/>
+                      <a:round/>
+                      <a:headEnd type="none" w="med" len="med"/>
+                      <a:tailEnd type="none" w="med" len="med"/>
+                    </a:lnL>
+                    <a:lnR w="9525" cap="flat" cmpd="sng" algn="ctr">
+                      <a:solidFill>
+                        <a:srgbClr val="666666"/>
+                      </a:solidFill>
+                      <a:prstDash val="dash"/>
+                      <a:round/>
+                      <a:headEnd type="none" w="med" len="med"/>
+                      <a:tailEnd type="none" w="med" len="med"/>
+                    </a:lnR>
+                    <a:lnT w="9525" cap="flat" cmpd="sng" algn="ctr">
+                      <a:solidFill>
+                        <a:srgbClr val="CCCCCC"/>
+                      </a:solidFill>
+                      <a:prstDash val="solid"/>
+                      <a:round/>
+                      <a:headEnd type="none" w="med" len="med"/>
+                      <a:tailEnd type="none" w="med" len="med"/>
+                    </a:lnT>
+                    <a:lnB w="9525" cap="flat" cmpd="sng" algn="ctr">
+                      <a:solidFill>
+                        <a:srgbClr val="CCCCCC"/>
+                      </a:solidFill>
+                      <a:prstDash val="solid"/>
+                      <a:round/>
+                      <a:headEnd type="none" w="med" len="med"/>
+                      <a:tailEnd type="none" w="med" len="med"/>
+                    </a:lnB>
+                    <a:solidFill>
+                      <a:srgbClr val="FEF8E3"/>
+                    </a:solidFill>
+                  </a:tcPr>
+                </a:tc>
+                <a:extLst>
+                  <a:ext uri="{0D108BD9-81ED-4DB2-BD59-A6C34878D82A}">
+                    <a16:rowId xmlns:a16="http://schemas.microsoft.com/office/drawing/2014/main" val="230527595"/>
+                  </a:ext>
+                </a:extLst>
+              </a:tr>
+              <a:tr h="200025">
+                <a:tc>
+                  <a:txBody>
+                    <a:bodyPr/>
+                    <a:lstStyle/>
+                    <a:p>
+                      <a:pPr rtl="0" fontAlgn="b"/>
+                      <a:r>
+                        <a:rPr lang="pt-BR" sz="1400" b="0">
+                          <a:solidFill>
+                            <a:srgbClr val="212121"/>
+                          </a:solidFill>
+                          <a:effectLst/>
+                          <a:latin typeface="+mn-lt"/>
+                        </a:rPr>
+                        <a:t>accuracy</a:t>
+                      </a:r>
+                    </a:p>
+                  </a:txBody>
+                  <a:tcPr marL="28575" marR="28575" marT="19050" marB="19050" anchor="b">
+                    <a:lnL w="9525" cap="flat" cmpd="sng" algn="ctr">
+                      <a:solidFill>
+                        <a:srgbClr val="666666"/>
+                      </a:solidFill>
+                      <a:prstDash val="dash"/>
+                      <a:round/>
+                      <a:headEnd type="none" w="med" len="med"/>
+                      <a:tailEnd type="none" w="med" len="med"/>
+                    </a:lnL>
+                    <a:lnR w="9525" cap="flat" cmpd="sng" algn="ctr">
+                      <a:solidFill>
+                        <a:srgbClr val="CCCCCC"/>
+                      </a:solidFill>
+                      <a:prstDash val="solid"/>
+                      <a:round/>
+                      <a:headEnd type="none" w="med" len="med"/>
+                      <a:tailEnd type="none" w="med" len="med"/>
+                    </a:lnR>
+                    <a:lnT w="9525" cap="flat" cmpd="sng" algn="ctr">
+                      <a:solidFill>
+                        <a:srgbClr val="CCCCCC"/>
+                      </a:solidFill>
+                      <a:prstDash val="solid"/>
+                      <a:round/>
+                      <a:headEnd type="none" w="med" len="med"/>
+                      <a:tailEnd type="none" w="med" len="med"/>
+                    </a:lnT>
+                    <a:lnB w="9525" cap="flat" cmpd="sng" algn="ctr">
+                      <a:solidFill>
+                        <a:srgbClr val="CCCCCC"/>
+                      </a:solidFill>
+                      <a:prstDash val="solid"/>
+                      <a:round/>
+                      <a:headEnd type="none" w="med" len="med"/>
+                      <a:tailEnd type="none" w="med" len="med"/>
+                    </a:lnB>
+                    <a:solidFill>
+                      <a:srgbClr val="FFFFFF"/>
+                    </a:solidFill>
+                  </a:tcPr>
+                </a:tc>
+                <a:tc>
+                  <a:txBody>
+                    <a:bodyPr/>
+                    <a:lstStyle/>
+                    <a:p>
+                      <a:pPr rtl="0" fontAlgn="b"/>
+                      <a:endParaRPr lang="pt-BR">
+                        <a:effectLst/>
+                        <a:latin typeface="+mn-lt"/>
+                      </a:endParaRPr>
+                    </a:p>
+                  </a:txBody>
+                  <a:tcPr marL="28575" marR="28575" marT="19050" marB="19050" anchor="b">
+                    <a:lnL w="9525" cap="flat" cmpd="sng" algn="ctr">
+                      <a:solidFill>
+                        <a:srgbClr val="CCCCCC"/>
+                      </a:solidFill>
+                      <a:prstDash val="solid"/>
+                      <a:round/>
+                      <a:headEnd type="none" w="med" len="med"/>
+                      <a:tailEnd type="none" w="med" len="med"/>
+                    </a:lnL>
+                    <a:lnR w="9525" cap="flat" cmpd="sng" algn="ctr">
+                      <a:solidFill>
+                        <a:srgbClr val="CCCCCC"/>
+                      </a:solidFill>
+                      <a:prstDash val="solid"/>
+                      <a:round/>
+                      <a:headEnd type="none" w="med" len="med"/>
+                      <a:tailEnd type="none" w="med" len="med"/>
+                    </a:lnR>
+                    <a:lnT w="9525" cap="flat" cmpd="sng" algn="ctr">
+                      <a:solidFill>
+                        <a:srgbClr val="CCCCCC"/>
+                      </a:solidFill>
+                      <a:prstDash val="solid"/>
+                      <a:round/>
+                      <a:headEnd type="none" w="med" len="med"/>
+                      <a:tailEnd type="none" w="med" len="med"/>
+                    </a:lnT>
+                    <a:lnB w="9525" cap="flat" cmpd="sng" algn="ctr">
+                      <a:solidFill>
+                        <a:srgbClr val="CCCCCC"/>
+                      </a:solidFill>
+                      <a:prstDash val="solid"/>
+                      <a:round/>
+                      <a:headEnd type="none" w="med" len="med"/>
+                      <a:tailEnd type="none" w="med" len="med"/>
+                    </a:lnB>
+                    <a:solidFill>
+                      <a:srgbClr val="FFFFFF"/>
+                    </a:solidFill>
+                  </a:tcPr>
+                </a:tc>
+                <a:tc>
+                  <a:txBody>
+                    <a:bodyPr/>
+                    <a:lstStyle/>
+                    <a:p>
+                      <a:pPr rtl="0" fontAlgn="b"/>
+                      <a:endParaRPr lang="pt-BR">
+                        <a:effectLst/>
+                        <a:latin typeface="+mn-lt"/>
+                      </a:endParaRPr>
+                    </a:p>
+                  </a:txBody>
+                  <a:tcPr marL="28575" marR="28575" marT="19050" marB="19050" anchor="b">
+                    <a:lnL w="9525" cap="flat" cmpd="sng" algn="ctr">
+                      <a:solidFill>
+                        <a:srgbClr val="CCCCCC"/>
+                      </a:solidFill>
+                      <a:prstDash val="solid"/>
+                      <a:round/>
+                      <a:headEnd type="none" w="med" len="med"/>
+                      <a:tailEnd type="none" w="med" len="med"/>
+                    </a:lnL>
+                    <a:lnR w="9525" cap="flat" cmpd="sng" algn="ctr">
+                      <a:solidFill>
+                        <a:srgbClr val="CCCCCC"/>
+                      </a:solidFill>
+                      <a:prstDash val="solid"/>
+                      <a:round/>
+                      <a:headEnd type="none" w="med" len="med"/>
+                      <a:tailEnd type="none" w="med" len="med"/>
+                    </a:lnR>
+                    <a:lnT w="9525" cap="flat" cmpd="sng" algn="ctr">
+                      <a:solidFill>
+                        <a:srgbClr val="CCCCCC"/>
+                      </a:solidFill>
+                      <a:prstDash val="solid"/>
+                      <a:round/>
+                      <a:headEnd type="none" w="med" len="med"/>
+                      <a:tailEnd type="none" w="med" len="med"/>
+                    </a:lnT>
+                    <a:lnB w="9525" cap="flat" cmpd="sng" algn="ctr">
+                      <a:solidFill>
+                        <a:srgbClr val="CCCCCC"/>
+                      </a:solidFill>
+                      <a:prstDash val="solid"/>
+                      <a:round/>
+                      <a:headEnd type="none" w="med" len="med"/>
+                      <a:tailEnd type="none" w="med" len="med"/>
+                    </a:lnB>
+                    <a:solidFill>
+                      <a:srgbClr val="FFFFFF"/>
+                    </a:solidFill>
+                  </a:tcPr>
+                </a:tc>
+                <a:tc>
+                  <a:txBody>
+                    <a:bodyPr/>
+                    <a:lstStyle/>
+                    <a:p>
+                      <a:pPr rtl="0" fontAlgn="b"/>
+                      <a:r>
+                        <a:rPr lang="pt-BR" sz="1400" b="0" dirty="0">
+                          <a:solidFill>
+                            <a:srgbClr val="212121"/>
+                          </a:solidFill>
+                          <a:effectLst/>
+                          <a:latin typeface="+mn-lt"/>
+                        </a:rPr>
+                        <a:t>0.71</a:t>
+                      </a:r>
+                    </a:p>
+                  </a:txBody>
+                  <a:tcPr marL="28575" marR="28575" marT="19050" marB="19050" anchor="b">
+                    <a:lnL w="9525" cap="flat" cmpd="sng" algn="ctr">
+                      <a:solidFill>
+                        <a:srgbClr val="CCCCCC"/>
+                      </a:solidFill>
+                      <a:prstDash val="solid"/>
+                      <a:round/>
+                      <a:headEnd type="none" w="med" len="med"/>
+                      <a:tailEnd type="none" w="med" len="med"/>
+                    </a:lnL>
+                    <a:lnR w="9525" cap="flat" cmpd="sng" algn="ctr">
+                      <a:solidFill>
+                        <a:srgbClr val="CCCCCC"/>
+                      </a:solidFill>
+                      <a:prstDash val="solid"/>
+                      <a:round/>
+                      <a:headEnd type="none" w="med" len="med"/>
+                      <a:tailEnd type="none" w="med" len="med"/>
+                    </a:lnR>
+                    <a:lnT w="9525" cap="flat" cmpd="sng" algn="ctr">
+                      <a:solidFill>
+                        <a:srgbClr val="CCCCCC"/>
+                      </a:solidFill>
+                      <a:prstDash val="solid"/>
+                      <a:round/>
+                      <a:headEnd type="none" w="med" len="med"/>
+                      <a:tailEnd type="none" w="med" len="med"/>
+                    </a:lnT>
+                    <a:lnB w="9525" cap="flat" cmpd="sng" algn="ctr">
+                      <a:solidFill>
+                        <a:srgbClr val="CCCCCC"/>
+                      </a:solidFill>
+                      <a:prstDash val="solid"/>
+                      <a:round/>
+                      <a:headEnd type="none" w="med" len="med"/>
+                      <a:tailEnd type="none" w="med" len="med"/>
+                    </a:lnB>
+                    <a:solidFill>
+                      <a:srgbClr val="FFFFFF"/>
+                    </a:solidFill>
+                  </a:tcPr>
+                </a:tc>
+                <a:tc>
+                  <a:txBody>
+                    <a:bodyPr/>
+                    <a:lstStyle/>
+                    <a:p>
+                      <a:pPr rtl="0" fontAlgn="b"/>
+                      <a:r>
+                        <a:rPr lang="pt-BR" sz="1400" b="0">
+                          <a:solidFill>
+                            <a:srgbClr val="212121"/>
+                          </a:solidFill>
+                          <a:effectLst/>
+                          <a:latin typeface="+mn-lt"/>
+                        </a:rPr>
+                        <a:t>4997</a:t>
+                      </a:r>
+                    </a:p>
+                  </a:txBody>
+                  <a:tcPr marL="28575" marR="28575" marT="19050" marB="19050" anchor="b">
+                    <a:lnL w="9525" cap="flat" cmpd="sng" algn="ctr">
+                      <a:solidFill>
+                        <a:srgbClr val="CCCCCC"/>
+                      </a:solidFill>
+                      <a:prstDash val="solid"/>
+                      <a:round/>
+                      <a:headEnd type="none" w="med" len="med"/>
+                      <a:tailEnd type="none" w="med" len="med"/>
+                    </a:lnL>
+                    <a:lnR w="9525" cap="flat" cmpd="sng" algn="ctr">
+                      <a:solidFill>
+                        <a:srgbClr val="666666"/>
+                      </a:solidFill>
+                      <a:prstDash val="dash"/>
+                      <a:round/>
+                      <a:headEnd type="none" w="med" len="med"/>
+                      <a:tailEnd type="none" w="med" len="med"/>
+                    </a:lnR>
+                    <a:lnT w="9525" cap="flat" cmpd="sng" algn="ctr">
+                      <a:solidFill>
+                        <a:srgbClr val="CCCCCC"/>
+                      </a:solidFill>
+                      <a:prstDash val="solid"/>
+                      <a:round/>
+                      <a:headEnd type="none" w="med" len="med"/>
+                      <a:tailEnd type="none" w="med" len="med"/>
+                    </a:lnT>
+                    <a:lnB w="9525" cap="flat" cmpd="sng" algn="ctr">
+                      <a:solidFill>
+                        <a:srgbClr val="CCCCCC"/>
+                      </a:solidFill>
+                      <a:prstDash val="solid"/>
+                      <a:round/>
+                      <a:headEnd type="none" w="med" len="med"/>
+                      <a:tailEnd type="none" w="med" len="med"/>
+                    </a:lnB>
+                    <a:solidFill>
+                      <a:srgbClr val="FFFFFF"/>
+                    </a:solidFill>
+                  </a:tcPr>
+                </a:tc>
+                <a:extLst>
+                  <a:ext uri="{0D108BD9-81ED-4DB2-BD59-A6C34878D82A}">
+                    <a16:rowId xmlns:a16="http://schemas.microsoft.com/office/drawing/2014/main" val="174086590"/>
+                  </a:ext>
+                </a:extLst>
+              </a:tr>
+              <a:tr h="200025">
+                <a:tc>
+                  <a:txBody>
+                    <a:bodyPr/>
+                    <a:lstStyle/>
+                    <a:p>
+                      <a:pPr rtl="0" fontAlgn="b"/>
+                      <a:r>
+                        <a:rPr lang="pt-BR" sz="1400" b="0" dirty="0">
+                          <a:solidFill>
+                            <a:srgbClr val="212121"/>
+                          </a:solidFill>
+                          <a:effectLst/>
+                          <a:latin typeface="+mn-lt"/>
+                        </a:rPr>
+                        <a:t>macro </a:t>
+                      </a:r>
+                      <a:r>
+                        <a:rPr lang="pt-BR" sz="1400" b="0" dirty="0" err="1">
+                          <a:solidFill>
+                            <a:srgbClr val="212121"/>
+                          </a:solidFill>
+                          <a:effectLst/>
+                          <a:latin typeface="+mn-lt"/>
+                        </a:rPr>
+                        <a:t>avg</a:t>
+                      </a:r>
+                      <a:endParaRPr lang="pt-BR" sz="1400" b="0" dirty="0">
+                        <a:solidFill>
+                          <a:srgbClr val="212121"/>
+                        </a:solidFill>
+                        <a:effectLst/>
+                        <a:latin typeface="+mn-lt"/>
+                      </a:endParaRPr>
+                    </a:p>
+                  </a:txBody>
+                  <a:tcPr marL="28575" marR="28575" marT="19050" marB="19050" anchor="b">
+                    <a:lnL w="9525" cap="flat" cmpd="sng" algn="ctr">
+                      <a:solidFill>
+                        <a:srgbClr val="666666"/>
+                      </a:solidFill>
+                      <a:prstDash val="dash"/>
+                      <a:round/>
+                      <a:headEnd type="none" w="med" len="med"/>
+                      <a:tailEnd type="none" w="med" len="med"/>
+                    </a:lnL>
+                    <a:lnR w="9525" cap="flat" cmpd="sng" algn="ctr">
+                      <a:solidFill>
+                        <a:srgbClr val="CCCCCC"/>
+                      </a:solidFill>
+                      <a:prstDash val="solid"/>
+                      <a:round/>
+                      <a:headEnd type="none" w="med" len="med"/>
+                      <a:tailEnd type="none" w="med" len="med"/>
+                    </a:lnR>
+                    <a:lnT w="9525" cap="flat" cmpd="sng" algn="ctr">
+                      <a:solidFill>
+                        <a:srgbClr val="CCCCCC"/>
+                      </a:solidFill>
+                      <a:prstDash val="solid"/>
+                      <a:round/>
+                      <a:headEnd type="none" w="med" len="med"/>
+                      <a:tailEnd type="none" w="med" len="med"/>
+                    </a:lnT>
+                    <a:lnB w="9525" cap="flat" cmpd="sng" algn="ctr">
+                      <a:solidFill>
+                        <a:srgbClr val="CCCCCC"/>
+                      </a:solidFill>
+                      <a:prstDash val="solid"/>
+                      <a:round/>
+                      <a:headEnd type="none" w="med" len="med"/>
+                      <a:tailEnd type="none" w="med" len="med"/>
+                    </a:lnB>
+                    <a:solidFill>
+                      <a:srgbClr val="FEF8E3"/>
+                    </a:solidFill>
+                  </a:tcPr>
+                </a:tc>
+                <a:tc>
+                  <a:txBody>
+                    <a:bodyPr/>
+                    <a:lstStyle/>
+                    <a:p>
+                      <a:pPr rtl="0" fontAlgn="b"/>
+                      <a:r>
+                        <a:rPr lang="pt-BR" sz="1400" b="0">
+                          <a:solidFill>
+                            <a:srgbClr val="212121"/>
+                          </a:solidFill>
+                          <a:effectLst/>
+                          <a:latin typeface="+mn-lt"/>
+                        </a:rPr>
+                        <a:t>0.72</a:t>
+                      </a:r>
+                    </a:p>
+                  </a:txBody>
+                  <a:tcPr marL="28575" marR="28575" marT="19050" marB="19050" anchor="b">
+                    <a:lnL w="9525" cap="flat" cmpd="sng" algn="ctr">
+                      <a:solidFill>
+                        <a:srgbClr val="CCCCCC"/>
+                      </a:solidFill>
+                      <a:prstDash val="solid"/>
+                      <a:round/>
+                      <a:headEnd type="none" w="med" len="med"/>
+                      <a:tailEnd type="none" w="med" len="med"/>
+                    </a:lnL>
+                    <a:lnR w="9525" cap="flat" cmpd="sng" algn="ctr">
+                      <a:solidFill>
+                        <a:srgbClr val="CCCCCC"/>
+                      </a:solidFill>
+                      <a:prstDash val="solid"/>
+                      <a:round/>
+                      <a:headEnd type="none" w="med" len="med"/>
+                      <a:tailEnd type="none" w="med" len="med"/>
+                    </a:lnR>
+                    <a:lnT w="9525" cap="flat" cmpd="sng" algn="ctr">
+                      <a:solidFill>
+                        <a:srgbClr val="CCCCCC"/>
+                      </a:solidFill>
+                      <a:prstDash val="solid"/>
+                      <a:round/>
+                      <a:headEnd type="none" w="med" len="med"/>
+                      <a:tailEnd type="none" w="med" len="med"/>
+                    </a:lnT>
+                    <a:lnB w="9525" cap="flat" cmpd="sng" algn="ctr">
+                      <a:solidFill>
+                        <a:srgbClr val="CCCCCC"/>
+                      </a:solidFill>
+                      <a:prstDash val="solid"/>
+                      <a:round/>
+                      <a:headEnd type="none" w="med" len="med"/>
+                      <a:tailEnd type="none" w="med" len="med"/>
+                    </a:lnB>
+                    <a:solidFill>
+                      <a:srgbClr val="FEF8E3"/>
+                    </a:solidFill>
+                  </a:tcPr>
+                </a:tc>
+                <a:tc>
+                  <a:txBody>
+                    <a:bodyPr/>
+                    <a:lstStyle/>
+                    <a:p>
+                      <a:pPr rtl="0" fontAlgn="b"/>
+                      <a:r>
+                        <a:rPr lang="pt-BR" sz="1400" b="0">
+                          <a:solidFill>
+                            <a:srgbClr val="212121"/>
+                          </a:solidFill>
+                          <a:effectLst/>
+                          <a:latin typeface="+mn-lt"/>
+                        </a:rPr>
+                        <a:t>0.71</a:t>
+                      </a:r>
+                    </a:p>
+                  </a:txBody>
+                  <a:tcPr marL="28575" marR="28575" marT="19050" marB="19050" anchor="b">
+                    <a:lnL w="9525" cap="flat" cmpd="sng" algn="ctr">
+                      <a:solidFill>
+                        <a:srgbClr val="CCCCCC"/>
+                      </a:solidFill>
+                      <a:prstDash val="solid"/>
+                      <a:round/>
+                      <a:headEnd type="none" w="med" len="med"/>
+                      <a:tailEnd type="none" w="med" len="med"/>
+                    </a:lnL>
+                    <a:lnR w="9525" cap="flat" cmpd="sng" algn="ctr">
+                      <a:solidFill>
+                        <a:srgbClr val="CCCCCC"/>
+                      </a:solidFill>
+                      <a:prstDash val="solid"/>
+                      <a:round/>
+                      <a:headEnd type="none" w="med" len="med"/>
+                      <a:tailEnd type="none" w="med" len="med"/>
+                    </a:lnR>
+                    <a:lnT w="9525" cap="flat" cmpd="sng" algn="ctr">
+                      <a:solidFill>
+                        <a:srgbClr val="CCCCCC"/>
+                      </a:solidFill>
+                      <a:prstDash val="solid"/>
+                      <a:round/>
+                      <a:headEnd type="none" w="med" len="med"/>
+                      <a:tailEnd type="none" w="med" len="med"/>
+                    </a:lnT>
+                    <a:lnB w="9525" cap="flat" cmpd="sng" algn="ctr">
+                      <a:solidFill>
+                        <a:srgbClr val="CCCCCC"/>
+                      </a:solidFill>
+                      <a:prstDash val="solid"/>
+                      <a:round/>
+                      <a:headEnd type="none" w="med" len="med"/>
+                      <a:tailEnd type="none" w="med" len="med"/>
+                    </a:lnB>
+                    <a:solidFill>
+                      <a:srgbClr val="FEF8E3"/>
+                    </a:solidFill>
+                  </a:tcPr>
+                </a:tc>
+                <a:tc>
+                  <a:txBody>
+                    <a:bodyPr/>
+                    <a:lstStyle/>
+                    <a:p>
+                      <a:pPr rtl="0" fontAlgn="b"/>
+                      <a:r>
+                        <a:rPr lang="pt-BR" sz="1400" b="0" dirty="0">
+                          <a:solidFill>
+                            <a:srgbClr val="212121"/>
+                          </a:solidFill>
+                          <a:effectLst/>
+                          <a:latin typeface="+mn-lt"/>
+                        </a:rPr>
+                        <a:t>0.69</a:t>
+                      </a:r>
+                    </a:p>
+                  </a:txBody>
+                  <a:tcPr marL="28575" marR="28575" marT="19050" marB="19050" anchor="b">
+                    <a:lnL w="9525" cap="flat" cmpd="sng" algn="ctr">
+                      <a:solidFill>
+                        <a:srgbClr val="CCCCCC"/>
+                      </a:solidFill>
+                      <a:prstDash val="solid"/>
+                      <a:round/>
+                      <a:headEnd type="none" w="med" len="med"/>
+                      <a:tailEnd type="none" w="med" len="med"/>
+                    </a:lnL>
+                    <a:lnR w="9525" cap="flat" cmpd="sng" algn="ctr">
+                      <a:solidFill>
+                        <a:srgbClr val="CCCCCC"/>
+                      </a:solidFill>
+                      <a:prstDash val="solid"/>
+                      <a:round/>
+                      <a:headEnd type="none" w="med" len="med"/>
+                      <a:tailEnd type="none" w="med" len="med"/>
+                    </a:lnR>
+                    <a:lnT w="9525" cap="flat" cmpd="sng" algn="ctr">
+                      <a:solidFill>
+                        <a:srgbClr val="CCCCCC"/>
+                      </a:solidFill>
+                      <a:prstDash val="solid"/>
+                      <a:round/>
+                      <a:headEnd type="none" w="med" len="med"/>
+                      <a:tailEnd type="none" w="med" len="med"/>
+                    </a:lnT>
+                    <a:lnB w="9525" cap="flat" cmpd="sng" algn="ctr">
+                      <a:solidFill>
+                        <a:srgbClr val="CCCCCC"/>
+                      </a:solidFill>
+                      <a:prstDash val="solid"/>
+                      <a:round/>
+                      <a:headEnd type="none" w="med" len="med"/>
+                      <a:tailEnd type="none" w="med" len="med"/>
+                    </a:lnB>
+                    <a:solidFill>
+                      <a:srgbClr val="FEF8E3"/>
+                    </a:solidFill>
+                  </a:tcPr>
+                </a:tc>
+                <a:tc>
+                  <a:txBody>
+                    <a:bodyPr/>
+                    <a:lstStyle/>
+                    <a:p>
+                      <a:pPr rtl="0" fontAlgn="b"/>
+                      <a:r>
+                        <a:rPr lang="pt-BR" sz="1400" b="0" dirty="0">
+                          <a:solidFill>
+                            <a:srgbClr val="212121"/>
+                          </a:solidFill>
+                          <a:effectLst/>
+                          <a:latin typeface="+mn-lt"/>
+                        </a:rPr>
+                        <a:t>4997</a:t>
+                      </a:r>
+                    </a:p>
+                  </a:txBody>
+                  <a:tcPr marL="28575" marR="28575" marT="19050" marB="19050" anchor="b">
+                    <a:lnL w="9525" cap="flat" cmpd="sng" algn="ctr">
+                      <a:solidFill>
+                        <a:srgbClr val="CCCCCC"/>
+                      </a:solidFill>
+                      <a:prstDash val="solid"/>
+                      <a:round/>
+                      <a:headEnd type="none" w="med" len="med"/>
+                      <a:tailEnd type="none" w="med" len="med"/>
+                    </a:lnL>
+                    <a:lnR w="9525" cap="flat" cmpd="sng" algn="ctr">
+                      <a:solidFill>
+                        <a:srgbClr val="666666"/>
+                      </a:solidFill>
+                      <a:prstDash val="dash"/>
+                      <a:round/>
+                      <a:headEnd type="none" w="med" len="med"/>
+                      <a:tailEnd type="none" w="med" len="med"/>
+                    </a:lnR>
+                    <a:lnT w="9525" cap="flat" cmpd="sng" algn="ctr">
+                      <a:solidFill>
+                        <a:srgbClr val="CCCCCC"/>
+                      </a:solidFill>
+                      <a:prstDash val="solid"/>
+                      <a:round/>
+                      <a:headEnd type="none" w="med" len="med"/>
+                      <a:tailEnd type="none" w="med" len="med"/>
+                    </a:lnT>
+                    <a:lnB w="9525" cap="flat" cmpd="sng" algn="ctr">
+                      <a:solidFill>
+                        <a:srgbClr val="CCCCCC"/>
+                      </a:solidFill>
+                      <a:prstDash val="solid"/>
+                      <a:round/>
+                      <a:headEnd type="none" w="med" len="med"/>
+                      <a:tailEnd type="none" w="med" len="med"/>
+                    </a:lnB>
+                    <a:solidFill>
+                      <a:srgbClr val="FEF8E3"/>
+                    </a:solidFill>
+                  </a:tcPr>
+                </a:tc>
+                <a:extLst>
+                  <a:ext uri="{0D108BD9-81ED-4DB2-BD59-A6C34878D82A}">
+                    <a16:rowId xmlns:a16="http://schemas.microsoft.com/office/drawing/2014/main" val="1817585681"/>
+                  </a:ext>
+                </a:extLst>
+              </a:tr>
+              <a:tr h="200025">
+                <a:tc>
+                  <a:txBody>
+                    <a:bodyPr/>
+                    <a:lstStyle/>
+                    <a:p>
+                      <a:pPr rtl="0" fontAlgn="b"/>
+                      <a:r>
+                        <a:rPr lang="pt-BR" sz="1400" b="0" dirty="0" err="1">
+                          <a:solidFill>
+                            <a:srgbClr val="212121"/>
+                          </a:solidFill>
+                          <a:effectLst/>
+                          <a:latin typeface="+mn-lt"/>
+                        </a:rPr>
+                        <a:t>weighted</a:t>
+                      </a:r>
+                      <a:r>
+                        <a:rPr lang="pt-BR" sz="1400" b="0" dirty="0">
+                          <a:solidFill>
+                            <a:srgbClr val="212121"/>
+                          </a:solidFill>
+                          <a:effectLst/>
+                          <a:latin typeface="+mn-lt"/>
+                        </a:rPr>
+                        <a:t> </a:t>
+                      </a:r>
+                      <a:r>
+                        <a:rPr lang="pt-BR" sz="1400" b="0" dirty="0" err="1">
+                          <a:solidFill>
+                            <a:srgbClr val="212121"/>
+                          </a:solidFill>
+                          <a:effectLst/>
+                          <a:latin typeface="+mn-lt"/>
+                        </a:rPr>
+                        <a:t>avg</a:t>
+                      </a:r>
+                      <a:endParaRPr lang="pt-BR" sz="1400" b="0" dirty="0">
+                        <a:solidFill>
+                          <a:srgbClr val="212121"/>
+                        </a:solidFill>
+                        <a:effectLst/>
+                        <a:latin typeface="+mn-lt"/>
+                      </a:endParaRPr>
+                    </a:p>
+                  </a:txBody>
+                  <a:tcPr marL="28575" marR="28575" marT="19050" marB="19050" anchor="b">
+                    <a:lnL w="9525" cap="flat" cmpd="sng" algn="ctr">
+                      <a:solidFill>
+                        <a:srgbClr val="666666"/>
+                      </a:solidFill>
+                      <a:prstDash val="dash"/>
+                      <a:round/>
+                      <a:headEnd type="none" w="med" len="med"/>
+                      <a:tailEnd type="none" w="med" len="med"/>
+                    </a:lnL>
+                    <a:lnR w="9525" cap="flat" cmpd="sng" algn="ctr">
+                      <a:solidFill>
+                        <a:srgbClr val="CCCCCC"/>
+                      </a:solidFill>
+                      <a:prstDash val="solid"/>
+                      <a:round/>
+                      <a:headEnd type="none" w="med" len="med"/>
+                      <a:tailEnd type="none" w="med" len="med"/>
+                    </a:lnR>
+                    <a:lnT w="9525" cap="flat" cmpd="sng" algn="ctr">
+                      <a:solidFill>
+                        <a:srgbClr val="CCCCCC"/>
+                      </a:solidFill>
+                      <a:prstDash val="solid"/>
+                      <a:round/>
+                      <a:headEnd type="none" w="med" len="med"/>
+                      <a:tailEnd type="none" w="med" len="med"/>
+                    </a:lnT>
+                    <a:lnB w="9525" cap="flat" cmpd="sng" algn="ctr">
+                      <a:solidFill>
+                        <a:srgbClr val="666666"/>
+                      </a:solidFill>
+                      <a:prstDash val="dash"/>
+                      <a:round/>
+                      <a:headEnd type="none" w="med" len="med"/>
+                      <a:tailEnd type="none" w="med" len="med"/>
+                    </a:lnB>
+                    <a:solidFill>
+                      <a:srgbClr val="FFFFFF"/>
+                    </a:solidFill>
+                  </a:tcPr>
+                </a:tc>
+                <a:tc>
+                  <a:txBody>
+                    <a:bodyPr/>
+                    <a:lstStyle/>
+                    <a:p>
+                      <a:pPr rtl="0" fontAlgn="b"/>
+                      <a:r>
+                        <a:rPr lang="pt-BR" sz="1400" b="0" dirty="0">
+                          <a:solidFill>
+                            <a:srgbClr val="212121"/>
+                          </a:solidFill>
+                          <a:effectLst/>
+                          <a:latin typeface="+mn-lt"/>
+                        </a:rPr>
+                        <a:t>0.72</a:t>
+                      </a:r>
+                    </a:p>
+                  </a:txBody>
+                  <a:tcPr marL="28575" marR="28575" marT="19050" marB="19050" anchor="b">
+                    <a:lnL w="9525" cap="flat" cmpd="sng" algn="ctr">
+                      <a:solidFill>
+                        <a:srgbClr val="CCCCCC"/>
+                      </a:solidFill>
+                      <a:prstDash val="solid"/>
+                      <a:round/>
+                      <a:headEnd type="none" w="med" len="med"/>
+                      <a:tailEnd type="none" w="med" len="med"/>
+                    </a:lnL>
+                    <a:lnR w="9525" cap="flat" cmpd="sng" algn="ctr">
+                      <a:solidFill>
+                        <a:srgbClr val="CCCCCC"/>
+                      </a:solidFill>
+                      <a:prstDash val="solid"/>
+                      <a:round/>
+                      <a:headEnd type="none" w="med" len="med"/>
+                      <a:tailEnd type="none" w="med" len="med"/>
+                    </a:lnR>
+                    <a:lnT w="9525" cap="flat" cmpd="sng" algn="ctr">
+                      <a:solidFill>
+                        <a:srgbClr val="CCCCCC"/>
+                      </a:solidFill>
+                      <a:prstDash val="solid"/>
+                      <a:round/>
+                      <a:headEnd type="none" w="med" len="med"/>
+                      <a:tailEnd type="none" w="med" len="med"/>
+                    </a:lnT>
+                    <a:lnB w="9525" cap="flat" cmpd="sng" algn="ctr">
+                      <a:solidFill>
+                        <a:srgbClr val="666666"/>
+                      </a:solidFill>
+                      <a:prstDash val="dash"/>
+                      <a:round/>
+                      <a:headEnd type="none" w="med" len="med"/>
+                      <a:tailEnd type="none" w="med" len="med"/>
+                    </a:lnB>
+                    <a:solidFill>
+                      <a:srgbClr val="FFFFFF"/>
+                    </a:solidFill>
+                  </a:tcPr>
+                </a:tc>
+                <a:tc>
+                  <a:txBody>
+                    <a:bodyPr/>
+                    <a:lstStyle/>
+                    <a:p>
+                      <a:pPr rtl="0" fontAlgn="b"/>
+                      <a:r>
+                        <a:rPr lang="pt-BR" sz="1400" b="0">
+                          <a:solidFill>
+                            <a:srgbClr val="212121"/>
+                          </a:solidFill>
+                          <a:effectLst/>
+                          <a:latin typeface="+mn-lt"/>
+                        </a:rPr>
+                        <a:t>0.71</a:t>
+                      </a:r>
+                    </a:p>
+                  </a:txBody>
+                  <a:tcPr marL="28575" marR="28575" marT="19050" marB="19050" anchor="b">
+                    <a:lnL w="9525" cap="flat" cmpd="sng" algn="ctr">
+                      <a:solidFill>
+                        <a:srgbClr val="CCCCCC"/>
+                      </a:solidFill>
+                      <a:prstDash val="solid"/>
+                      <a:round/>
+                      <a:headEnd type="none" w="med" len="med"/>
+                      <a:tailEnd type="none" w="med" len="med"/>
+                    </a:lnL>
+                    <a:lnR w="9525" cap="flat" cmpd="sng" algn="ctr">
+                      <a:solidFill>
+                        <a:srgbClr val="CCCCCC"/>
+                      </a:solidFill>
+                      <a:prstDash val="solid"/>
+                      <a:round/>
+                      <a:headEnd type="none" w="med" len="med"/>
+                      <a:tailEnd type="none" w="med" len="med"/>
+                    </a:lnR>
+                    <a:lnT w="9525" cap="flat" cmpd="sng" algn="ctr">
+                      <a:solidFill>
+                        <a:srgbClr val="CCCCCC"/>
+                      </a:solidFill>
+                      <a:prstDash val="solid"/>
+                      <a:round/>
+                      <a:headEnd type="none" w="med" len="med"/>
+                      <a:tailEnd type="none" w="med" len="med"/>
+                    </a:lnT>
+                    <a:lnB w="9525" cap="flat" cmpd="sng" algn="ctr">
+                      <a:solidFill>
+                        <a:srgbClr val="666666"/>
+                      </a:solidFill>
+                      <a:prstDash val="dash"/>
+                      <a:round/>
+                      <a:headEnd type="none" w="med" len="med"/>
+                      <a:tailEnd type="none" w="med" len="med"/>
+                    </a:lnB>
+                    <a:solidFill>
+                      <a:srgbClr val="FFFFFF"/>
+                    </a:solidFill>
+                  </a:tcPr>
+                </a:tc>
+                <a:tc>
+                  <a:txBody>
+                    <a:bodyPr/>
+                    <a:lstStyle/>
+                    <a:p>
+                      <a:pPr rtl="0" fontAlgn="b"/>
+                      <a:r>
+                        <a:rPr lang="pt-BR" sz="1400" b="0">
+                          <a:solidFill>
+                            <a:srgbClr val="212121"/>
+                          </a:solidFill>
+                          <a:effectLst/>
+                          <a:latin typeface="+mn-lt"/>
+                        </a:rPr>
+                        <a:t>0.69</a:t>
+                      </a:r>
+                    </a:p>
+                  </a:txBody>
+                  <a:tcPr marL="28575" marR="28575" marT="19050" marB="19050" anchor="b">
+                    <a:lnL w="9525" cap="flat" cmpd="sng" algn="ctr">
+                      <a:solidFill>
+                        <a:srgbClr val="CCCCCC"/>
+                      </a:solidFill>
+                      <a:prstDash val="solid"/>
+                      <a:round/>
+                      <a:headEnd type="none" w="med" len="med"/>
+                      <a:tailEnd type="none" w="med" len="med"/>
+                    </a:lnL>
+                    <a:lnR w="9525" cap="flat" cmpd="sng" algn="ctr">
+                      <a:solidFill>
+                        <a:srgbClr val="CCCCCC"/>
+                      </a:solidFill>
+                      <a:prstDash val="solid"/>
+                      <a:round/>
+                      <a:headEnd type="none" w="med" len="med"/>
+                      <a:tailEnd type="none" w="med" len="med"/>
+                    </a:lnR>
+                    <a:lnT w="9525" cap="flat" cmpd="sng" algn="ctr">
+                      <a:solidFill>
+                        <a:srgbClr val="CCCCCC"/>
+                      </a:solidFill>
+                      <a:prstDash val="solid"/>
+                      <a:round/>
+                      <a:headEnd type="none" w="med" len="med"/>
+                      <a:tailEnd type="none" w="med" len="med"/>
+                    </a:lnT>
+                    <a:lnB w="9525" cap="flat" cmpd="sng" algn="ctr">
+                      <a:solidFill>
+                        <a:srgbClr val="666666"/>
+                      </a:solidFill>
+                      <a:prstDash val="dash"/>
+                      <a:round/>
+                      <a:headEnd type="none" w="med" len="med"/>
+                      <a:tailEnd type="none" w="med" len="med"/>
+                    </a:lnB>
+                    <a:solidFill>
+                      <a:srgbClr val="FFFFFF"/>
+                    </a:solidFill>
+                  </a:tcPr>
+                </a:tc>
+                <a:tc>
+                  <a:txBody>
+                    <a:bodyPr/>
+                    <a:lstStyle/>
+                    <a:p>
+                      <a:pPr rtl="0" fontAlgn="b"/>
+                      <a:r>
+                        <a:rPr lang="pt-BR" sz="1400" b="0" dirty="0">
+                          <a:solidFill>
+                            <a:srgbClr val="212121"/>
+                          </a:solidFill>
+                          <a:effectLst/>
+                          <a:latin typeface="+mn-lt"/>
+                        </a:rPr>
+                        <a:t>4997</a:t>
+                      </a:r>
+                    </a:p>
+                  </a:txBody>
+                  <a:tcPr marL="28575" marR="28575" marT="19050" marB="19050" anchor="b">
+                    <a:lnL w="9525" cap="flat" cmpd="sng" algn="ctr">
+                      <a:solidFill>
+                        <a:srgbClr val="CCCCCC"/>
+                      </a:solidFill>
+                      <a:prstDash val="solid"/>
+                      <a:round/>
+                      <a:headEnd type="none" w="med" len="med"/>
+                      <a:tailEnd type="none" w="med" len="med"/>
+                    </a:lnL>
+                    <a:lnR w="9525" cap="flat" cmpd="sng" algn="ctr">
+                      <a:solidFill>
+                        <a:srgbClr val="666666"/>
+                      </a:solidFill>
+                      <a:prstDash val="dash"/>
+                      <a:round/>
+                      <a:headEnd type="none" w="med" len="med"/>
+                      <a:tailEnd type="none" w="med" len="med"/>
+                    </a:lnR>
+                    <a:lnT w="9525" cap="flat" cmpd="sng" algn="ctr">
+                      <a:solidFill>
+                        <a:srgbClr val="CCCCCC"/>
+                      </a:solidFill>
+                      <a:prstDash val="solid"/>
+                      <a:round/>
+                      <a:headEnd type="none" w="med" len="med"/>
+                      <a:tailEnd type="none" w="med" len="med"/>
+                    </a:lnT>
+                    <a:lnB w="9525" cap="flat" cmpd="sng" algn="ctr">
+                      <a:solidFill>
+                        <a:srgbClr val="666666"/>
+                      </a:solidFill>
+                      <a:prstDash val="dash"/>
+                      <a:round/>
+                      <a:headEnd type="none" w="med" len="med"/>
+                      <a:tailEnd type="none" w="med" len="med"/>
+                    </a:lnB>
+                    <a:solidFill>
+                      <a:srgbClr val="FFFFFF"/>
+                    </a:solidFill>
+                  </a:tcPr>
+                </a:tc>
+                <a:extLst>
+                  <a:ext uri="{0D108BD9-81ED-4DB2-BD59-A6C34878D82A}">
+                    <a16:rowId xmlns:a16="http://schemas.microsoft.com/office/drawing/2014/main" val="430099890"/>
+                  </a:ext>
+                </a:extLst>
+              </a:tr>
+            </a:tbl>
+          </a:graphicData>
+        </a:graphic>
+      </p:graphicFrame>
+    </p:spTree>
+  </p:cSld>
+  <p:clrMapOvr>
+    <a:masterClrMapping/>
+  </p:clrMapOvr>
+  <mc:AlternateContent xmlns:mc="http://schemas.openxmlformats.org/markup-compatibility/2006" xmlns:p14="http://schemas.microsoft.com/office/powerpoint/2010/main">
+    <mc:Choice Requires="p14">
+      <p:transition spd="slow" p14:dur="2000"/>
+    </mc:Choice>
+    <mc:Fallback xmlns="" xmlns:p15="http://schemas.microsoft.com/office/powerpoint/2012/main">
       <p:transition spd="slow"/>
     </mc:Fallback>
   </mc:AlternateContent>
